--- a/Documentation/Mcsim Python toolbox.pptx
+++ b/Documentation/Mcsim Python toolbox.pptx
@@ -6,13 +6,14 @@
   </p:sldMasterIdLst>
   <p:sldIdLst>
     <p:sldId id="256" r:id="rId2"/>
-    <p:sldId id="263" r:id="rId3"/>
-    <p:sldId id="264" r:id="rId4"/>
-    <p:sldId id="258" r:id="rId5"/>
-    <p:sldId id="257" r:id="rId6"/>
-    <p:sldId id="261" r:id="rId7"/>
-    <p:sldId id="259" r:id="rId8"/>
-    <p:sldId id="260" r:id="rId9"/>
+    <p:sldId id="265" r:id="rId3"/>
+    <p:sldId id="266" r:id="rId4"/>
+    <p:sldId id="267" r:id="rId5"/>
+    <p:sldId id="264" r:id="rId6"/>
+    <p:sldId id="258" r:id="rId7"/>
+    <p:sldId id="261" r:id="rId8"/>
+    <p:sldId id="259" r:id="rId9"/>
+    <p:sldId id="260" r:id="rId10"/>
   </p:sldIdLst>
   <p:sldSz cx="12192000" cy="6858000"/>
   <p:notesSz cx="6858000" cy="9144000"/>
@@ -111,6 +112,11 @@
       </a:defRPr>
     </a:lvl9pPr>
   </p:defaultTextStyle>
+  <p:extLst>
+    <p:ext uri="{EFAFB233-063F-42B5-8137-9DF3F51BA10A}">
+      <p15:sldGuideLst xmlns:p15="http://schemas.microsoft.com/office/powerpoint/2012/main"/>
+    </p:ext>
+  </p:extLst>
 </p:presentation>
 </file>
 
@@ -263,7 +269,7 @@
           <a:p>
             <a:fld id="{D7B83493-D4A0-463F-97E4-17E73EAC9BB1}" type="datetimeFigureOut">
               <a:rPr lang="nb-NO" smtClean="0"/>
-              <a:t>01.02.2022</a:t>
+              <a:t>02.02.2022</a:t>
             </a:fld>
             <a:endParaRPr lang="nb-NO"/>
           </a:p>
@@ -463,7 +469,7 @@
           <a:p>
             <a:fld id="{D7B83493-D4A0-463F-97E4-17E73EAC9BB1}" type="datetimeFigureOut">
               <a:rPr lang="nb-NO" smtClean="0"/>
-              <a:t>01.02.2022</a:t>
+              <a:t>02.02.2022</a:t>
             </a:fld>
             <a:endParaRPr lang="nb-NO"/>
           </a:p>
@@ -673,7 +679,7 @@
           <a:p>
             <a:fld id="{D7B83493-D4A0-463F-97E4-17E73EAC9BB1}" type="datetimeFigureOut">
               <a:rPr lang="nb-NO" smtClean="0"/>
-              <a:t>01.02.2022</a:t>
+              <a:t>02.02.2022</a:t>
             </a:fld>
             <a:endParaRPr lang="nb-NO"/>
           </a:p>
@@ -873,7 +879,7 @@
           <a:p>
             <a:fld id="{D7B83493-D4A0-463F-97E4-17E73EAC9BB1}" type="datetimeFigureOut">
               <a:rPr lang="nb-NO" smtClean="0"/>
-              <a:t>01.02.2022</a:t>
+              <a:t>02.02.2022</a:t>
             </a:fld>
             <a:endParaRPr lang="nb-NO"/>
           </a:p>
@@ -1149,7 +1155,7 @@
           <a:p>
             <a:fld id="{D7B83493-D4A0-463F-97E4-17E73EAC9BB1}" type="datetimeFigureOut">
               <a:rPr lang="nb-NO" smtClean="0"/>
-              <a:t>01.02.2022</a:t>
+              <a:t>02.02.2022</a:t>
             </a:fld>
             <a:endParaRPr lang="nb-NO"/>
           </a:p>
@@ -1417,7 +1423,7 @@
           <a:p>
             <a:fld id="{D7B83493-D4A0-463F-97E4-17E73EAC9BB1}" type="datetimeFigureOut">
               <a:rPr lang="nb-NO" smtClean="0"/>
-              <a:t>01.02.2022</a:t>
+              <a:t>02.02.2022</a:t>
             </a:fld>
             <a:endParaRPr lang="nb-NO"/>
           </a:p>
@@ -1832,7 +1838,7 @@
           <a:p>
             <a:fld id="{D7B83493-D4A0-463F-97E4-17E73EAC9BB1}" type="datetimeFigureOut">
               <a:rPr lang="nb-NO" smtClean="0"/>
-              <a:t>01.02.2022</a:t>
+              <a:t>02.02.2022</a:t>
             </a:fld>
             <a:endParaRPr lang="nb-NO"/>
           </a:p>
@@ -1974,7 +1980,7 @@
           <a:p>
             <a:fld id="{D7B83493-D4A0-463F-97E4-17E73EAC9BB1}" type="datetimeFigureOut">
               <a:rPr lang="nb-NO" smtClean="0"/>
-              <a:t>01.02.2022</a:t>
+              <a:t>02.02.2022</a:t>
             </a:fld>
             <a:endParaRPr lang="nb-NO"/>
           </a:p>
@@ -2087,7 +2093,7 @@
           <a:p>
             <a:fld id="{D7B83493-D4A0-463F-97E4-17E73EAC9BB1}" type="datetimeFigureOut">
               <a:rPr lang="nb-NO" smtClean="0"/>
-              <a:t>01.02.2022</a:t>
+              <a:t>02.02.2022</a:t>
             </a:fld>
             <a:endParaRPr lang="nb-NO"/>
           </a:p>
@@ -2400,7 +2406,7 @@
           <a:p>
             <a:fld id="{D7B83493-D4A0-463F-97E4-17E73EAC9BB1}" type="datetimeFigureOut">
               <a:rPr lang="nb-NO" smtClean="0"/>
-              <a:t>01.02.2022</a:t>
+              <a:t>02.02.2022</a:t>
             </a:fld>
             <a:endParaRPr lang="nb-NO"/>
           </a:p>
@@ -2689,7 +2695,7 @@
           <a:p>
             <a:fld id="{D7B83493-D4A0-463F-97E4-17E73EAC9BB1}" type="datetimeFigureOut">
               <a:rPr lang="nb-NO" smtClean="0"/>
-              <a:t>01.02.2022</a:t>
+              <a:t>02.02.2022</a:t>
             </a:fld>
             <a:endParaRPr lang="nb-NO"/>
           </a:p>
@@ -2932,7 +2938,7 @@
           <a:p>
             <a:fld id="{D7B83493-D4A0-463F-97E4-17E73EAC9BB1}" type="datetimeFigureOut">
               <a:rPr lang="nb-NO" smtClean="0"/>
-              <a:t>01.02.2022</a:t>
+              <a:t>02.02.2022</a:t>
             </a:fld>
             <a:endParaRPr lang="nb-NO"/>
           </a:p>
@@ -3474,7 +3480,7 @@
           <p:cNvPr id="2" name="Title 1">
             <a:extLst>
               <a:ext uri="{FF2B5EF4-FFF2-40B4-BE49-F238E27FC236}">
-                <a16:creationId xmlns:a16="http://schemas.microsoft.com/office/drawing/2014/main" id="{19D33E9A-14E2-4D8C-8D32-A189EC0785F2}"/>
+                <a16:creationId xmlns:a16="http://schemas.microsoft.com/office/drawing/2014/main" id="{B2905C82-6ECA-45D1-9B71-266E3BC90EC6}"/>
               </a:ext>
             </a:extLst>
           </p:cNvPr>
@@ -3492,7 +3498,7 @@
           <a:p>
             <a:r>
               <a:rPr lang="nb-NO" dirty="0"/>
-              <a:t>Goals</a:t>
+              <a:t>Intro</a:t>
             </a:r>
           </a:p>
         </p:txBody>
@@ -3502,7 +3508,7 @@
           <p:cNvPr id="3" name="Content Placeholder 2">
             <a:extLst>
               <a:ext uri="{FF2B5EF4-FFF2-40B4-BE49-F238E27FC236}">
-                <a16:creationId xmlns:a16="http://schemas.microsoft.com/office/drawing/2014/main" id="{419817AE-3EB3-435D-8654-75A2034AD034}"/>
+                <a16:creationId xmlns:a16="http://schemas.microsoft.com/office/drawing/2014/main" id="{73CD5212-6ADC-425E-8716-23CCBCB36A94}"/>
               </a:ext>
             </a:extLst>
           </p:cNvPr>
@@ -3515,28 +3521,103 @@
         </p:nvSpPr>
         <p:spPr>
           <a:xfrm>
-            <a:off x="838200" y="1825625"/>
-            <a:ext cx="8221910" cy="4351338"/>
+            <a:off x="754309" y="1825625"/>
+            <a:ext cx="6825934" cy="4351338"/>
           </a:xfrm>
         </p:spPr>
         <p:txBody>
-          <a:bodyPr/>
+          <a:bodyPr>
+            <a:normAutofit/>
+          </a:bodyPr>
           <a:lstStyle/>
           <a:p>
-            <a:pPr marL="0" indent="0">
-              <a:buNone/>
-            </a:pPr>
-            <a:r>
-              <a:rPr lang="nb-NO" dirty="0"/>
-              <a:t>Main goal: a </a:t>
-            </a:r>
-            <a:r>
-              <a:rPr lang="nb-NO" dirty="0" err="1"/>
-              <a:t>tool</a:t>
-            </a:r>
-            <a:r>
-              <a:rPr lang="nb-NO" dirty="0"/>
-              <a:t> </a:t>
+            <a:endParaRPr lang="nb-NO" dirty="0"/>
+          </a:p>
+          <a:p>
+            <a:r>
+              <a:rPr lang="nb-NO" dirty="0" err="1"/>
+              <a:t>Need</a:t>
+            </a:r>
+            <a:r>
+              <a:rPr lang="nb-NO" dirty="0"/>
+              <a:t> Python 3DOF and 4DOF </a:t>
+            </a:r>
+            <a:r>
+              <a:rPr lang="nb-NO" dirty="0" err="1"/>
+              <a:t>maneuvering</a:t>
+            </a:r>
+            <a:r>
+              <a:rPr lang="nb-NO" dirty="0"/>
+              <a:t> </a:t>
+            </a:r>
+            <a:r>
+              <a:rPr lang="nb-NO" dirty="0" err="1"/>
+              <a:t>model</a:t>
+            </a:r>
+            <a:r>
+              <a:rPr lang="nb-NO" dirty="0"/>
+              <a:t> </a:t>
+            </a:r>
+            <a:r>
+              <a:rPr lang="nb-NO" dirty="0" err="1"/>
+              <a:t>of</a:t>
+            </a:r>
+            <a:r>
+              <a:rPr lang="nb-NO" dirty="0"/>
+              <a:t> RVG for </a:t>
+            </a:r>
+            <a:r>
+              <a:rPr lang="nb-NO" dirty="0" err="1"/>
+              <a:t>Endure</a:t>
+            </a:r>
+            <a:r>
+              <a:rPr lang="nb-NO" dirty="0"/>
+              <a:t> </a:t>
+            </a:r>
+            <a:r>
+              <a:rPr lang="nb-NO" dirty="0" err="1"/>
+              <a:t>project</a:t>
+            </a:r>
+            <a:endParaRPr lang="nb-NO" dirty="0"/>
+          </a:p>
+          <a:p>
+            <a:r>
+              <a:rPr lang="nb-NO" dirty="0"/>
+              <a:t>Serves as basis for </a:t>
+            </a:r>
+            <a:r>
+              <a:rPr lang="nb-NO" dirty="0" err="1"/>
+              <a:t>MCsim</a:t>
+            </a:r>
+            <a:r>
+              <a:rPr lang="nb-NO" dirty="0"/>
+              <a:t> Python</a:t>
+            </a:r>
+          </a:p>
+          <a:p>
+            <a:r>
+              <a:rPr lang="nb-NO" dirty="0" err="1"/>
+              <a:t>Use</a:t>
+            </a:r>
+            <a:r>
+              <a:rPr lang="nb-NO" dirty="0"/>
+              <a:t> an intuitive </a:t>
+            </a:r>
+            <a:r>
+              <a:rPr lang="nb-NO" dirty="0" err="1"/>
+              <a:t>structure</a:t>
+            </a:r>
+            <a:r>
+              <a:rPr lang="nb-NO" dirty="0"/>
+              <a:t> and </a:t>
+            </a:r>
+            <a:r>
+              <a:rPr lang="nb-NO" dirty="0" err="1"/>
+              <a:t>workflow</a:t>
+            </a:r>
+            <a:r>
+              <a:rPr lang="nb-NO" dirty="0"/>
+              <a:t> so </a:t>
             </a:r>
             <a:r>
               <a:rPr lang="nb-NO" dirty="0" err="1"/>
@@ -3544,76 +3625,73 @@
             </a:r>
             <a:r>
               <a:rPr lang="nb-NO" dirty="0"/>
-              <a:t> is </a:t>
-            </a:r>
-            <a:r>
-              <a:rPr lang="nb-NO" dirty="0" err="1"/>
-              <a:t>actually</a:t>
-            </a:r>
-            <a:r>
-              <a:rPr lang="nb-NO" dirty="0"/>
-              <a:t> used and </a:t>
-            </a:r>
-            <a:r>
-              <a:rPr lang="nb-NO" dirty="0" err="1"/>
-              <a:t>developed</a:t>
-            </a:r>
-            <a:endParaRPr lang="nb-NO" dirty="0"/>
-          </a:p>
-          <a:p>
-            <a:r>
-              <a:rPr lang="nb-NO" dirty="0" err="1"/>
-              <a:t>Ease</a:t>
-            </a:r>
-            <a:r>
-              <a:rPr lang="nb-NO" dirty="0"/>
-              <a:t> </a:t>
-            </a:r>
-            <a:r>
-              <a:rPr lang="nb-NO" dirty="0" err="1"/>
-              <a:t>of</a:t>
-            </a:r>
-            <a:r>
-              <a:rPr lang="nb-NO" dirty="0"/>
-              <a:t> </a:t>
-            </a:r>
-            <a:r>
-              <a:rPr lang="nb-NO" dirty="0" err="1"/>
-              <a:t>use</a:t>
-            </a:r>
-            <a:endParaRPr lang="nb-NO" dirty="0"/>
-          </a:p>
-          <a:p>
-            <a:r>
-              <a:rPr lang="nb-NO" dirty="0" err="1"/>
-              <a:t>Ease</a:t>
-            </a:r>
-            <a:r>
-              <a:rPr lang="nb-NO" dirty="0"/>
-              <a:t> </a:t>
-            </a:r>
-            <a:r>
-              <a:rPr lang="nb-NO" dirty="0" err="1"/>
-              <a:t>of</a:t>
-            </a:r>
-            <a:r>
-              <a:rPr lang="nb-NO" dirty="0"/>
-              <a:t> </a:t>
-            </a:r>
-            <a:r>
-              <a:rPr lang="nb-NO" dirty="0" err="1"/>
-              <a:t>development</a:t>
-            </a:r>
-            <a:endParaRPr lang="nb-NO" dirty="0"/>
-          </a:p>
-          <a:p>
-            <a:r>
-              <a:rPr lang="nb-NO" dirty="0"/>
-              <a:t>«</a:t>
-            </a:r>
-            <a:r>
-              <a:rPr lang="nb-NO" dirty="0" err="1"/>
-              <a:t>Sufficient</a:t>
+              <a:t> </a:t>
+            </a:r>
+            <a:r>
+              <a:rPr lang="nb-NO" dirty="0" err="1"/>
+              <a:t>future</a:t>
+            </a:r>
+            <a:r>
+              <a:rPr lang="nb-NO" dirty="0"/>
+              <a:t> </a:t>
+            </a:r>
+            <a:r>
+              <a:rPr lang="nb-NO" dirty="0" err="1"/>
+              <a:t>models</a:t>
+            </a:r>
+            <a:r>
+              <a:rPr lang="nb-NO" dirty="0"/>
+              <a:t>/</a:t>
+            </a:r>
+            <a:r>
+              <a:rPr lang="nb-NO" dirty="0" err="1"/>
+              <a:t>projects</a:t>
+            </a:r>
+            <a:r>
+              <a:rPr lang="nb-NO" dirty="0"/>
+              <a:t> </a:t>
+            </a:r>
+            <a:r>
+              <a:rPr lang="nb-NO" dirty="0" err="1"/>
+              <a:t>follow</a:t>
+            </a:r>
+            <a:r>
+              <a:rPr lang="nb-NO" dirty="0"/>
+              <a:t> a </a:t>
+            </a:r>
+            <a:r>
+              <a:rPr lang="nb-NO" dirty="0" err="1"/>
+              <a:t>similar</a:t>
+            </a:r>
+            <a:r>
+              <a:rPr lang="nb-NO" dirty="0"/>
+              <a:t> format</a:t>
+            </a:r>
+          </a:p>
+          <a:p>
+            <a:r>
+              <a:rPr lang="nb-NO" dirty="0"/>
+              <a:t>(I </a:t>
+            </a:r>
+            <a:r>
+              <a:rPr lang="nb-NO" dirty="0" err="1"/>
+              <a:t>will</a:t>
+            </a:r>
+            <a:r>
+              <a:rPr lang="nb-NO" dirty="0"/>
+              <a:t> not </a:t>
+            </a:r>
+            <a:r>
+              <a:rPr lang="nb-NO" dirty="0" err="1"/>
+              <a:t>create</a:t>
+            </a:r>
+            <a:r>
+              <a:rPr lang="nb-NO" dirty="0"/>
+              <a:t> a «</a:t>
+            </a:r>
+            <a:r>
+              <a:rPr lang="nb-NO" dirty="0" err="1"/>
+              <a:t>complete</a:t>
             </a:r>
             <a:r>
               <a:rPr lang="nb-NO" dirty="0"/>
@@ -3621,48 +3699,15 @@
             </a:r>
             <a:r>
               <a:rPr lang="nb-NO" dirty="0" err="1"/>
-              <a:t>documentation</a:t>
-            </a:r>
-            <a:endParaRPr lang="nb-NO" dirty="0"/>
-          </a:p>
-          <a:p>
-            <a:r>
-              <a:rPr lang="nb-NO" dirty="0" err="1"/>
-              <a:t>Flexible</a:t>
-            </a:r>
-            <a:r>
-              <a:rPr lang="nb-NO" dirty="0"/>
-              <a:t> and </a:t>
-            </a:r>
-            <a:r>
-              <a:rPr lang="nb-NO" dirty="0" err="1"/>
-              <a:t>easy</a:t>
-            </a:r>
-            <a:r>
-              <a:rPr lang="nb-NO" dirty="0"/>
-              <a:t> to </a:t>
-            </a:r>
-            <a:r>
-              <a:rPr lang="nb-NO" dirty="0" err="1"/>
-              <a:t>modify</a:t>
-            </a:r>
-            <a:r>
-              <a:rPr lang="nb-NO" dirty="0"/>
-              <a:t> for </a:t>
-            </a:r>
-            <a:r>
-              <a:rPr lang="nb-NO" dirty="0" err="1"/>
-              <a:t>users</a:t>
-            </a:r>
-            <a:endParaRPr lang="nb-NO" dirty="0"/>
-          </a:p>
-          <a:p>
-            <a:endParaRPr lang="nb-NO" dirty="0"/>
-          </a:p>
-          <a:p>
-            <a:endParaRPr lang="nb-NO" dirty="0"/>
-          </a:p>
-          <a:p>
+              <a:t>toolbox</a:t>
+            </a:r>
+            <a:r>
+              <a:rPr lang="nb-NO" dirty="0"/>
+              <a:t>)</a:t>
+            </a:r>
+          </a:p>
+          <a:p>
+            <a:pPr lvl="1"/>
             <a:endParaRPr lang="nb-NO" dirty="0"/>
           </a:p>
         </p:txBody>
@@ -3670,7 +3715,7 @@
     </p:spTree>
     <p:extLst>
       <p:ext uri="{BB962C8B-B14F-4D97-AF65-F5344CB8AC3E}">
-        <p14:creationId xmlns:p14="http://schemas.microsoft.com/office/powerpoint/2010/main" val="3112872499"/>
+        <p14:creationId xmlns:p14="http://schemas.microsoft.com/office/powerpoint/2010/main" val="155145205"/>
       </p:ext>
     </p:extLst>
   </p:cSld>
@@ -3681,451 +3726,6 @@
 </file>
 
 <file path=ppt/slides/slide3.xml><?xml version="1.0" encoding="utf-8"?>
-<p:sld xmlns:a="http://schemas.openxmlformats.org/drawingml/2006/main" xmlns:r="http://schemas.openxmlformats.org/officeDocument/2006/relationships" xmlns:p="http://schemas.openxmlformats.org/presentationml/2006/main">
-  <p:cSld>
-    <p:spTree>
-      <p:nvGrpSpPr>
-        <p:cNvPr id="1" name=""/>
-        <p:cNvGrpSpPr/>
-        <p:nvPr/>
-      </p:nvGrpSpPr>
-      <p:grpSpPr>
-        <a:xfrm>
-          <a:off x="0" y="0"/>
-          <a:ext cx="0" cy="0"/>
-          <a:chOff x="0" y="0"/>
-          <a:chExt cx="0" cy="0"/>
-        </a:xfrm>
-      </p:grpSpPr>
-      <p:sp>
-        <p:nvSpPr>
-          <p:cNvPr id="2" name="Title 1">
-            <a:extLst>
-              <a:ext uri="{FF2B5EF4-FFF2-40B4-BE49-F238E27FC236}">
-                <a16:creationId xmlns:a16="http://schemas.microsoft.com/office/drawing/2014/main" id="{19D33E9A-14E2-4D8C-8D32-A189EC0785F2}"/>
-              </a:ext>
-            </a:extLst>
-          </p:cNvPr>
-          <p:cNvSpPr>
-            <a:spLocks noGrp="1"/>
-          </p:cNvSpPr>
-          <p:nvPr>
-            <p:ph type="title"/>
-          </p:nvPr>
-        </p:nvSpPr>
-        <p:spPr/>
-        <p:txBody>
-          <a:bodyPr/>
-          <a:lstStyle/>
-          <a:p>
-            <a:r>
-              <a:rPr lang="nb-NO" dirty="0"/>
-              <a:t>Main </a:t>
-            </a:r>
-            <a:r>
-              <a:rPr lang="nb-NO" dirty="0" err="1"/>
-              <a:t>structure</a:t>
-            </a:r>
-            <a:endParaRPr lang="nb-NO" dirty="0"/>
-          </a:p>
-        </p:txBody>
-      </p:sp>
-      <p:sp>
-        <p:nvSpPr>
-          <p:cNvPr id="6" name="Rectangle 5">
-            <a:extLst>
-              <a:ext uri="{FF2B5EF4-FFF2-40B4-BE49-F238E27FC236}">
-                <a16:creationId xmlns:a16="http://schemas.microsoft.com/office/drawing/2014/main" id="{3DFA7ED2-0B7A-46CC-B786-E1D42DA5AC21}"/>
-              </a:ext>
-            </a:extLst>
-          </p:cNvPr>
-          <p:cNvSpPr/>
-          <p:nvPr/>
-        </p:nvSpPr>
-        <p:spPr>
-          <a:xfrm>
-            <a:off x="2072079" y="2281805"/>
-            <a:ext cx="2466363" cy="914400"/>
-          </a:xfrm>
-          <a:prstGeom prst="rect">
-            <a:avLst/>
-          </a:prstGeom>
-        </p:spPr>
-        <p:style>
-          <a:lnRef idx="2">
-            <a:schemeClr val="accent1">
-              <a:shade val="50000"/>
-            </a:schemeClr>
-          </a:lnRef>
-          <a:fillRef idx="1">
-            <a:schemeClr val="accent1"/>
-          </a:fillRef>
-          <a:effectRef idx="0">
-            <a:schemeClr val="accent1"/>
-          </a:effectRef>
-          <a:fontRef idx="minor">
-            <a:schemeClr val="lt1"/>
-          </a:fontRef>
-        </p:style>
-        <p:txBody>
-          <a:bodyPr rtlCol="0" anchor="ctr"/>
-          <a:lstStyle/>
-          <a:p>
-            <a:pPr algn="ctr"/>
-            <a:r>
-              <a:rPr lang="nb-NO" dirty="0"/>
-              <a:t>Library </a:t>
-            </a:r>
-            <a:r>
-              <a:rPr lang="nb-NO" dirty="0" err="1"/>
-              <a:t>of</a:t>
-            </a:r>
-            <a:r>
-              <a:rPr lang="nb-NO" dirty="0"/>
-              <a:t> </a:t>
-            </a:r>
-            <a:r>
-              <a:rPr lang="nb-NO" dirty="0" err="1"/>
-              <a:t>functions</a:t>
-            </a:r>
-            <a:endParaRPr lang="nb-NO" dirty="0"/>
-          </a:p>
-        </p:txBody>
-      </p:sp>
-      <p:sp>
-        <p:nvSpPr>
-          <p:cNvPr id="8" name="Rectangle 7">
-            <a:extLst>
-              <a:ext uri="{FF2B5EF4-FFF2-40B4-BE49-F238E27FC236}">
-                <a16:creationId xmlns:a16="http://schemas.microsoft.com/office/drawing/2014/main" id="{AECF438E-D33E-4191-9E97-8812BE04F6BC}"/>
-              </a:ext>
-            </a:extLst>
-          </p:cNvPr>
-          <p:cNvSpPr/>
-          <p:nvPr/>
-        </p:nvSpPr>
-        <p:spPr>
-          <a:xfrm>
-            <a:off x="2072078" y="3510792"/>
-            <a:ext cx="2466363" cy="914400"/>
-          </a:xfrm>
-          <a:prstGeom prst="rect">
-            <a:avLst/>
-          </a:prstGeom>
-        </p:spPr>
-        <p:style>
-          <a:lnRef idx="2">
-            <a:schemeClr val="accent1">
-              <a:shade val="50000"/>
-            </a:schemeClr>
-          </a:lnRef>
-          <a:fillRef idx="1">
-            <a:schemeClr val="accent1"/>
-          </a:fillRef>
-          <a:effectRef idx="0">
-            <a:schemeClr val="accent1"/>
-          </a:effectRef>
-          <a:fontRef idx="minor">
-            <a:schemeClr val="lt1"/>
-          </a:fontRef>
-        </p:style>
-        <p:txBody>
-          <a:bodyPr rtlCol="0" anchor="ctr"/>
-          <a:lstStyle/>
-          <a:p>
-            <a:pPr algn="ctr"/>
-            <a:r>
-              <a:rPr lang="nb-NO" dirty="0"/>
-              <a:t>Library </a:t>
-            </a:r>
-            <a:r>
-              <a:rPr lang="nb-NO" dirty="0" err="1"/>
-              <a:t>of</a:t>
-            </a:r>
-            <a:r>
-              <a:rPr lang="nb-NO" dirty="0"/>
-              <a:t> </a:t>
-            </a:r>
-            <a:r>
-              <a:rPr lang="nb-NO" dirty="0" err="1"/>
-              <a:t>model</a:t>
-            </a:r>
-            <a:r>
-              <a:rPr lang="nb-NO" dirty="0"/>
-              <a:t> data</a:t>
-            </a:r>
-          </a:p>
-        </p:txBody>
-      </p:sp>
-      <p:cxnSp>
-        <p:nvCxnSpPr>
-          <p:cNvPr id="10" name="Straight Arrow Connector 9">
-            <a:extLst>
-              <a:ext uri="{FF2B5EF4-FFF2-40B4-BE49-F238E27FC236}">
-                <a16:creationId xmlns:a16="http://schemas.microsoft.com/office/drawing/2014/main" id="{35F503F0-4A07-460F-A848-F1B582CCEC69}"/>
-              </a:ext>
-            </a:extLst>
-          </p:cNvPr>
-          <p:cNvCxnSpPr>
-            <a:cxnSpLocks/>
-            <a:stCxn id="6" idx="3"/>
-          </p:cNvCxnSpPr>
-          <p:nvPr/>
-        </p:nvCxnSpPr>
-        <p:spPr>
-          <a:xfrm>
-            <a:off x="4538442" y="2739005"/>
-            <a:ext cx="1442907" cy="583035"/>
-          </a:xfrm>
-          <a:prstGeom prst="straightConnector1">
-            <a:avLst/>
-          </a:prstGeom>
-          <a:ln w="38100">
-            <a:tailEnd type="triangle"/>
-          </a:ln>
-        </p:spPr>
-        <p:style>
-          <a:lnRef idx="1">
-            <a:schemeClr val="accent1"/>
-          </a:lnRef>
-          <a:fillRef idx="0">
-            <a:schemeClr val="accent1"/>
-          </a:fillRef>
-          <a:effectRef idx="0">
-            <a:schemeClr val="accent1"/>
-          </a:effectRef>
-          <a:fontRef idx="minor">
-            <a:schemeClr val="tx1"/>
-          </a:fontRef>
-        </p:style>
-      </p:cxnSp>
-      <p:cxnSp>
-        <p:nvCxnSpPr>
-          <p:cNvPr id="13" name="Straight Arrow Connector 12">
-            <a:extLst>
-              <a:ext uri="{FF2B5EF4-FFF2-40B4-BE49-F238E27FC236}">
-                <a16:creationId xmlns:a16="http://schemas.microsoft.com/office/drawing/2014/main" id="{C90EADD2-68F4-4EB7-B222-A0290E8A81FE}"/>
-              </a:ext>
-            </a:extLst>
-          </p:cNvPr>
-          <p:cNvCxnSpPr>
-            <a:cxnSpLocks/>
-          </p:cNvCxnSpPr>
-          <p:nvPr/>
-        </p:nvCxnSpPr>
-        <p:spPr>
-          <a:xfrm flipV="1">
-            <a:off x="4538441" y="3369577"/>
-            <a:ext cx="1442908" cy="517321"/>
-          </a:xfrm>
-          <a:prstGeom prst="straightConnector1">
-            <a:avLst/>
-          </a:prstGeom>
-          <a:ln w="38100">
-            <a:tailEnd type="triangle"/>
-          </a:ln>
-        </p:spPr>
-        <p:style>
-          <a:lnRef idx="1">
-            <a:schemeClr val="accent1"/>
-          </a:lnRef>
-          <a:fillRef idx="0">
-            <a:schemeClr val="accent1"/>
-          </a:fillRef>
-          <a:effectRef idx="0">
-            <a:schemeClr val="accent1"/>
-          </a:effectRef>
-          <a:fontRef idx="minor">
-            <a:schemeClr val="tx1"/>
-          </a:fontRef>
-        </p:style>
-      </p:cxnSp>
-      <p:sp>
-        <p:nvSpPr>
-          <p:cNvPr id="15" name="Rectangle 14">
-            <a:extLst>
-              <a:ext uri="{FF2B5EF4-FFF2-40B4-BE49-F238E27FC236}">
-                <a16:creationId xmlns:a16="http://schemas.microsoft.com/office/drawing/2014/main" id="{6F769514-23B0-45DE-9AA3-E8CBE4060635}"/>
-              </a:ext>
-            </a:extLst>
-          </p:cNvPr>
-          <p:cNvSpPr/>
-          <p:nvPr/>
-        </p:nvSpPr>
-        <p:spPr>
-          <a:xfrm>
-            <a:off x="5981349" y="2864840"/>
-            <a:ext cx="2863442" cy="914400"/>
-          </a:xfrm>
-          <a:prstGeom prst="rect">
-            <a:avLst/>
-          </a:prstGeom>
-        </p:spPr>
-        <p:style>
-          <a:lnRef idx="2">
-            <a:schemeClr val="accent1">
-              <a:shade val="50000"/>
-            </a:schemeClr>
-          </a:lnRef>
-          <a:fillRef idx="1">
-            <a:schemeClr val="accent1"/>
-          </a:fillRef>
-          <a:effectRef idx="0">
-            <a:schemeClr val="accent1"/>
-          </a:effectRef>
-          <a:fontRef idx="minor">
-            <a:schemeClr val="lt1"/>
-          </a:fontRef>
-        </p:style>
-        <p:txBody>
-          <a:bodyPr rtlCol="0" anchor="ctr"/>
-          <a:lstStyle/>
-          <a:p>
-            <a:pPr algn="ctr"/>
-            <a:r>
-              <a:rPr lang="nb-NO" dirty="0"/>
-              <a:t>User scripts (</a:t>
-            </a:r>
-            <a:r>
-              <a:rPr lang="nb-NO" dirty="0" err="1"/>
-              <a:t>load</a:t>
-            </a:r>
-            <a:r>
-              <a:rPr lang="nb-NO" dirty="0"/>
-              <a:t> </a:t>
-            </a:r>
-            <a:r>
-              <a:rPr lang="nb-NO" dirty="0" err="1"/>
-              <a:t>model</a:t>
-            </a:r>
-            <a:r>
-              <a:rPr lang="nb-NO" dirty="0"/>
-              <a:t> data and run </a:t>
-            </a:r>
-            <a:r>
-              <a:rPr lang="nb-NO" dirty="0" err="1"/>
-              <a:t>simulations</a:t>
-            </a:r>
-            <a:r>
-              <a:rPr lang="nb-NO" dirty="0"/>
-              <a:t>)</a:t>
-            </a:r>
-          </a:p>
-        </p:txBody>
-      </p:sp>
-      <p:sp>
-        <p:nvSpPr>
-          <p:cNvPr id="16" name="Rectangle 15">
-            <a:extLst>
-              <a:ext uri="{FF2B5EF4-FFF2-40B4-BE49-F238E27FC236}">
-                <a16:creationId xmlns:a16="http://schemas.microsoft.com/office/drawing/2014/main" id="{E4D518FE-6BFB-4D73-8BB8-B8A92752B206}"/>
-              </a:ext>
-            </a:extLst>
-          </p:cNvPr>
-          <p:cNvSpPr/>
-          <p:nvPr/>
-        </p:nvSpPr>
-        <p:spPr>
-          <a:xfrm>
-            <a:off x="2072078" y="5142144"/>
-            <a:ext cx="2466363" cy="914400"/>
-          </a:xfrm>
-          <a:prstGeom prst="rect">
-            <a:avLst/>
-          </a:prstGeom>
-        </p:spPr>
-        <p:style>
-          <a:lnRef idx="2">
-            <a:schemeClr val="accent1">
-              <a:shade val="50000"/>
-            </a:schemeClr>
-          </a:lnRef>
-          <a:fillRef idx="1">
-            <a:schemeClr val="accent1"/>
-          </a:fillRef>
-          <a:effectRef idx="0">
-            <a:schemeClr val="accent1"/>
-          </a:effectRef>
-          <a:fontRef idx="minor">
-            <a:schemeClr val="lt1"/>
-          </a:fontRef>
-        </p:style>
-        <p:txBody>
-          <a:bodyPr rtlCol="0" anchor="ctr"/>
-          <a:lstStyle/>
-          <a:p>
-            <a:pPr algn="ctr"/>
-            <a:r>
-              <a:rPr lang="nb-NO" dirty="0"/>
-              <a:t>Model-</a:t>
-            </a:r>
-            <a:r>
-              <a:rPr lang="nb-NO" dirty="0" err="1"/>
-              <a:t>generating</a:t>
-            </a:r>
-            <a:r>
-              <a:rPr lang="nb-NO" dirty="0"/>
-              <a:t> scripts</a:t>
-            </a:r>
-          </a:p>
-        </p:txBody>
-      </p:sp>
-      <p:cxnSp>
-        <p:nvCxnSpPr>
-          <p:cNvPr id="17" name="Straight Arrow Connector 16">
-            <a:extLst>
-              <a:ext uri="{FF2B5EF4-FFF2-40B4-BE49-F238E27FC236}">
-                <a16:creationId xmlns:a16="http://schemas.microsoft.com/office/drawing/2014/main" id="{9A40EE9C-C572-4033-B3A8-0D6E7CDAA808}"/>
-              </a:ext>
-            </a:extLst>
-          </p:cNvPr>
-          <p:cNvCxnSpPr>
-            <a:cxnSpLocks/>
-            <a:stCxn id="16" idx="0"/>
-          </p:cNvCxnSpPr>
-          <p:nvPr/>
-        </p:nvCxnSpPr>
-        <p:spPr>
-          <a:xfrm flipH="1" flipV="1">
-            <a:off x="3302454" y="4425192"/>
-            <a:ext cx="2806" cy="716952"/>
-          </a:xfrm>
-          <a:prstGeom prst="straightConnector1">
-            <a:avLst/>
-          </a:prstGeom>
-          <a:ln w="38100">
-            <a:tailEnd type="triangle"/>
-          </a:ln>
-        </p:spPr>
-        <p:style>
-          <a:lnRef idx="1">
-            <a:schemeClr val="accent1"/>
-          </a:lnRef>
-          <a:fillRef idx="0">
-            <a:schemeClr val="accent1"/>
-          </a:fillRef>
-          <a:effectRef idx="0">
-            <a:schemeClr val="accent1"/>
-          </a:effectRef>
-          <a:fontRef idx="minor">
-            <a:schemeClr val="tx1"/>
-          </a:fontRef>
-        </p:style>
-      </p:cxnSp>
-    </p:spTree>
-    <p:extLst>
-      <p:ext uri="{BB962C8B-B14F-4D97-AF65-F5344CB8AC3E}">
-        <p14:creationId xmlns:p14="http://schemas.microsoft.com/office/powerpoint/2010/main" val="3769263921"/>
-      </p:ext>
-    </p:extLst>
-  </p:cSld>
-  <p:clrMapOvr>
-    <a:masterClrMapping/>
-  </p:clrMapOvr>
-</p:sld>
-</file>
-
-<file path=ppt/slides/slide4.xml><?xml version="1.0" encoding="utf-8"?>
 <p:sld xmlns:a="http://schemas.openxmlformats.org/drawingml/2006/main" xmlns:r="http://schemas.openxmlformats.org/officeDocument/2006/relationships" xmlns:p="http://schemas.openxmlformats.org/presentationml/2006/main">
   <p:cSld>
     <p:spTree>
@@ -4164,9 +3764,18 @@
           <a:lstStyle/>
           <a:p>
             <a:r>
-              <a:rPr lang="nb-NO" dirty="0"/>
-              <a:t>Models</a:t>
-            </a:r>
+              <a:rPr lang="nb-NO" dirty="0" err="1"/>
+              <a:t>Some</a:t>
+            </a:r>
+            <a:r>
+              <a:rPr lang="nb-NO" dirty="0"/>
+              <a:t> Python </a:t>
+            </a:r>
+            <a:r>
+              <a:rPr lang="nb-NO" dirty="0" err="1"/>
+              <a:t>nomenclature</a:t>
+            </a:r>
+            <a:endParaRPr lang="nb-NO" dirty="0"/>
           </a:p>
         </p:txBody>
       </p:sp>
@@ -4189,7 +3798,7 @@
         <p:spPr>
           <a:xfrm>
             <a:off x="754308" y="1825625"/>
-            <a:ext cx="6711893" cy="4351338"/>
+            <a:ext cx="9296071" cy="4351338"/>
           </a:xfrm>
         </p:spPr>
         <p:txBody>
@@ -4201,21 +3810,62 @@
             <a:endParaRPr lang="nb-NO" dirty="0"/>
           </a:p>
           <a:p>
-            <a:r>
-              <a:rPr lang="nb-NO" dirty="0"/>
-              <a:t>A «</a:t>
-            </a:r>
-            <a:r>
-              <a:rPr lang="nb-NO" dirty="0" err="1"/>
-              <a:t>model</a:t>
-            </a:r>
-            <a:r>
-              <a:rPr lang="nb-NO" dirty="0"/>
-              <a:t>» </a:t>
-            </a:r>
-            <a:r>
-              <a:rPr lang="nb-NO" dirty="0" err="1"/>
-              <a:t>consists</a:t>
+            <a:pPr lvl="1"/>
+            <a:r>
+              <a:rPr lang="nb-NO" dirty="0"/>
+              <a:t>A </a:t>
+            </a:r>
+            <a:r>
+              <a:rPr lang="nb-NO" b="1" dirty="0"/>
+              <a:t>script</a:t>
+            </a:r>
+            <a:r>
+              <a:rPr lang="nb-NO" dirty="0"/>
+              <a:t> is a </a:t>
+            </a:r>
+            <a:r>
+              <a:rPr lang="nb-NO" dirty="0" err="1"/>
+              <a:t>python</a:t>
+            </a:r>
+            <a:r>
+              <a:rPr lang="nb-NO" dirty="0"/>
+              <a:t> file </a:t>
+            </a:r>
+            <a:r>
+              <a:rPr lang="nb-NO" dirty="0" err="1"/>
+              <a:t>that</a:t>
+            </a:r>
+            <a:r>
+              <a:rPr lang="nb-NO" dirty="0"/>
+              <a:t> </a:t>
+            </a:r>
+            <a:r>
+              <a:rPr lang="nb-NO" dirty="0" err="1"/>
+              <a:t>does</a:t>
+            </a:r>
+            <a:r>
+              <a:rPr lang="nb-NO" dirty="0"/>
+              <a:t> </a:t>
+            </a:r>
+            <a:r>
+              <a:rPr lang="nb-NO" dirty="0" err="1"/>
+              <a:t>something</a:t>
+            </a:r>
+            <a:r>
+              <a:rPr lang="nb-NO" dirty="0"/>
+              <a:t>. E.g. demo_sim_RVG.py runs a </a:t>
+            </a:r>
+            <a:r>
+              <a:rPr lang="nb-NO" dirty="0" err="1"/>
+              <a:t>demonstrates</a:t>
+            </a:r>
+            <a:r>
+              <a:rPr lang="nb-NO" dirty="0"/>
+              <a:t> a </a:t>
+            </a:r>
+            <a:r>
+              <a:rPr lang="nb-NO" dirty="0" err="1"/>
+              <a:t>simulation</a:t>
             </a:r>
             <a:r>
               <a:rPr lang="nb-NO" dirty="0"/>
@@ -4225,6 +3875,105 @@
               <a:rPr lang="nb-NO" dirty="0" err="1"/>
               <a:t>of</a:t>
             </a:r>
+            <a:r>
+              <a:rPr lang="nb-NO" dirty="0"/>
+              <a:t> RVG</a:t>
+            </a:r>
+          </a:p>
+          <a:p>
+            <a:pPr lvl="1"/>
+            <a:r>
+              <a:rPr lang="nb-NO" dirty="0"/>
+              <a:t>A </a:t>
+            </a:r>
+            <a:r>
+              <a:rPr lang="nb-NO" b="1" dirty="0" err="1"/>
+              <a:t>module</a:t>
+            </a:r>
+            <a:r>
+              <a:rPr lang="nb-NO" b="1" dirty="0"/>
+              <a:t> </a:t>
+            </a:r>
+            <a:r>
+              <a:rPr lang="nb-NO" dirty="0"/>
+              <a:t>is a </a:t>
+            </a:r>
+            <a:r>
+              <a:rPr lang="nb-NO" dirty="0" err="1"/>
+              <a:t>python</a:t>
+            </a:r>
+            <a:r>
+              <a:rPr lang="nb-NO" dirty="0"/>
+              <a:t> file </a:t>
+            </a:r>
+            <a:r>
+              <a:rPr lang="nb-NO" dirty="0" err="1"/>
+              <a:t>that</a:t>
+            </a:r>
+            <a:r>
+              <a:rPr lang="nb-NO" dirty="0"/>
+              <a:t> </a:t>
+            </a:r>
+            <a:r>
+              <a:rPr lang="nb-NO" dirty="0" err="1"/>
+              <a:t>contains</a:t>
+            </a:r>
+            <a:r>
+              <a:rPr lang="nb-NO" dirty="0"/>
+              <a:t> </a:t>
+            </a:r>
+            <a:r>
+              <a:rPr lang="nb-NO" dirty="0" err="1"/>
+              <a:t>functions</a:t>
+            </a:r>
+            <a:r>
+              <a:rPr lang="nb-NO" dirty="0"/>
+              <a:t> used by scripts (or </a:t>
+            </a:r>
+            <a:r>
+              <a:rPr lang="nb-NO" dirty="0" err="1"/>
+              <a:t>other</a:t>
+            </a:r>
+            <a:r>
+              <a:rPr lang="nb-NO" dirty="0"/>
+              <a:t> </a:t>
+            </a:r>
+            <a:r>
+              <a:rPr lang="nb-NO" dirty="0" err="1"/>
+              <a:t>modules</a:t>
+            </a:r>
+            <a:r>
+              <a:rPr lang="nb-NO" dirty="0"/>
+              <a:t>). E.g. kinematics.py </a:t>
+            </a:r>
+            <a:r>
+              <a:rPr lang="nb-NO" dirty="0" err="1"/>
+              <a:t>provides</a:t>
+            </a:r>
+            <a:r>
+              <a:rPr lang="nb-NO" dirty="0"/>
+              <a:t> </a:t>
+            </a:r>
+            <a:r>
+              <a:rPr lang="nb-NO" dirty="0" err="1"/>
+              <a:t>rotation</a:t>
+            </a:r>
+            <a:r>
+              <a:rPr lang="nb-NO" dirty="0"/>
+              <a:t> </a:t>
+            </a:r>
+            <a:r>
+              <a:rPr lang="nb-NO" dirty="0" err="1"/>
+              <a:t>matrices</a:t>
+            </a:r>
+            <a:r>
+              <a:rPr lang="nb-NO" dirty="0"/>
+              <a:t> </a:t>
+            </a:r>
+            <a:r>
+              <a:rPr lang="nb-NO" dirty="0" err="1"/>
+              <a:t>etc</a:t>
+            </a:r>
             <a:endParaRPr lang="nb-NO" dirty="0"/>
           </a:p>
           <a:p>
@@ -4234,16 +3983,230 @@
               <a:t>A </a:t>
             </a:r>
             <a:r>
-              <a:rPr lang="nb-NO" dirty="0" err="1"/>
-              <a:t>model</a:t>
-            </a:r>
-            <a:r>
-              <a:rPr lang="nb-NO" dirty="0"/>
-              <a:t> </a:t>
-            </a:r>
-            <a:r>
-              <a:rPr lang="nb-NO" dirty="0" err="1"/>
-              <a:t>function</a:t>
+              <a:rPr lang="nb-NO" b="1" dirty="0" err="1"/>
+              <a:t>package</a:t>
+            </a:r>
+            <a:r>
+              <a:rPr lang="nb-NO" b="1" dirty="0"/>
+              <a:t> </a:t>
+            </a:r>
+            <a:r>
+              <a:rPr lang="nb-NO" dirty="0"/>
+              <a:t>is a </a:t>
+            </a:r>
+            <a:r>
+              <a:rPr lang="nb-NO" dirty="0" err="1"/>
+              <a:t>collection</a:t>
+            </a:r>
+            <a:r>
+              <a:rPr lang="nb-NO" dirty="0"/>
+              <a:t> </a:t>
+            </a:r>
+            <a:r>
+              <a:rPr lang="nb-NO" dirty="0" err="1"/>
+              <a:t>of</a:t>
+            </a:r>
+            <a:r>
+              <a:rPr lang="nb-NO" dirty="0"/>
+              <a:t> </a:t>
+            </a:r>
+            <a:r>
+              <a:rPr lang="nb-NO" dirty="0" err="1"/>
+              <a:t>related</a:t>
+            </a:r>
+            <a:r>
+              <a:rPr lang="nb-NO" dirty="0"/>
+              <a:t> </a:t>
+            </a:r>
+            <a:r>
+              <a:rPr lang="nb-NO" dirty="0" err="1"/>
+              <a:t>modules</a:t>
+            </a:r>
+            <a:r>
+              <a:rPr lang="nb-NO" dirty="0"/>
+              <a:t>.</a:t>
+            </a:r>
+          </a:p>
+          <a:p>
+            <a:pPr lvl="1"/>
+            <a:r>
+              <a:rPr lang="nb-NO" dirty="0"/>
+              <a:t>A </a:t>
+            </a:r>
+            <a:r>
+              <a:rPr lang="nb-NO" b="1" dirty="0" err="1"/>
+              <a:t>library</a:t>
+            </a:r>
+            <a:r>
+              <a:rPr lang="nb-NO" b="1" dirty="0"/>
+              <a:t> </a:t>
+            </a:r>
+            <a:r>
+              <a:rPr lang="nb-NO" dirty="0" err="1"/>
+              <a:t>can</a:t>
+            </a:r>
+            <a:r>
+              <a:rPr lang="nb-NO" dirty="0"/>
+              <a:t> </a:t>
+            </a:r>
+            <a:r>
+              <a:rPr lang="nb-NO" dirty="0" err="1"/>
+              <a:t>mean</a:t>
+            </a:r>
+            <a:r>
+              <a:rPr lang="nb-NO" dirty="0"/>
+              <a:t> </a:t>
+            </a:r>
+            <a:r>
+              <a:rPr lang="nb-NO" dirty="0" err="1"/>
+              <a:t>many</a:t>
+            </a:r>
+            <a:r>
+              <a:rPr lang="nb-NO" dirty="0"/>
+              <a:t> different </a:t>
+            </a:r>
+            <a:r>
+              <a:rPr lang="nb-NO" dirty="0" err="1"/>
+              <a:t>things</a:t>
+            </a:r>
+            <a:r>
+              <a:rPr lang="nb-NO" dirty="0"/>
+              <a:t>. </a:t>
+            </a:r>
+          </a:p>
+          <a:p>
+            <a:pPr lvl="1"/>
+            <a:r>
+              <a:rPr lang="nb-NO" dirty="0"/>
+              <a:t>A </a:t>
+            </a:r>
+            <a:r>
+              <a:rPr lang="nb-NO" b="1" dirty="0" err="1"/>
+              <a:t>dictionary</a:t>
+            </a:r>
+            <a:r>
+              <a:rPr lang="nb-NO" dirty="0"/>
+              <a:t> is </a:t>
+            </a:r>
+            <a:r>
+              <a:rPr lang="nb-NO" dirty="0" err="1"/>
+              <a:t>the</a:t>
+            </a:r>
+            <a:r>
+              <a:rPr lang="nb-NO" dirty="0"/>
+              <a:t> rough </a:t>
+            </a:r>
+            <a:r>
+              <a:rPr lang="nb-NO" dirty="0" err="1"/>
+              <a:t>equivalent</a:t>
+            </a:r>
+            <a:r>
+              <a:rPr lang="nb-NO" dirty="0"/>
+              <a:t> </a:t>
+            </a:r>
+            <a:r>
+              <a:rPr lang="nb-NO" dirty="0" err="1"/>
+              <a:t>of</a:t>
+            </a:r>
+            <a:r>
+              <a:rPr lang="nb-NO" dirty="0"/>
+              <a:t> a MATLAB </a:t>
+            </a:r>
+            <a:r>
+              <a:rPr lang="nb-NO" dirty="0" err="1"/>
+              <a:t>structure</a:t>
+            </a:r>
+            <a:r>
+              <a:rPr lang="nb-NO" dirty="0"/>
+              <a:t> </a:t>
+            </a:r>
+            <a:r>
+              <a:rPr lang="nb-NO" dirty="0" err="1"/>
+              <a:t>array</a:t>
+            </a:r>
+            <a:endParaRPr lang="nb-NO" dirty="0"/>
+          </a:p>
+          <a:p>
+            <a:pPr lvl="1"/>
+            <a:r>
+              <a:rPr lang="nb-NO" dirty="0"/>
+              <a:t>A </a:t>
+            </a:r>
+            <a:r>
+              <a:rPr lang="nb-NO" b="1" dirty="0" err="1"/>
+              <a:t>numpy</a:t>
+            </a:r>
+            <a:r>
+              <a:rPr lang="nb-NO" b="1" dirty="0"/>
+              <a:t> </a:t>
+            </a:r>
+            <a:r>
+              <a:rPr lang="nb-NO" b="1" dirty="0" err="1"/>
+              <a:t>array</a:t>
+            </a:r>
+            <a:r>
+              <a:rPr lang="nb-NO" dirty="0"/>
+              <a:t> is </a:t>
+            </a:r>
+            <a:r>
+              <a:rPr lang="nb-NO" dirty="0" err="1"/>
+              <a:t>the</a:t>
+            </a:r>
+            <a:r>
+              <a:rPr lang="nb-NO" dirty="0"/>
+              <a:t> </a:t>
+            </a:r>
+            <a:r>
+              <a:rPr lang="nb-NO" dirty="0" err="1"/>
+              <a:t>equivalent</a:t>
+            </a:r>
+            <a:r>
+              <a:rPr lang="nb-NO" dirty="0"/>
+              <a:t> </a:t>
+            </a:r>
+            <a:r>
+              <a:rPr lang="nb-NO" dirty="0" err="1"/>
+              <a:t>of</a:t>
+            </a:r>
+            <a:r>
+              <a:rPr lang="nb-NO" dirty="0"/>
+              <a:t> MATLAB </a:t>
+            </a:r>
+            <a:r>
+              <a:rPr lang="nb-NO" dirty="0" err="1"/>
+              <a:t>matrices</a:t>
+            </a:r>
+            <a:r>
+              <a:rPr lang="nb-NO" dirty="0"/>
+              <a:t> (</a:t>
+            </a:r>
+            <a:r>
+              <a:rPr lang="nb-NO" dirty="0" err="1"/>
+              <a:t>there</a:t>
+            </a:r>
+            <a:r>
+              <a:rPr lang="nb-NO" dirty="0"/>
+              <a:t> </a:t>
+            </a:r>
+            <a:r>
+              <a:rPr lang="nb-NO" dirty="0" err="1"/>
+              <a:t>also</a:t>
+            </a:r>
+            <a:r>
+              <a:rPr lang="nb-NO" dirty="0"/>
+              <a:t> is </a:t>
+            </a:r>
+            <a:r>
+              <a:rPr lang="nb-NO" b="1" dirty="0" err="1"/>
+              <a:t>numpy</a:t>
+            </a:r>
+            <a:r>
+              <a:rPr lang="nb-NO" b="1" dirty="0"/>
+              <a:t> </a:t>
+            </a:r>
+            <a:r>
+              <a:rPr lang="nb-NO" b="1" dirty="0" err="1"/>
+              <a:t>matrices</a:t>
             </a:r>
             <a:r>
               <a:rPr lang="nb-NO" dirty="0"/>
@@ -4251,63 +4214,654 @@
             </a:r>
             <a:r>
               <a:rPr lang="nb-NO" dirty="0" err="1"/>
-              <a:t>located</a:t>
-            </a:r>
-            <a:r>
-              <a:rPr lang="nb-NO" dirty="0"/>
-              <a:t> in </a:t>
-            </a:r>
-            <a:r>
-              <a:rPr lang="nb-NO" dirty="0" err="1"/>
-              <a:t>function</a:t>
-            </a:r>
-            <a:r>
-              <a:rPr lang="nb-NO" dirty="0"/>
-              <a:t> </a:t>
-            </a:r>
-            <a:r>
-              <a:rPr lang="nb-NO" dirty="0" err="1"/>
-              <a:t>library</a:t>
-            </a:r>
+              <a:t>but</a:t>
+            </a:r>
+            <a:r>
+              <a:rPr lang="nb-NO" dirty="0"/>
+              <a:t> </a:t>
+            </a:r>
+            <a:r>
+              <a:rPr lang="nb-NO" dirty="0" err="1"/>
+              <a:t>we</a:t>
+            </a:r>
+            <a:r>
+              <a:rPr lang="nb-NO" dirty="0"/>
+              <a:t> </a:t>
+            </a:r>
+            <a:r>
+              <a:rPr lang="nb-NO" dirty="0" err="1"/>
+              <a:t>try</a:t>
+            </a:r>
+            <a:r>
+              <a:rPr lang="nb-NO" dirty="0"/>
+              <a:t> </a:t>
+            </a:r>
+            <a:r>
+              <a:rPr lang="nb-NO" dirty="0" err="1"/>
+              <a:t>avoid</a:t>
+            </a:r>
+            <a:r>
+              <a:rPr lang="nb-NO" dirty="0"/>
+              <a:t> </a:t>
+            </a:r>
+            <a:r>
+              <a:rPr lang="nb-NO" dirty="0" err="1"/>
+              <a:t>using</a:t>
+            </a:r>
+            <a:r>
+              <a:rPr lang="nb-NO" dirty="0"/>
+              <a:t> </a:t>
+            </a:r>
+            <a:r>
+              <a:rPr lang="nb-NO" dirty="0" err="1"/>
+              <a:t>them</a:t>
+            </a:r>
+            <a:r>
+              <a:rPr lang="nb-NO" dirty="0"/>
+              <a:t>.</a:t>
+            </a:r>
+          </a:p>
+          <a:p>
+            <a:pPr lvl="1"/>
             <a:endParaRPr lang="nb-NO" dirty="0"/>
-          </a:p>
-          <a:p>
-            <a:pPr lvl="1"/>
-            <a:r>
-              <a:rPr lang="nb-NO" dirty="0"/>
-              <a:t>A </a:t>
-            </a:r>
-            <a:r>
-              <a:rPr lang="nb-NO" dirty="0" err="1"/>
-              <a:t>model</a:t>
-            </a:r>
-            <a:r>
-              <a:rPr lang="nb-NO" dirty="0"/>
-              <a:t> parameter file, </a:t>
-            </a:r>
-            <a:r>
-              <a:rPr lang="nb-NO" dirty="0" err="1"/>
-              <a:t>stored</a:t>
-            </a:r>
-            <a:r>
-              <a:rPr lang="nb-NO" dirty="0"/>
-              <a:t> in .</a:t>
-            </a:r>
-            <a:r>
-              <a:rPr lang="nb-NO" dirty="0" err="1"/>
-              <a:t>pkl</a:t>
-            </a:r>
-            <a:r>
-              <a:rPr lang="nb-NO" dirty="0"/>
-              <a:t> files </a:t>
-            </a:r>
           </a:p>
         </p:txBody>
       </p:sp>
     </p:spTree>
     <p:extLst>
       <p:ext uri="{BB962C8B-B14F-4D97-AF65-F5344CB8AC3E}">
-        <p14:creationId xmlns:p14="http://schemas.microsoft.com/office/powerpoint/2010/main" val="2409226132"/>
+        <p14:creationId xmlns:p14="http://schemas.microsoft.com/office/powerpoint/2010/main" val="2181991356"/>
+      </p:ext>
+    </p:extLst>
+  </p:cSld>
+  <p:clrMapOvr>
+    <a:masterClrMapping/>
+  </p:clrMapOvr>
+</p:sld>
+</file>
+
+<file path=ppt/slides/slide4.xml><?xml version="1.0" encoding="utf-8"?>
+<p:sld xmlns:a="http://schemas.openxmlformats.org/drawingml/2006/main" xmlns:r="http://schemas.openxmlformats.org/officeDocument/2006/relationships" xmlns:p="http://schemas.openxmlformats.org/presentationml/2006/main">
+  <p:cSld>
+    <p:spTree>
+      <p:nvGrpSpPr>
+        <p:cNvPr id="1" name=""/>
+        <p:cNvGrpSpPr/>
+        <p:nvPr/>
+      </p:nvGrpSpPr>
+      <p:grpSpPr>
+        <a:xfrm>
+          <a:off x="0" y="0"/>
+          <a:ext cx="0" cy="0"/>
+          <a:chOff x="0" y="0"/>
+          <a:chExt cx="0" cy="0"/>
+        </a:xfrm>
+      </p:grpSpPr>
+      <p:sp>
+        <p:nvSpPr>
+          <p:cNvPr id="3" name="Content Placeholder 2">
+            <a:extLst>
+              <a:ext uri="{FF2B5EF4-FFF2-40B4-BE49-F238E27FC236}">
+                <a16:creationId xmlns:a16="http://schemas.microsoft.com/office/drawing/2014/main" id="{73CD5212-6ADC-425E-8716-23CCBCB36A94}"/>
+              </a:ext>
+            </a:extLst>
+          </p:cNvPr>
+          <p:cNvSpPr>
+            <a:spLocks noGrp="1"/>
+          </p:cNvSpPr>
+          <p:nvPr>
+            <p:ph idx="1"/>
+          </p:nvPr>
+        </p:nvSpPr>
+        <p:spPr>
+          <a:xfrm>
+            <a:off x="754308" y="1825625"/>
+            <a:ext cx="9296071" cy="4351338"/>
+          </a:xfrm>
+        </p:spPr>
+        <p:txBody>
+          <a:bodyPr>
+            <a:normAutofit fontScale="92500" lnSpcReduction="10000"/>
+          </a:bodyPr>
+          <a:lstStyle/>
+          <a:p>
+            <a:endParaRPr lang="nb-NO" dirty="0"/>
+          </a:p>
+          <a:p>
+            <a:pPr lvl="1"/>
+            <a:r>
+              <a:rPr lang="nb-NO" dirty="0" err="1"/>
+              <a:t>Adm</a:t>
+            </a:r>
+            <a:r>
+              <a:rPr lang="nb-NO" dirty="0"/>
+              <a:t>: </a:t>
+            </a:r>
+            <a:r>
+              <a:rPr lang="nb-NO" dirty="0" err="1"/>
+              <a:t>documentation</a:t>
+            </a:r>
+            <a:endParaRPr lang="nb-NO" dirty="0"/>
+          </a:p>
+          <a:p>
+            <a:pPr lvl="1"/>
+            <a:r>
+              <a:rPr lang="nb-NO" dirty="0" err="1"/>
+              <a:t>Function</a:t>
+            </a:r>
+            <a:r>
+              <a:rPr lang="nb-NO" dirty="0"/>
+              <a:t> </a:t>
+            </a:r>
+            <a:r>
+              <a:rPr lang="nb-NO" dirty="0" err="1"/>
+              <a:t>library</a:t>
+            </a:r>
+            <a:r>
+              <a:rPr lang="nb-NO" dirty="0"/>
+              <a:t>: or in Python terms, a </a:t>
+            </a:r>
+            <a:r>
+              <a:rPr lang="nb-NO" dirty="0" err="1"/>
+              <a:t>package</a:t>
+            </a:r>
+            <a:endParaRPr lang="nb-NO" dirty="0"/>
+          </a:p>
+          <a:p>
+            <a:pPr lvl="1"/>
+            <a:r>
+              <a:rPr lang="nb-NO" dirty="0"/>
+              <a:t>Model </a:t>
+            </a:r>
+            <a:r>
+              <a:rPr lang="nb-NO" dirty="0" err="1"/>
+              <a:t>library</a:t>
+            </a:r>
+            <a:endParaRPr lang="nb-NO" dirty="0"/>
+          </a:p>
+          <a:p>
+            <a:pPr lvl="2"/>
+            <a:r>
+              <a:rPr lang="nb-NO" dirty="0"/>
+              <a:t>One subfolder per </a:t>
+            </a:r>
+            <a:r>
+              <a:rPr lang="nb-NO" dirty="0" err="1"/>
+              <a:t>model</a:t>
+            </a:r>
+            <a:r>
+              <a:rPr lang="nb-NO" dirty="0"/>
+              <a:t>. A </a:t>
+            </a:r>
+            <a:r>
+              <a:rPr lang="nb-NO" dirty="0" err="1"/>
+              <a:t>model</a:t>
+            </a:r>
+            <a:r>
+              <a:rPr lang="nb-NO" dirty="0"/>
+              <a:t> </a:t>
+            </a:r>
+            <a:r>
+              <a:rPr lang="nb-NO" dirty="0" err="1"/>
+              <a:t>can</a:t>
+            </a:r>
+            <a:r>
+              <a:rPr lang="nb-NO" dirty="0"/>
+              <a:t> be a </a:t>
+            </a:r>
+            <a:r>
+              <a:rPr lang="nb-NO" dirty="0" err="1"/>
+              <a:t>vessel</a:t>
+            </a:r>
+            <a:r>
+              <a:rPr lang="nb-NO" dirty="0"/>
+              <a:t>, an </a:t>
+            </a:r>
+            <a:r>
+              <a:rPr lang="nb-NO" dirty="0" err="1"/>
+              <a:t>actuator</a:t>
+            </a:r>
+            <a:r>
+              <a:rPr lang="nb-NO" dirty="0"/>
+              <a:t>, a diesel generator etc. </a:t>
+            </a:r>
+            <a:r>
+              <a:rPr lang="nb-NO" dirty="0" err="1"/>
+              <a:t>Each</a:t>
+            </a:r>
+            <a:r>
+              <a:rPr lang="nb-NO" dirty="0"/>
+              <a:t> subfolder </a:t>
+            </a:r>
+            <a:r>
+              <a:rPr lang="nb-NO" dirty="0" err="1"/>
+              <a:t>contains</a:t>
+            </a:r>
+            <a:r>
+              <a:rPr lang="nb-NO" dirty="0"/>
+              <a:t>: </a:t>
+            </a:r>
+          </a:p>
+          <a:p>
+            <a:pPr lvl="3"/>
+            <a:r>
+              <a:rPr lang="nb-NO" dirty="0"/>
+              <a:t>Python </a:t>
+            </a:r>
+            <a:r>
+              <a:rPr lang="nb-NO" dirty="0" err="1"/>
+              <a:t>module</a:t>
+            </a:r>
+            <a:r>
+              <a:rPr lang="nb-NO" dirty="0"/>
+              <a:t>, </a:t>
+            </a:r>
+            <a:r>
+              <a:rPr lang="nb-NO" dirty="0" err="1"/>
+              <a:t>containing</a:t>
+            </a:r>
+            <a:r>
+              <a:rPr lang="nb-NO" dirty="0"/>
+              <a:t> </a:t>
+            </a:r>
+            <a:r>
+              <a:rPr lang="nb-NO" dirty="0" err="1"/>
+              <a:t>function</a:t>
+            </a:r>
+            <a:r>
+              <a:rPr lang="nb-NO" dirty="0"/>
+              <a:t> </a:t>
+            </a:r>
+            <a:r>
+              <a:rPr lang="nb-NO" dirty="0" err="1"/>
+              <a:t>that</a:t>
+            </a:r>
+            <a:r>
+              <a:rPr lang="nb-NO" dirty="0"/>
+              <a:t> </a:t>
+            </a:r>
+            <a:r>
+              <a:rPr lang="nb-NO" dirty="0" err="1"/>
+              <a:t>solves</a:t>
+            </a:r>
+            <a:r>
+              <a:rPr lang="nb-NO" dirty="0"/>
+              <a:t> </a:t>
+            </a:r>
+            <a:r>
+              <a:rPr lang="nb-NO" dirty="0" err="1"/>
+              <a:t>the</a:t>
+            </a:r>
+            <a:r>
+              <a:rPr lang="nb-NO" dirty="0"/>
+              <a:t> </a:t>
+            </a:r>
+            <a:r>
+              <a:rPr lang="nb-NO" dirty="0" err="1"/>
+              <a:t>model</a:t>
+            </a:r>
+            <a:r>
+              <a:rPr lang="nb-NO" dirty="0"/>
+              <a:t> </a:t>
+            </a:r>
+            <a:r>
+              <a:rPr lang="nb-NO" dirty="0" err="1"/>
+              <a:t>differential</a:t>
+            </a:r>
+            <a:r>
+              <a:rPr lang="nb-NO" dirty="0"/>
+              <a:t> </a:t>
+            </a:r>
+            <a:r>
+              <a:rPr lang="nb-NO" dirty="0" err="1"/>
+              <a:t>equation</a:t>
+            </a:r>
+            <a:r>
+              <a:rPr lang="nb-NO" dirty="0"/>
+              <a:t> (and/or integral </a:t>
+            </a:r>
+            <a:r>
+              <a:rPr lang="nb-NO" dirty="0" err="1"/>
+              <a:t>equation</a:t>
+            </a:r>
+            <a:r>
+              <a:rPr lang="nb-NO" dirty="0"/>
+              <a:t>)</a:t>
+            </a:r>
+          </a:p>
+          <a:p>
+            <a:pPr lvl="3"/>
+            <a:r>
+              <a:rPr lang="nb-NO" dirty="0"/>
+              <a:t>Model data (e.g. </a:t>
+            </a:r>
+            <a:r>
+              <a:rPr lang="nb-NO" dirty="0" err="1"/>
+              <a:t>added</a:t>
+            </a:r>
+            <a:r>
+              <a:rPr lang="nb-NO" dirty="0"/>
+              <a:t> </a:t>
+            </a:r>
+            <a:r>
+              <a:rPr lang="nb-NO" dirty="0" err="1"/>
+              <a:t>mass</a:t>
+            </a:r>
+            <a:r>
+              <a:rPr lang="nb-NO" dirty="0"/>
+              <a:t>, </a:t>
+            </a:r>
+            <a:r>
+              <a:rPr lang="nb-NO" dirty="0" err="1"/>
+              <a:t>thruster</a:t>
+            </a:r>
+            <a:r>
+              <a:rPr lang="nb-NO" dirty="0"/>
+              <a:t> time </a:t>
+            </a:r>
+            <a:r>
+              <a:rPr lang="nb-NO" dirty="0" err="1"/>
+              <a:t>constants</a:t>
+            </a:r>
+            <a:r>
+              <a:rPr lang="nb-NO" dirty="0"/>
+              <a:t> </a:t>
+            </a:r>
+            <a:r>
+              <a:rPr lang="nb-NO" dirty="0" err="1"/>
+              <a:t>etc</a:t>
+            </a:r>
+            <a:r>
+              <a:rPr lang="nb-NO" dirty="0"/>
+              <a:t>) </a:t>
+            </a:r>
+            <a:r>
+              <a:rPr lang="nb-NO" dirty="0" err="1"/>
+              <a:t>stored</a:t>
+            </a:r>
+            <a:r>
+              <a:rPr lang="nb-NO" dirty="0"/>
+              <a:t> in .</a:t>
+            </a:r>
+            <a:r>
+              <a:rPr lang="nb-NO" dirty="0" err="1"/>
+              <a:t>pkl</a:t>
+            </a:r>
+            <a:r>
+              <a:rPr lang="nb-NO" dirty="0"/>
+              <a:t> file</a:t>
+            </a:r>
+          </a:p>
+          <a:p>
+            <a:pPr lvl="3"/>
+            <a:r>
+              <a:rPr lang="nb-NO" dirty="0"/>
+              <a:t>A </a:t>
+            </a:r>
+            <a:r>
+              <a:rPr lang="nb-NO" dirty="0" err="1"/>
+              <a:t>demonstration</a:t>
+            </a:r>
+            <a:r>
+              <a:rPr lang="nb-NO" dirty="0"/>
+              <a:t> script</a:t>
+            </a:r>
+          </a:p>
+          <a:p>
+            <a:pPr lvl="3"/>
+            <a:r>
+              <a:rPr lang="nb-NO" dirty="0" err="1"/>
+              <a:t>Documentation</a:t>
+            </a:r>
+            <a:r>
+              <a:rPr lang="nb-NO" dirty="0"/>
+              <a:t>! At </a:t>
+            </a:r>
+            <a:r>
+              <a:rPr lang="nb-NO" dirty="0" err="1"/>
+              <a:t>least</a:t>
+            </a:r>
+            <a:r>
+              <a:rPr lang="nb-NO" dirty="0"/>
+              <a:t> a </a:t>
+            </a:r>
+            <a:r>
+              <a:rPr lang="nb-NO" dirty="0" err="1"/>
+              <a:t>brief</a:t>
+            </a:r>
+            <a:r>
+              <a:rPr lang="nb-NO" dirty="0"/>
+              <a:t> </a:t>
+            </a:r>
+            <a:r>
+              <a:rPr lang="nb-NO" dirty="0" err="1"/>
+              <a:t>description</a:t>
+            </a:r>
+            <a:r>
+              <a:rPr lang="nb-NO" dirty="0"/>
+              <a:t>, </a:t>
+            </a:r>
+            <a:r>
+              <a:rPr lang="nb-NO" dirty="0" err="1"/>
+              <a:t>overview</a:t>
+            </a:r>
+            <a:r>
+              <a:rPr lang="nb-NO" dirty="0"/>
+              <a:t> </a:t>
+            </a:r>
+            <a:r>
+              <a:rPr lang="nb-NO" dirty="0" err="1"/>
+              <a:t>of</a:t>
+            </a:r>
+            <a:r>
+              <a:rPr lang="nb-NO" dirty="0"/>
+              <a:t> </a:t>
+            </a:r>
+            <a:r>
+              <a:rPr lang="nb-NO" dirty="0" err="1"/>
+              <a:t>theory</a:t>
+            </a:r>
+            <a:r>
+              <a:rPr lang="nb-NO" dirty="0"/>
+              <a:t>, </a:t>
+            </a:r>
+            <a:r>
+              <a:rPr lang="nb-NO" dirty="0" err="1"/>
+              <a:t>document</a:t>
+            </a:r>
+            <a:r>
+              <a:rPr lang="nb-NO" dirty="0"/>
+              <a:t> </a:t>
+            </a:r>
+            <a:r>
+              <a:rPr lang="nb-NO" dirty="0" err="1"/>
+              <a:t>source</a:t>
+            </a:r>
+            <a:r>
+              <a:rPr lang="nb-NO" dirty="0"/>
+              <a:t> for parameters</a:t>
+            </a:r>
+          </a:p>
+          <a:p>
+            <a:pPr lvl="1"/>
+            <a:r>
+              <a:rPr lang="nb-NO" dirty="0"/>
+              <a:t>Demo </a:t>
+            </a:r>
+            <a:r>
+              <a:rPr lang="nb-NO" dirty="0" err="1"/>
+              <a:t>library</a:t>
+            </a:r>
+            <a:r>
+              <a:rPr lang="nb-NO" dirty="0"/>
+              <a:t>: </a:t>
+            </a:r>
+            <a:r>
+              <a:rPr lang="nb-NO" dirty="0" err="1"/>
+              <a:t>containts</a:t>
+            </a:r>
+            <a:r>
+              <a:rPr lang="nb-NO" dirty="0"/>
+              <a:t> script </a:t>
+            </a:r>
+            <a:r>
+              <a:rPr lang="nb-NO" dirty="0" err="1"/>
+              <a:t>that</a:t>
+            </a:r>
+            <a:r>
+              <a:rPr lang="nb-NO" dirty="0"/>
+              <a:t> </a:t>
+            </a:r>
+            <a:r>
+              <a:rPr lang="nb-NO" dirty="0" err="1"/>
+              <a:t>are</a:t>
+            </a:r>
+            <a:r>
+              <a:rPr lang="nb-NO" dirty="0"/>
+              <a:t> not </a:t>
+            </a:r>
+            <a:r>
+              <a:rPr lang="nb-NO" dirty="0" err="1"/>
+              <a:t>specific</a:t>
+            </a:r>
+            <a:r>
+              <a:rPr lang="nb-NO" dirty="0"/>
+              <a:t> to a </a:t>
+            </a:r>
+            <a:r>
+              <a:rPr lang="nb-NO" dirty="0" err="1"/>
+              <a:t>model</a:t>
+            </a:r>
+            <a:r>
+              <a:rPr lang="nb-NO" dirty="0"/>
+              <a:t>. E.g. </a:t>
+            </a:r>
+            <a:r>
+              <a:rPr lang="nb-NO" dirty="0" err="1"/>
+              <a:t>how</a:t>
+            </a:r>
+            <a:r>
+              <a:rPr lang="nb-NO" dirty="0"/>
+              <a:t> to a </a:t>
+            </a:r>
+            <a:r>
+              <a:rPr lang="nb-NO" dirty="0" err="1"/>
+              <a:t>combine</a:t>
+            </a:r>
+            <a:r>
+              <a:rPr lang="nb-NO" dirty="0"/>
+              <a:t> a </a:t>
+            </a:r>
+            <a:r>
+              <a:rPr lang="nb-NO" dirty="0" err="1"/>
+              <a:t>vessel</a:t>
+            </a:r>
+            <a:r>
+              <a:rPr lang="nb-NO" dirty="0"/>
+              <a:t> </a:t>
+            </a:r>
+            <a:r>
+              <a:rPr lang="nb-NO" dirty="0" err="1"/>
+              <a:t>model</a:t>
+            </a:r>
+            <a:r>
+              <a:rPr lang="nb-NO" dirty="0"/>
+              <a:t>, an </a:t>
+            </a:r>
+            <a:r>
+              <a:rPr lang="nb-NO" dirty="0" err="1"/>
+              <a:t>actuator</a:t>
+            </a:r>
+            <a:r>
+              <a:rPr lang="nb-NO" dirty="0"/>
+              <a:t> </a:t>
+            </a:r>
+            <a:r>
+              <a:rPr lang="nb-NO" dirty="0" err="1"/>
+              <a:t>model</a:t>
+            </a:r>
+            <a:r>
+              <a:rPr lang="nb-NO" dirty="0"/>
+              <a:t> and a </a:t>
+            </a:r>
+            <a:r>
+              <a:rPr lang="nb-NO" dirty="0" err="1"/>
+              <a:t>control</a:t>
+            </a:r>
+            <a:r>
+              <a:rPr lang="nb-NO" dirty="0"/>
+              <a:t> system 		</a:t>
+            </a:r>
+          </a:p>
+          <a:p>
+            <a:pPr lvl="1"/>
+            <a:endParaRPr lang="nb-NO" dirty="0"/>
+          </a:p>
+        </p:txBody>
+      </p:sp>
+      <p:sp>
+        <p:nvSpPr>
+          <p:cNvPr id="4" name="Title 1">
+            <a:extLst>
+              <a:ext uri="{FF2B5EF4-FFF2-40B4-BE49-F238E27FC236}">
+                <a16:creationId xmlns:a16="http://schemas.microsoft.com/office/drawing/2014/main" id="{F416CC61-ED2D-4E7B-B550-C0AC64A96178}"/>
+              </a:ext>
+            </a:extLst>
+          </p:cNvPr>
+          <p:cNvSpPr txBox="1">
+            <a:spLocks/>
+          </p:cNvSpPr>
+          <p:nvPr/>
+        </p:nvSpPr>
+        <p:spPr>
+          <a:xfrm>
+            <a:off x="842540" y="289217"/>
+            <a:ext cx="7629156" cy="1325563"/>
+          </a:xfrm>
+          <a:prstGeom prst="rect">
+            <a:avLst/>
+          </a:prstGeom>
+        </p:spPr>
+        <p:txBody>
+          <a:bodyPr vert="horz" lIns="91440" tIns="45720" rIns="91440" bIns="45720" rtlCol="0" anchor="ctr">
+            <a:normAutofit/>
+          </a:bodyPr>
+          <a:lstStyle>
+            <a:lvl1pPr algn="l" defTabSz="914400" rtl="0" eaLnBrk="1" latinLnBrk="0" hangingPunct="1">
+              <a:lnSpc>
+                <a:spcPct val="90000"/>
+              </a:lnSpc>
+              <a:spcBef>
+                <a:spcPct val="0"/>
+              </a:spcBef>
+              <a:buNone/>
+              <a:defRPr sz="4400" kern="1200">
+                <a:solidFill>
+                  <a:schemeClr val="tx1"/>
+                </a:solidFill>
+                <a:latin typeface="+mj-lt"/>
+                <a:ea typeface="+mj-ea"/>
+                <a:cs typeface="+mj-cs"/>
+              </a:defRPr>
+            </a:lvl1pPr>
+          </a:lstStyle>
+          <a:p>
+            <a:r>
+              <a:rPr lang="nb-NO" dirty="0"/>
+              <a:t>Folders and </a:t>
+            </a:r>
+            <a:r>
+              <a:rPr lang="nb-NO" dirty="0" err="1"/>
+              <a:t>contents</a:t>
+            </a:r>
+            <a:endParaRPr lang="nb-NO" dirty="0"/>
+          </a:p>
+        </p:txBody>
+      </p:sp>
+    </p:spTree>
+    <p:extLst>
+      <p:ext uri="{BB962C8B-B14F-4D97-AF65-F5344CB8AC3E}">
+        <p14:creationId xmlns:p14="http://schemas.microsoft.com/office/powerpoint/2010/main" val="2139799558"/>
       </p:ext>
     </p:extLst>
   </p:cSld>
@@ -4336,10 +4890,663 @@
       </p:grpSpPr>
       <p:sp>
         <p:nvSpPr>
-          <p:cNvPr id="2" name="Title 1">
+          <p:cNvPr id="6" name="Rectangle 5">
             <a:extLst>
               <a:ext uri="{FF2B5EF4-FFF2-40B4-BE49-F238E27FC236}">
-                <a16:creationId xmlns:a16="http://schemas.microsoft.com/office/drawing/2014/main" id="{7F76A6F2-92B9-4475-9AA1-90BE253BC868}"/>
+                <a16:creationId xmlns:a16="http://schemas.microsoft.com/office/drawing/2014/main" id="{3DFA7ED2-0B7A-46CC-B786-E1D42DA5AC21}"/>
+              </a:ext>
+            </a:extLst>
+          </p:cNvPr>
+          <p:cNvSpPr/>
+          <p:nvPr/>
+        </p:nvSpPr>
+        <p:spPr>
+          <a:xfrm>
+            <a:off x="131444" y="2410464"/>
+            <a:ext cx="3762664" cy="2754053"/>
+          </a:xfrm>
+          <a:prstGeom prst="rect">
+            <a:avLst/>
+          </a:prstGeom>
+        </p:spPr>
+        <p:style>
+          <a:lnRef idx="2">
+            <a:schemeClr val="accent1">
+              <a:shade val="50000"/>
+            </a:schemeClr>
+          </a:lnRef>
+          <a:fillRef idx="1">
+            <a:schemeClr val="accent1"/>
+          </a:fillRef>
+          <a:effectRef idx="0">
+            <a:schemeClr val="accent1"/>
+          </a:effectRef>
+          <a:fontRef idx="minor">
+            <a:schemeClr val="lt1"/>
+          </a:fontRef>
+        </p:style>
+        <p:txBody>
+          <a:bodyPr rtlCol="0" anchor="ctr"/>
+          <a:lstStyle/>
+          <a:p>
+            <a:r>
+              <a:rPr lang="nb-NO" b="1" dirty="0" err="1"/>
+              <a:t>Function</a:t>
+            </a:r>
+            <a:r>
+              <a:rPr lang="nb-NO" b="1" dirty="0"/>
+              <a:t> </a:t>
+            </a:r>
+            <a:r>
+              <a:rPr lang="nb-NO" b="1" dirty="0" err="1"/>
+              <a:t>library</a:t>
+            </a:r>
+            <a:r>
+              <a:rPr lang="nb-NO" b="1" dirty="0"/>
+              <a:t> </a:t>
+            </a:r>
+            <a:r>
+              <a:rPr lang="nb-NO" dirty="0"/>
+              <a:t>(in </a:t>
+            </a:r>
+            <a:r>
+              <a:rPr lang="nb-NO" dirty="0" err="1"/>
+              <a:t>python</a:t>
+            </a:r>
+            <a:r>
+              <a:rPr lang="nb-NO" dirty="0"/>
+              <a:t> </a:t>
+            </a:r>
+            <a:r>
+              <a:rPr lang="nb-NO" dirty="0" err="1"/>
+              <a:t>terminology</a:t>
+            </a:r>
+            <a:r>
+              <a:rPr lang="nb-NO" dirty="0"/>
+              <a:t> a </a:t>
+            </a:r>
+            <a:r>
+              <a:rPr lang="nb-NO" dirty="0" err="1"/>
+              <a:t>package</a:t>
+            </a:r>
+            <a:r>
+              <a:rPr lang="nb-NO" dirty="0"/>
+              <a:t>)</a:t>
+            </a:r>
+          </a:p>
+          <a:p>
+            <a:endParaRPr lang="nb-NO" dirty="0"/>
+          </a:p>
+          <a:p>
+            <a:r>
+              <a:rPr lang="nb-NO" dirty="0" err="1"/>
+              <a:t>Contains</a:t>
+            </a:r>
+            <a:r>
+              <a:rPr lang="nb-NO" dirty="0"/>
+              <a:t> </a:t>
+            </a:r>
+            <a:r>
+              <a:rPr lang="nb-NO" dirty="0" err="1"/>
+              <a:t>modules</a:t>
+            </a:r>
+            <a:r>
+              <a:rPr lang="nb-NO" dirty="0"/>
+              <a:t>:</a:t>
+            </a:r>
+          </a:p>
+          <a:p>
+            <a:pPr marL="285750" indent="-285750">
+              <a:buFontTx/>
+              <a:buChar char="-"/>
+            </a:pPr>
+            <a:r>
+              <a:rPr lang="nb-NO" dirty="0"/>
+              <a:t>kinematics.py</a:t>
+            </a:r>
+          </a:p>
+          <a:p>
+            <a:pPr marL="285750" indent="-285750">
+              <a:buFontTx/>
+              <a:buChar char="-"/>
+            </a:pPr>
+            <a:r>
+              <a:rPr lang="nb-NO" dirty="0"/>
+              <a:t>kinetics.py</a:t>
+            </a:r>
+          </a:p>
+          <a:p>
+            <a:pPr marL="285750" indent="-285750">
+              <a:buFontTx/>
+              <a:buChar char="-"/>
+            </a:pPr>
+            <a:r>
+              <a:rPr lang="nb-NO" dirty="0"/>
+              <a:t>control.py</a:t>
+            </a:r>
+          </a:p>
+          <a:p>
+            <a:pPr marL="285750" indent="-285750">
+              <a:buFontTx/>
+              <a:buChar char="-"/>
+            </a:pPr>
+            <a:r>
+              <a:rPr lang="nb-NO" dirty="0"/>
+              <a:t>visualization.py</a:t>
+            </a:r>
+          </a:p>
+        </p:txBody>
+      </p:sp>
+      <p:sp>
+        <p:nvSpPr>
+          <p:cNvPr id="8" name="Rectangle 7">
+            <a:extLst>
+              <a:ext uri="{FF2B5EF4-FFF2-40B4-BE49-F238E27FC236}">
+                <a16:creationId xmlns:a16="http://schemas.microsoft.com/office/drawing/2014/main" id="{AECF438E-D33E-4191-9E97-8812BE04F6BC}"/>
+              </a:ext>
+            </a:extLst>
+          </p:cNvPr>
+          <p:cNvSpPr/>
+          <p:nvPr/>
+        </p:nvSpPr>
+        <p:spPr>
+          <a:xfrm>
+            <a:off x="5348198" y="2893495"/>
+            <a:ext cx="4485612" cy="1787992"/>
+          </a:xfrm>
+          <a:prstGeom prst="rect">
+            <a:avLst/>
+          </a:prstGeom>
+        </p:spPr>
+        <p:style>
+          <a:lnRef idx="2">
+            <a:schemeClr val="accent1">
+              <a:shade val="50000"/>
+            </a:schemeClr>
+          </a:lnRef>
+          <a:fillRef idx="1">
+            <a:schemeClr val="accent1"/>
+          </a:fillRef>
+          <a:effectRef idx="0">
+            <a:schemeClr val="accent1"/>
+          </a:effectRef>
+          <a:fontRef idx="minor">
+            <a:schemeClr val="lt1"/>
+          </a:fontRef>
+        </p:style>
+        <p:txBody>
+          <a:bodyPr rtlCol="0" anchor="ctr"/>
+          <a:lstStyle/>
+          <a:p>
+            <a:r>
+              <a:rPr lang="nb-NO" dirty="0"/>
+              <a:t>Model </a:t>
+            </a:r>
+            <a:r>
+              <a:rPr lang="nb-NO" dirty="0" err="1"/>
+              <a:t>library</a:t>
+            </a:r>
+            <a:r>
+              <a:rPr lang="nb-NO" dirty="0"/>
+              <a:t>: </a:t>
+            </a:r>
+          </a:p>
+          <a:p>
+            <a:pPr marL="285750" indent="-285750">
+              <a:buFontTx/>
+              <a:buChar char="-"/>
+            </a:pPr>
+            <a:r>
+              <a:rPr lang="nb-NO" dirty="0"/>
+              <a:t>RVG </a:t>
+            </a:r>
+            <a:r>
+              <a:rPr lang="nb-NO" dirty="0" err="1"/>
+              <a:t>maneuvering</a:t>
+            </a:r>
+            <a:r>
+              <a:rPr lang="nb-NO" dirty="0"/>
+              <a:t> (subfolder)</a:t>
+            </a:r>
+          </a:p>
+          <a:p>
+            <a:pPr marL="742950" lvl="1" indent="-285750">
+              <a:buFontTx/>
+              <a:buChar char="-"/>
+            </a:pPr>
+            <a:r>
+              <a:rPr lang="nb-NO" dirty="0"/>
+              <a:t>RVG_man.py: </a:t>
+            </a:r>
+            <a:r>
+              <a:rPr lang="nb-NO" dirty="0" err="1"/>
+              <a:t>function</a:t>
+            </a:r>
+            <a:r>
+              <a:rPr lang="nb-NO" dirty="0"/>
+              <a:t> </a:t>
+            </a:r>
+            <a:r>
+              <a:rPr lang="nb-NO" dirty="0" err="1"/>
+              <a:t>module</a:t>
+            </a:r>
+            <a:endParaRPr lang="nb-NO" dirty="0"/>
+          </a:p>
+          <a:p>
+            <a:pPr marL="742950" lvl="1" indent="-285750">
+              <a:buFontTx/>
+              <a:buChar char="-"/>
+            </a:pPr>
+            <a:r>
+              <a:rPr lang="nb-NO" dirty="0" err="1"/>
+              <a:t>RVG_man_data.pkl</a:t>
+            </a:r>
+            <a:r>
+              <a:rPr lang="nb-NO" dirty="0"/>
+              <a:t>: data file</a:t>
+            </a:r>
+          </a:p>
+          <a:p>
+            <a:pPr marL="742950" lvl="1" indent="-285750">
+              <a:buFontTx/>
+              <a:buChar char="-"/>
+            </a:pPr>
+            <a:r>
+              <a:rPr lang="nb-NO" dirty="0"/>
+              <a:t>demo_RVG.py demo script</a:t>
+            </a:r>
+          </a:p>
+          <a:p>
+            <a:pPr marL="742950" lvl="1" indent="-285750">
+              <a:buFontTx/>
+              <a:buChar char="-"/>
+            </a:pPr>
+            <a:r>
+              <a:rPr lang="nb-NO" dirty="0" err="1"/>
+              <a:t>Documentation</a:t>
+            </a:r>
+            <a:r>
+              <a:rPr lang="nb-NO" dirty="0"/>
+              <a:t>!</a:t>
+            </a:r>
+          </a:p>
+        </p:txBody>
+      </p:sp>
+      <p:sp>
+        <p:nvSpPr>
+          <p:cNvPr id="15" name="Rectangle 14">
+            <a:extLst>
+              <a:ext uri="{FF2B5EF4-FFF2-40B4-BE49-F238E27FC236}">
+                <a16:creationId xmlns:a16="http://schemas.microsoft.com/office/drawing/2014/main" id="{6F769514-23B0-45DE-9AA3-E8CBE4060635}"/>
+              </a:ext>
+            </a:extLst>
+          </p:cNvPr>
+          <p:cNvSpPr/>
+          <p:nvPr/>
+        </p:nvSpPr>
+        <p:spPr>
+          <a:xfrm>
+            <a:off x="5348200" y="5049654"/>
+            <a:ext cx="4485610" cy="1631351"/>
+          </a:xfrm>
+          <a:prstGeom prst="rect">
+            <a:avLst/>
+          </a:prstGeom>
+        </p:spPr>
+        <p:style>
+          <a:lnRef idx="2">
+            <a:schemeClr val="accent2">
+              <a:shade val="50000"/>
+            </a:schemeClr>
+          </a:lnRef>
+          <a:fillRef idx="1">
+            <a:schemeClr val="accent2"/>
+          </a:fillRef>
+          <a:effectRef idx="0">
+            <a:schemeClr val="accent2"/>
+          </a:effectRef>
+          <a:fontRef idx="minor">
+            <a:schemeClr val="lt1"/>
+          </a:fontRef>
+        </p:style>
+        <p:txBody>
+          <a:bodyPr rtlCol="0" anchor="ctr"/>
+          <a:lstStyle/>
+          <a:p>
+            <a:endParaRPr lang="nb-NO" dirty="0"/>
+          </a:p>
+          <a:p>
+            <a:endParaRPr lang="nb-NO" dirty="0"/>
+          </a:p>
+          <a:p>
+            <a:r>
+              <a:rPr lang="nb-NO" b="1" dirty="0"/>
+              <a:t>User scripts </a:t>
+            </a:r>
+          </a:p>
+          <a:p>
+            <a:pPr marL="285750" indent="-285750">
+              <a:buFontTx/>
+              <a:buChar char="-"/>
+            </a:pPr>
+            <a:r>
+              <a:rPr lang="nb-NO" dirty="0"/>
+              <a:t>Import </a:t>
+            </a:r>
+            <a:r>
+              <a:rPr lang="nb-NO" dirty="0" err="1"/>
+              <a:t>model</a:t>
+            </a:r>
+            <a:r>
+              <a:rPr lang="nb-NO" dirty="0"/>
+              <a:t> </a:t>
+            </a:r>
+            <a:r>
+              <a:rPr lang="nb-NO" dirty="0" err="1"/>
+              <a:t>module</a:t>
+            </a:r>
+            <a:r>
+              <a:rPr lang="nb-NO" dirty="0"/>
+              <a:t> from RVG_3DOF.py</a:t>
+            </a:r>
+          </a:p>
+          <a:p>
+            <a:pPr marL="285750" indent="-285750">
+              <a:buFontTx/>
+              <a:buChar char="-"/>
+            </a:pPr>
+            <a:r>
+              <a:rPr lang="nb-NO" dirty="0" err="1"/>
+              <a:t>Load</a:t>
+            </a:r>
+            <a:r>
+              <a:rPr lang="nb-NO" dirty="0"/>
+              <a:t> </a:t>
+            </a:r>
+            <a:r>
+              <a:rPr lang="nb-NO" dirty="0" err="1"/>
+              <a:t>model</a:t>
+            </a:r>
+            <a:r>
+              <a:rPr lang="nb-NO" dirty="0"/>
+              <a:t> data from </a:t>
+            </a:r>
+            <a:r>
+              <a:rPr lang="nb-NO" dirty="0" err="1"/>
+              <a:t>RVG_data.pkl</a:t>
+            </a:r>
+            <a:endParaRPr lang="nb-NO" dirty="0"/>
+          </a:p>
+          <a:p>
+            <a:pPr marL="285750" indent="-285750">
+              <a:buFontTx/>
+              <a:buChar char="-"/>
+            </a:pPr>
+            <a:r>
+              <a:rPr lang="nb-NO" dirty="0"/>
+              <a:t>Design or import </a:t>
+            </a:r>
+            <a:r>
+              <a:rPr lang="nb-NO" dirty="0" err="1"/>
+              <a:t>control</a:t>
+            </a:r>
+            <a:r>
+              <a:rPr lang="nb-NO" dirty="0"/>
+              <a:t> system</a:t>
+            </a:r>
+          </a:p>
+          <a:p>
+            <a:pPr marL="285750" indent="-285750">
+              <a:buFontTx/>
+              <a:buChar char="-"/>
+            </a:pPr>
+            <a:r>
+              <a:rPr lang="nb-NO" dirty="0"/>
+              <a:t>Run </a:t>
+            </a:r>
+            <a:r>
+              <a:rPr lang="nb-NO" dirty="0" err="1"/>
+              <a:t>simulation</a:t>
+            </a:r>
+            <a:endParaRPr lang="nb-NO" dirty="0"/>
+          </a:p>
+          <a:p>
+            <a:pPr marL="285750" indent="-285750" algn="ctr">
+              <a:buFontTx/>
+              <a:buChar char="-"/>
+            </a:pPr>
+            <a:endParaRPr lang="nb-NO" dirty="0"/>
+          </a:p>
+          <a:p>
+            <a:pPr marL="285750" indent="-285750" algn="ctr">
+              <a:buFontTx/>
+              <a:buChar char="-"/>
+            </a:pPr>
+            <a:endParaRPr lang="nb-NO" dirty="0"/>
+          </a:p>
+        </p:txBody>
+      </p:sp>
+      <p:sp>
+        <p:nvSpPr>
+          <p:cNvPr id="93" name="Rectangle 92">
+            <a:extLst>
+              <a:ext uri="{FF2B5EF4-FFF2-40B4-BE49-F238E27FC236}">
+                <a16:creationId xmlns:a16="http://schemas.microsoft.com/office/drawing/2014/main" id="{D6A3DDFC-49BF-4850-8F7B-4049F6DF0E74}"/>
+              </a:ext>
+            </a:extLst>
+          </p:cNvPr>
+          <p:cNvSpPr/>
+          <p:nvPr/>
+        </p:nvSpPr>
+        <p:spPr>
+          <a:xfrm>
+            <a:off x="5345109" y="1016125"/>
+            <a:ext cx="4488701" cy="1509203"/>
+          </a:xfrm>
+          <a:prstGeom prst="rect">
+            <a:avLst/>
+          </a:prstGeom>
+        </p:spPr>
+        <p:style>
+          <a:lnRef idx="2">
+            <a:schemeClr val="accent1">
+              <a:shade val="50000"/>
+            </a:schemeClr>
+          </a:lnRef>
+          <a:fillRef idx="1">
+            <a:schemeClr val="accent1"/>
+          </a:fillRef>
+          <a:effectRef idx="0">
+            <a:schemeClr val="accent1"/>
+          </a:effectRef>
+          <a:fontRef idx="minor">
+            <a:schemeClr val="lt1"/>
+          </a:fontRef>
+        </p:style>
+        <p:txBody>
+          <a:bodyPr rtlCol="0" anchor="ctr"/>
+          <a:lstStyle/>
+          <a:p>
+            <a:r>
+              <a:rPr lang="nb-NO" b="1" dirty="0"/>
+              <a:t>Demos</a:t>
+            </a:r>
+            <a:r>
+              <a:rPr lang="nb-NO" dirty="0"/>
+              <a:t>: </a:t>
+            </a:r>
+            <a:r>
+              <a:rPr lang="nb-NO" dirty="0" err="1"/>
+              <a:t>contains</a:t>
+            </a:r>
+            <a:r>
+              <a:rPr lang="nb-NO" dirty="0"/>
+              <a:t> scripts </a:t>
+            </a:r>
+            <a:r>
+              <a:rPr lang="nb-NO" dirty="0" err="1"/>
+              <a:t>that</a:t>
+            </a:r>
+            <a:r>
+              <a:rPr lang="nb-NO" dirty="0"/>
+              <a:t> </a:t>
+            </a:r>
+            <a:r>
+              <a:rPr lang="nb-NO" dirty="0" err="1"/>
+              <a:t>combine</a:t>
+            </a:r>
+            <a:r>
+              <a:rPr lang="nb-NO" dirty="0"/>
+              <a:t> </a:t>
+            </a:r>
+            <a:r>
+              <a:rPr lang="nb-NO" dirty="0" err="1"/>
+              <a:t>models</a:t>
+            </a:r>
+            <a:r>
+              <a:rPr lang="nb-NO" dirty="0"/>
+              <a:t>/</a:t>
+            </a:r>
+            <a:r>
+              <a:rPr lang="nb-NO" dirty="0" err="1"/>
+              <a:t>observers</a:t>
+            </a:r>
+            <a:r>
+              <a:rPr lang="nb-NO" dirty="0"/>
+              <a:t>/</a:t>
+            </a:r>
+            <a:r>
+              <a:rPr lang="nb-NO" dirty="0" err="1"/>
+              <a:t>controllers</a:t>
+            </a:r>
+            <a:endParaRPr lang="nb-NO" dirty="0"/>
+          </a:p>
+          <a:p>
+            <a:pPr marL="285750" indent="-285750">
+              <a:buFontTx/>
+              <a:buChar char="-"/>
+            </a:pPr>
+            <a:r>
+              <a:rPr lang="nb-NO" dirty="0"/>
+              <a:t>Luenberger_RVG.py (</a:t>
+            </a:r>
+            <a:r>
+              <a:rPr lang="nb-NO" dirty="0" err="1"/>
+              <a:t>demonstrates</a:t>
+            </a:r>
+            <a:r>
+              <a:rPr lang="nb-NO" dirty="0"/>
+              <a:t> </a:t>
+            </a:r>
+            <a:r>
+              <a:rPr lang="nb-NO" dirty="0" err="1"/>
+              <a:t>use</a:t>
+            </a:r>
+            <a:r>
+              <a:rPr lang="nb-NO" dirty="0"/>
+              <a:t> </a:t>
+            </a:r>
+            <a:r>
+              <a:rPr lang="nb-NO" dirty="0" err="1"/>
+              <a:t>of</a:t>
+            </a:r>
+            <a:r>
+              <a:rPr lang="nb-NO" dirty="0"/>
+              <a:t> </a:t>
+            </a:r>
+            <a:r>
+              <a:rPr lang="nb-NO" dirty="0" err="1"/>
+              <a:t>Luenberger</a:t>
+            </a:r>
+            <a:r>
+              <a:rPr lang="nb-NO" dirty="0"/>
+              <a:t> observer </a:t>
+            </a:r>
+            <a:r>
+              <a:rPr lang="nb-NO" dirty="0" err="1"/>
+              <a:t>on</a:t>
+            </a:r>
+            <a:r>
+              <a:rPr lang="nb-NO" dirty="0"/>
+              <a:t> RVG </a:t>
+            </a:r>
+            <a:r>
+              <a:rPr lang="nb-NO" dirty="0" err="1"/>
+              <a:t>model</a:t>
+            </a:r>
+            <a:r>
+              <a:rPr lang="nb-NO" dirty="0"/>
+              <a:t>) </a:t>
+            </a:r>
+          </a:p>
+        </p:txBody>
+      </p:sp>
+      <p:sp>
+        <p:nvSpPr>
+          <p:cNvPr id="96" name="Rectangle 95">
+            <a:extLst>
+              <a:ext uri="{FF2B5EF4-FFF2-40B4-BE49-F238E27FC236}">
+                <a16:creationId xmlns:a16="http://schemas.microsoft.com/office/drawing/2014/main" id="{E102EB5A-2306-44E9-BC9A-C943F6A2E95F}"/>
+              </a:ext>
+            </a:extLst>
+          </p:cNvPr>
+          <p:cNvSpPr/>
+          <p:nvPr/>
+        </p:nvSpPr>
+        <p:spPr>
+          <a:xfrm>
+            <a:off x="131444" y="1239710"/>
+            <a:ext cx="2168435" cy="735744"/>
+          </a:xfrm>
+          <a:prstGeom prst="rect">
+            <a:avLst/>
+          </a:prstGeom>
+        </p:spPr>
+        <p:style>
+          <a:lnRef idx="2">
+            <a:schemeClr val="accent1">
+              <a:shade val="50000"/>
+            </a:schemeClr>
+          </a:lnRef>
+          <a:fillRef idx="1">
+            <a:schemeClr val="accent1"/>
+          </a:fillRef>
+          <a:effectRef idx="0">
+            <a:schemeClr val="accent1"/>
+          </a:effectRef>
+          <a:fontRef idx="minor">
+            <a:schemeClr val="lt1"/>
+          </a:fontRef>
+        </p:style>
+        <p:txBody>
+          <a:bodyPr rtlCol="0" anchor="ctr"/>
+          <a:lstStyle/>
+          <a:p>
+            <a:r>
+              <a:rPr lang="nb-NO" b="1" dirty="0" err="1"/>
+              <a:t>Adm</a:t>
+            </a:r>
+            <a:endParaRPr lang="nb-NO" b="1" dirty="0"/>
+          </a:p>
+          <a:p>
+            <a:r>
+              <a:rPr lang="nb-NO" dirty="0"/>
+              <a:t>- </a:t>
+            </a:r>
+            <a:r>
+              <a:rPr lang="nb-NO" dirty="0" err="1"/>
+              <a:t>documentation</a:t>
+            </a:r>
+            <a:endParaRPr lang="nb-NO" dirty="0"/>
+          </a:p>
+        </p:txBody>
+      </p:sp>
+      <p:sp>
+        <p:nvSpPr>
+          <p:cNvPr id="98" name="Title 1">
+            <a:extLst>
+              <a:ext uri="{FF2B5EF4-FFF2-40B4-BE49-F238E27FC236}">
+                <a16:creationId xmlns:a16="http://schemas.microsoft.com/office/drawing/2014/main" id="{5D905E9A-453F-4DCF-8605-073AB95A6D53}"/>
               </a:ext>
             </a:extLst>
           </p:cNvPr>
@@ -4350,151 +5557,244 @@
             <p:ph type="title"/>
           </p:nvPr>
         </p:nvSpPr>
-        <p:spPr/>
+        <p:spPr>
+          <a:xfrm>
+            <a:off x="271581" y="-85853"/>
+            <a:ext cx="7629156" cy="1325563"/>
+          </a:xfrm>
+        </p:spPr>
         <p:txBody>
           <a:bodyPr/>
           <a:lstStyle/>
           <a:p>
             <a:r>
               <a:rPr lang="nb-NO" dirty="0"/>
-              <a:t>Main </a:t>
-            </a:r>
-            <a:r>
-              <a:rPr lang="nb-NO" dirty="0" err="1"/>
-              <a:t>libraries</a:t>
-            </a:r>
-            <a:r>
-              <a:rPr lang="nb-NO" dirty="0"/>
-              <a:t> </a:t>
-            </a:r>
-            <a:r>
-              <a:rPr lang="nb-NO" dirty="0" err="1"/>
-              <a:t>of</a:t>
-            </a:r>
-            <a:r>
-              <a:rPr lang="nb-NO" dirty="0"/>
-              <a:t> </a:t>
-            </a:r>
-            <a:r>
-              <a:rPr lang="nb-NO" dirty="0" err="1"/>
-              <a:t>function</a:t>
+              <a:t>Folders </a:t>
+            </a:r>
+            <a:r>
+              <a:rPr lang="nb-NO" dirty="0" err="1"/>
+              <a:t>hierarchy</a:t>
             </a:r>
             <a:endParaRPr lang="nb-NO" dirty="0"/>
           </a:p>
         </p:txBody>
       </p:sp>
-      <p:sp>
-        <p:nvSpPr>
-          <p:cNvPr id="3" name="Content Placeholder 2">
+      <p:cxnSp>
+        <p:nvCxnSpPr>
+          <p:cNvPr id="129" name="Straight Arrow Connector 128">
             <a:extLst>
               <a:ext uri="{FF2B5EF4-FFF2-40B4-BE49-F238E27FC236}">
-                <a16:creationId xmlns:a16="http://schemas.microsoft.com/office/drawing/2014/main" id="{AA1F8F05-20F3-4858-BD2A-22BD7968ED83}"/>
+                <a16:creationId xmlns:a16="http://schemas.microsoft.com/office/drawing/2014/main" id="{FA580DC0-B908-43F9-B8FA-C2DF91BD3236}"/>
               </a:ext>
             </a:extLst>
           </p:cNvPr>
-          <p:cNvSpPr>
-            <a:spLocks noGrp="1"/>
-          </p:cNvSpPr>
-          <p:nvPr>
-            <p:ph idx="1"/>
-          </p:nvPr>
-        </p:nvSpPr>
-        <p:spPr/>
-        <p:txBody>
-          <a:bodyPr/>
-          <a:lstStyle/>
-          <a:p>
-            <a:r>
-              <a:rPr lang="nb-NO" dirty="0" err="1"/>
-              <a:t>MClib</a:t>
-            </a:r>
-            <a:r>
-              <a:rPr lang="nb-NO" dirty="0"/>
-              <a:t>: general </a:t>
-            </a:r>
-            <a:r>
-              <a:rPr lang="nb-NO" dirty="0" err="1"/>
-              <a:t>functions</a:t>
-            </a:r>
-            <a:endParaRPr lang="nb-NO" dirty="0"/>
-          </a:p>
-          <a:p>
-            <a:r>
-              <a:rPr lang="nb-NO" dirty="0" err="1"/>
-              <a:t>MCmod</a:t>
-            </a:r>
-            <a:r>
-              <a:rPr lang="nb-NO" dirty="0"/>
-              <a:t>: </a:t>
-            </a:r>
-            <a:r>
-              <a:rPr lang="nb-NO" dirty="0" err="1"/>
-              <a:t>model</a:t>
-            </a:r>
-            <a:r>
-              <a:rPr lang="nb-NO" dirty="0"/>
-              <a:t> </a:t>
-            </a:r>
-            <a:r>
-              <a:rPr lang="nb-NO" dirty="0" err="1"/>
-              <a:t>functions</a:t>
-            </a:r>
-            <a:endParaRPr lang="nb-NO" dirty="0"/>
-          </a:p>
-          <a:p>
-            <a:r>
-              <a:rPr lang="nb-NO" dirty="0" err="1"/>
-              <a:t>MCcon</a:t>
-            </a:r>
-            <a:r>
-              <a:rPr lang="nb-NO" dirty="0"/>
-              <a:t> (</a:t>
-            </a:r>
-            <a:r>
-              <a:rPr lang="nb-NO" dirty="0" err="1"/>
-              <a:t>control</a:t>
-            </a:r>
-            <a:r>
-              <a:rPr lang="nb-NO" dirty="0"/>
-              <a:t>), </a:t>
-            </a:r>
-            <a:r>
-              <a:rPr lang="nb-NO" dirty="0" err="1"/>
-              <a:t>MCenv</a:t>
-            </a:r>
-            <a:r>
-              <a:rPr lang="nb-NO" dirty="0"/>
-              <a:t> (</a:t>
-            </a:r>
-            <a:r>
-              <a:rPr lang="nb-NO" dirty="0" err="1"/>
-              <a:t>environmental</a:t>
-            </a:r>
-            <a:r>
-              <a:rPr lang="nb-NO" dirty="0"/>
-              <a:t>), </a:t>
-            </a:r>
-            <a:r>
-              <a:rPr lang="nb-NO" dirty="0" err="1"/>
-              <a:t>Mcsens</a:t>
-            </a:r>
-            <a:r>
-              <a:rPr lang="nb-NO" dirty="0"/>
-              <a:t> (sensors)???</a:t>
-            </a:r>
-          </a:p>
-          <a:p>
-            <a:pPr marL="0" indent="0">
-              <a:buNone/>
-            </a:pPr>
-            <a:endParaRPr lang="nb-NO" dirty="0"/>
-          </a:p>
-        </p:txBody>
-      </p:sp>
+          <p:cNvCxnSpPr>
+            <a:cxnSpLocks/>
+            <a:stCxn id="6" idx="3"/>
+            <a:endCxn id="8" idx="1"/>
+          </p:cNvCxnSpPr>
+          <p:nvPr/>
+        </p:nvCxnSpPr>
+        <p:spPr>
+          <a:xfrm>
+            <a:off x="3894108" y="3787491"/>
+            <a:ext cx="1454090" cy="0"/>
+          </a:xfrm>
+          <a:prstGeom prst="straightConnector1">
+            <a:avLst/>
+          </a:prstGeom>
+          <a:ln w="38100">
+            <a:tailEnd type="triangle"/>
+          </a:ln>
+        </p:spPr>
+        <p:style>
+          <a:lnRef idx="1">
+            <a:schemeClr val="accent1"/>
+          </a:lnRef>
+          <a:fillRef idx="0">
+            <a:schemeClr val="accent1"/>
+          </a:fillRef>
+          <a:effectRef idx="0">
+            <a:schemeClr val="accent1"/>
+          </a:effectRef>
+          <a:fontRef idx="minor">
+            <a:schemeClr val="tx1"/>
+          </a:fontRef>
+        </p:style>
+      </p:cxnSp>
+      <p:cxnSp>
+        <p:nvCxnSpPr>
+          <p:cNvPr id="134" name="Straight Arrow Connector 133">
+            <a:extLst>
+              <a:ext uri="{FF2B5EF4-FFF2-40B4-BE49-F238E27FC236}">
+                <a16:creationId xmlns:a16="http://schemas.microsoft.com/office/drawing/2014/main" id="{22A7A4F3-FD63-4672-8D7A-6CBF9E439AEC}"/>
+              </a:ext>
+            </a:extLst>
+          </p:cNvPr>
+          <p:cNvCxnSpPr>
+            <a:cxnSpLocks/>
+            <a:stCxn id="8" idx="0"/>
+            <a:endCxn id="93" idx="2"/>
+          </p:cNvCxnSpPr>
+          <p:nvPr/>
+        </p:nvCxnSpPr>
+        <p:spPr>
+          <a:xfrm flipH="1" flipV="1">
+            <a:off x="7589460" y="2525328"/>
+            <a:ext cx="1544" cy="368167"/>
+          </a:xfrm>
+          <a:prstGeom prst="straightConnector1">
+            <a:avLst/>
+          </a:prstGeom>
+          <a:ln w="38100">
+            <a:tailEnd type="triangle"/>
+          </a:ln>
+        </p:spPr>
+        <p:style>
+          <a:lnRef idx="1">
+            <a:schemeClr val="accent1"/>
+          </a:lnRef>
+          <a:fillRef idx="0">
+            <a:schemeClr val="accent1"/>
+          </a:fillRef>
+          <a:effectRef idx="0">
+            <a:schemeClr val="accent1"/>
+          </a:effectRef>
+          <a:fontRef idx="minor">
+            <a:schemeClr val="tx1"/>
+          </a:fontRef>
+        </p:style>
+      </p:cxnSp>
+      <p:cxnSp>
+        <p:nvCxnSpPr>
+          <p:cNvPr id="138" name="Straight Arrow Connector 137">
+            <a:extLst>
+              <a:ext uri="{FF2B5EF4-FFF2-40B4-BE49-F238E27FC236}">
+                <a16:creationId xmlns:a16="http://schemas.microsoft.com/office/drawing/2014/main" id="{6162830D-BEEF-45A8-8917-7797E65B71B6}"/>
+              </a:ext>
+            </a:extLst>
+          </p:cNvPr>
+          <p:cNvCxnSpPr>
+            <a:cxnSpLocks/>
+            <a:stCxn id="6" idx="3"/>
+          </p:cNvCxnSpPr>
+          <p:nvPr/>
+        </p:nvCxnSpPr>
+        <p:spPr>
+          <a:xfrm flipV="1">
+            <a:off x="3894108" y="2501873"/>
+            <a:ext cx="1454090" cy="1285618"/>
+          </a:xfrm>
+          <a:prstGeom prst="straightConnector1">
+            <a:avLst/>
+          </a:prstGeom>
+          <a:ln w="38100">
+            <a:tailEnd type="triangle"/>
+          </a:ln>
+        </p:spPr>
+        <p:style>
+          <a:lnRef idx="1">
+            <a:schemeClr val="accent1"/>
+          </a:lnRef>
+          <a:fillRef idx="0">
+            <a:schemeClr val="accent1"/>
+          </a:fillRef>
+          <a:effectRef idx="0">
+            <a:schemeClr val="accent1"/>
+          </a:effectRef>
+          <a:fontRef idx="minor">
+            <a:schemeClr val="tx1"/>
+          </a:fontRef>
+        </p:style>
+      </p:cxnSp>
+      <p:cxnSp>
+        <p:nvCxnSpPr>
+          <p:cNvPr id="141" name="Straight Arrow Connector 140">
+            <a:extLst>
+              <a:ext uri="{FF2B5EF4-FFF2-40B4-BE49-F238E27FC236}">
+                <a16:creationId xmlns:a16="http://schemas.microsoft.com/office/drawing/2014/main" id="{CD056529-1C8C-42AE-9343-F203CAD4CB57}"/>
+              </a:ext>
+            </a:extLst>
+          </p:cNvPr>
+          <p:cNvCxnSpPr>
+            <a:cxnSpLocks/>
+            <a:stCxn id="6" idx="3"/>
+          </p:cNvCxnSpPr>
+          <p:nvPr/>
+        </p:nvCxnSpPr>
+        <p:spPr>
+          <a:xfrm>
+            <a:off x="3894108" y="3787491"/>
+            <a:ext cx="1454090" cy="1262163"/>
+          </a:xfrm>
+          <a:prstGeom prst="straightConnector1">
+            <a:avLst/>
+          </a:prstGeom>
+          <a:ln w="38100">
+            <a:tailEnd type="triangle"/>
+          </a:ln>
+        </p:spPr>
+        <p:style>
+          <a:lnRef idx="1">
+            <a:schemeClr val="accent1"/>
+          </a:lnRef>
+          <a:fillRef idx="0">
+            <a:schemeClr val="accent1"/>
+          </a:fillRef>
+          <a:effectRef idx="0">
+            <a:schemeClr val="accent1"/>
+          </a:effectRef>
+          <a:fontRef idx="minor">
+            <a:schemeClr val="tx1"/>
+          </a:fontRef>
+        </p:style>
+      </p:cxnSp>
+      <p:cxnSp>
+        <p:nvCxnSpPr>
+          <p:cNvPr id="145" name="Straight Arrow Connector 144">
+            <a:extLst>
+              <a:ext uri="{FF2B5EF4-FFF2-40B4-BE49-F238E27FC236}">
+                <a16:creationId xmlns:a16="http://schemas.microsoft.com/office/drawing/2014/main" id="{8AAADB45-8CFE-4184-ABAD-A8A30CB92FA1}"/>
+              </a:ext>
+            </a:extLst>
+          </p:cNvPr>
+          <p:cNvCxnSpPr>
+            <a:cxnSpLocks/>
+            <a:endCxn id="15" idx="0"/>
+          </p:cNvCxnSpPr>
+          <p:nvPr/>
+        </p:nvCxnSpPr>
+        <p:spPr>
+          <a:xfrm>
+            <a:off x="7591005" y="4681487"/>
+            <a:ext cx="0" cy="368167"/>
+          </a:xfrm>
+          <a:prstGeom prst="straightConnector1">
+            <a:avLst/>
+          </a:prstGeom>
+          <a:ln w="38100">
+            <a:tailEnd type="triangle"/>
+          </a:ln>
+        </p:spPr>
+        <p:style>
+          <a:lnRef idx="1">
+            <a:schemeClr val="accent1"/>
+          </a:lnRef>
+          <a:fillRef idx="0">
+            <a:schemeClr val="accent1"/>
+          </a:fillRef>
+          <a:effectRef idx="0">
+            <a:schemeClr val="accent1"/>
+          </a:effectRef>
+          <a:fontRef idx="minor">
+            <a:schemeClr val="tx1"/>
+          </a:fontRef>
+        </p:style>
+      </p:cxnSp>
     </p:spTree>
     <p:extLst>
       <p:ext uri="{BB962C8B-B14F-4D97-AF65-F5344CB8AC3E}">
-        <p14:creationId xmlns:p14="http://schemas.microsoft.com/office/powerpoint/2010/main" val="3219918219"/>
+        <p14:creationId xmlns:p14="http://schemas.microsoft.com/office/powerpoint/2010/main" val="3769263921"/>
       </p:ext>
     </p:extLst>
   </p:cSld>
@@ -4544,11 +5844,19 @@
           <a:p>
             <a:r>
               <a:rPr lang="nb-NO" dirty="0"/>
-              <a:t>Model </a:t>
-            </a:r>
-            <a:r>
-              <a:rPr lang="nb-NO" dirty="0" err="1"/>
-              <a:t>functions</a:t>
+              <a:t>More </a:t>
+            </a:r>
+            <a:r>
+              <a:rPr lang="nb-NO" dirty="0" err="1"/>
+              <a:t>on</a:t>
+            </a:r>
+            <a:r>
+              <a:rPr lang="nb-NO" dirty="0"/>
+              <a:t> </a:t>
+            </a:r>
+            <a:r>
+              <a:rPr lang="nb-NO" dirty="0" err="1"/>
+              <a:t>models</a:t>
             </a:r>
             <a:endParaRPr lang="nb-NO" dirty="0"/>
           </a:p>
@@ -4556,230 +5864,768 @@
       </p:sp>
       <p:sp>
         <p:nvSpPr>
-          <p:cNvPr id="3" name="Content Placeholder 2">
+          <p:cNvPr id="7" name="Content Placeholder 2">
             <a:extLst>
               <a:ext uri="{FF2B5EF4-FFF2-40B4-BE49-F238E27FC236}">
-                <a16:creationId xmlns:a16="http://schemas.microsoft.com/office/drawing/2014/main" id="{73CD5212-6ADC-425E-8716-23CCBCB36A94}"/>
+                <a16:creationId xmlns:a16="http://schemas.microsoft.com/office/drawing/2014/main" id="{0F8EAA81-021C-4053-9983-50A8EEF581DF}"/>
               </a:ext>
             </a:extLst>
           </p:cNvPr>
-          <p:cNvSpPr>
-            <a:spLocks noGrp="1"/>
+          <p:cNvSpPr txBox="1">
+            <a:spLocks/>
           </p:cNvSpPr>
-          <p:nvPr>
-            <p:ph idx="1"/>
-          </p:nvPr>
+          <p:nvPr/>
         </p:nvSpPr>
         <p:spPr>
           <a:xfrm>
-            <a:off x="754309" y="1825625"/>
-            <a:ext cx="4958594" cy="4351338"/>
-          </a:xfrm>
-        </p:spPr>
-        <p:txBody>
-          <a:bodyPr>
-            <a:normAutofit lnSpcReduction="10000"/>
-          </a:bodyPr>
-          <a:lstStyle/>
-          <a:p>
-            <a:endParaRPr lang="nb-NO" dirty="0"/>
-          </a:p>
-          <a:p>
-            <a:r>
-              <a:rPr lang="nb-NO" dirty="0"/>
-              <a:t>The «</a:t>
-            </a:r>
-            <a:r>
-              <a:rPr lang="nb-NO" dirty="0" err="1"/>
-              <a:t>core</a:t>
-            </a:r>
-            <a:r>
-              <a:rPr lang="nb-NO" dirty="0"/>
-              <a:t>» </a:t>
-            </a:r>
-            <a:r>
-              <a:rPr lang="nb-NO" dirty="0" err="1"/>
-              <a:t>of</a:t>
-            </a:r>
-            <a:r>
-              <a:rPr lang="nb-NO" dirty="0"/>
-              <a:t> </a:t>
-            </a:r>
-            <a:r>
-              <a:rPr lang="nb-NO" dirty="0" err="1"/>
-              <a:t>MCsim</a:t>
-            </a:r>
-            <a:r>
-              <a:rPr lang="nb-NO" dirty="0"/>
-              <a:t> Python</a:t>
-            </a:r>
-          </a:p>
-          <a:p>
-            <a:r>
-              <a:rPr lang="nb-NO" dirty="0" err="1"/>
-              <a:t>Performs</a:t>
-            </a:r>
-            <a:r>
-              <a:rPr lang="nb-NO" dirty="0"/>
-              <a:t> single time </a:t>
-            </a:r>
-            <a:r>
-              <a:rPr lang="nb-NO" dirty="0" err="1"/>
-              <a:t>step</a:t>
-            </a:r>
-            <a:r>
-              <a:rPr lang="nb-NO" dirty="0"/>
-              <a:t> </a:t>
-            </a:r>
-            <a:r>
-              <a:rPr lang="nb-NO" dirty="0" err="1"/>
-              <a:t>integration</a:t>
-            </a:r>
-            <a:r>
-              <a:rPr lang="nb-NO" dirty="0"/>
-              <a:t> </a:t>
-            </a:r>
-            <a:r>
-              <a:rPr lang="nb-NO" dirty="0" err="1"/>
-              <a:t>of</a:t>
-            </a:r>
-            <a:r>
-              <a:rPr lang="nb-NO" dirty="0"/>
-              <a:t> </a:t>
-            </a:r>
-            <a:r>
-              <a:rPr lang="nb-NO" dirty="0" err="1"/>
-              <a:t>dynamic</a:t>
-            </a:r>
-            <a:r>
-              <a:rPr lang="nb-NO" dirty="0"/>
-              <a:t> </a:t>
-            </a:r>
-            <a:r>
-              <a:rPr lang="nb-NO" dirty="0" err="1"/>
-              <a:t>models</a:t>
-            </a:r>
-            <a:endParaRPr lang="nb-NO" dirty="0"/>
-          </a:p>
-          <a:p>
-            <a:r>
-              <a:rPr lang="nb-NO" dirty="0"/>
-              <a:t>Arguments: </a:t>
-            </a:r>
-          </a:p>
-          <a:p>
-            <a:pPr lvl="1"/>
-            <a:r>
-              <a:rPr lang="nb-NO" dirty="0" err="1"/>
-              <a:t>state</a:t>
-            </a:r>
-            <a:r>
-              <a:rPr lang="nb-NO" dirty="0"/>
-              <a:t>, </a:t>
-            </a:r>
-            <a:r>
-              <a:rPr lang="nb-NO" dirty="0" err="1"/>
-              <a:t>control</a:t>
-            </a:r>
-            <a:r>
-              <a:rPr lang="nb-NO" dirty="0"/>
-              <a:t> input and </a:t>
-            </a:r>
-            <a:r>
-              <a:rPr lang="nb-NO" dirty="0" err="1"/>
-              <a:t>disturbance</a:t>
-            </a:r>
-            <a:r>
-              <a:rPr lang="nb-NO" dirty="0"/>
-              <a:t> input at </a:t>
-            </a:r>
-            <a:r>
-              <a:rPr lang="nb-NO" dirty="0" err="1"/>
-              <a:t>current</a:t>
-            </a:r>
-            <a:r>
-              <a:rPr lang="nb-NO" dirty="0"/>
-              <a:t> time </a:t>
-            </a:r>
-            <a:r>
-              <a:rPr lang="nb-NO" dirty="0" err="1"/>
-              <a:t>step</a:t>
-            </a:r>
-            <a:endParaRPr lang="nb-NO" dirty="0"/>
-          </a:p>
-          <a:p>
-            <a:pPr lvl="1"/>
-            <a:r>
-              <a:rPr lang="nb-NO" dirty="0"/>
-              <a:t>Model parameters</a:t>
-            </a:r>
-          </a:p>
-          <a:p>
-            <a:r>
-              <a:rPr lang="nb-NO" dirty="0"/>
-              <a:t>Output:</a:t>
-            </a:r>
-          </a:p>
-          <a:p>
-            <a:pPr lvl="1"/>
-            <a:r>
-              <a:rPr lang="nb-NO" dirty="0" err="1"/>
-              <a:t>state</a:t>
-            </a:r>
-            <a:r>
-              <a:rPr lang="nb-NO" dirty="0"/>
-              <a:t> at </a:t>
-            </a:r>
-            <a:r>
-              <a:rPr lang="nb-NO" dirty="0" err="1"/>
-              <a:t>next</a:t>
-            </a:r>
-            <a:r>
-              <a:rPr lang="nb-NO" dirty="0"/>
-              <a:t> time </a:t>
-            </a:r>
-            <a:r>
-              <a:rPr lang="nb-NO" dirty="0" err="1"/>
-              <a:t>step</a:t>
-            </a:r>
-            <a:endParaRPr lang="nb-NO" dirty="0"/>
-          </a:p>
-        </p:txBody>
-      </p:sp>
-      <p:pic>
-        <p:nvPicPr>
-          <p:cNvPr id="4" name="Picture 3">
-            <a:extLst>
-              <a:ext uri="{FF2B5EF4-FFF2-40B4-BE49-F238E27FC236}">
-                <a16:creationId xmlns:a16="http://schemas.microsoft.com/office/drawing/2014/main" id="{9599A45B-5D8C-4FEA-973E-BB40520D1C9E}"/>
-              </a:ext>
-            </a:extLst>
-          </p:cNvPr>
-          <p:cNvPicPr>
-            <a:picLocks noChangeAspect="1"/>
-          </p:cNvPicPr>
-          <p:nvPr/>
-        </p:nvPicPr>
-        <p:blipFill>
-          <a:blip r:embed="rId2"/>
-          <a:stretch>
-            <a:fillRect/>
-          </a:stretch>
-        </p:blipFill>
-        <p:spPr>
-          <a:xfrm>
-            <a:off x="5695787" y="365125"/>
-            <a:ext cx="6169741" cy="3141473"/>
+            <a:off x="754308" y="1825625"/>
+            <a:ext cx="9296071" cy="4351338"/>
           </a:xfrm>
           <a:prstGeom prst="rect">
             <a:avLst/>
           </a:prstGeom>
         </p:spPr>
-      </p:pic>
+        <p:txBody>
+          <a:bodyPr vert="horz" lIns="91440" tIns="45720" rIns="91440" bIns="45720" rtlCol="0">
+            <a:normAutofit/>
+          </a:bodyPr>
+          <a:lstStyle>
+            <a:lvl1pPr marL="228600" indent="-228600" algn="l" defTabSz="914400" rtl="0" eaLnBrk="1" latinLnBrk="0" hangingPunct="1">
+              <a:lnSpc>
+                <a:spcPct val="90000"/>
+              </a:lnSpc>
+              <a:spcBef>
+                <a:spcPts val="1000"/>
+              </a:spcBef>
+              <a:buFont typeface="Arial" panose="020B0604020202020204" pitchFamily="34" charset="0"/>
+              <a:buChar char="•"/>
+              <a:defRPr sz="2800" kern="1200">
+                <a:solidFill>
+                  <a:schemeClr val="tx1"/>
+                </a:solidFill>
+                <a:latin typeface="+mn-lt"/>
+                <a:ea typeface="+mn-ea"/>
+                <a:cs typeface="+mn-cs"/>
+              </a:defRPr>
+            </a:lvl1pPr>
+            <a:lvl2pPr marL="685800" indent="-228600" algn="l" defTabSz="914400" rtl="0" eaLnBrk="1" latinLnBrk="0" hangingPunct="1">
+              <a:lnSpc>
+                <a:spcPct val="90000"/>
+              </a:lnSpc>
+              <a:spcBef>
+                <a:spcPts val="500"/>
+              </a:spcBef>
+              <a:buFont typeface="Arial" panose="020B0604020202020204" pitchFamily="34" charset="0"/>
+              <a:buChar char="•"/>
+              <a:defRPr sz="2400" kern="1200">
+                <a:solidFill>
+                  <a:schemeClr val="tx1"/>
+                </a:solidFill>
+                <a:latin typeface="+mn-lt"/>
+                <a:ea typeface="+mn-ea"/>
+                <a:cs typeface="+mn-cs"/>
+              </a:defRPr>
+            </a:lvl2pPr>
+            <a:lvl3pPr marL="1143000" indent="-228600" algn="l" defTabSz="914400" rtl="0" eaLnBrk="1" latinLnBrk="0" hangingPunct="1">
+              <a:lnSpc>
+                <a:spcPct val="90000"/>
+              </a:lnSpc>
+              <a:spcBef>
+                <a:spcPts val="500"/>
+              </a:spcBef>
+              <a:buFont typeface="Arial" panose="020B0604020202020204" pitchFamily="34" charset="0"/>
+              <a:buChar char="•"/>
+              <a:defRPr sz="2000" kern="1200">
+                <a:solidFill>
+                  <a:schemeClr val="tx1"/>
+                </a:solidFill>
+                <a:latin typeface="+mn-lt"/>
+                <a:ea typeface="+mn-ea"/>
+                <a:cs typeface="+mn-cs"/>
+              </a:defRPr>
+            </a:lvl3pPr>
+            <a:lvl4pPr marL="1600200" indent="-228600" algn="l" defTabSz="914400" rtl="0" eaLnBrk="1" latinLnBrk="0" hangingPunct="1">
+              <a:lnSpc>
+                <a:spcPct val="90000"/>
+              </a:lnSpc>
+              <a:spcBef>
+                <a:spcPts val="500"/>
+              </a:spcBef>
+              <a:buFont typeface="Arial" panose="020B0604020202020204" pitchFamily="34" charset="0"/>
+              <a:buChar char="•"/>
+              <a:defRPr sz="1800" kern="1200">
+                <a:solidFill>
+                  <a:schemeClr val="tx1"/>
+                </a:solidFill>
+                <a:latin typeface="+mn-lt"/>
+                <a:ea typeface="+mn-ea"/>
+                <a:cs typeface="+mn-cs"/>
+              </a:defRPr>
+            </a:lvl4pPr>
+            <a:lvl5pPr marL="2057400" indent="-228600" algn="l" defTabSz="914400" rtl="0" eaLnBrk="1" latinLnBrk="0" hangingPunct="1">
+              <a:lnSpc>
+                <a:spcPct val="90000"/>
+              </a:lnSpc>
+              <a:spcBef>
+                <a:spcPts val="500"/>
+              </a:spcBef>
+              <a:buFont typeface="Arial" panose="020B0604020202020204" pitchFamily="34" charset="0"/>
+              <a:buChar char="•"/>
+              <a:defRPr sz="1800" kern="1200">
+                <a:solidFill>
+                  <a:schemeClr val="tx1"/>
+                </a:solidFill>
+                <a:latin typeface="+mn-lt"/>
+                <a:ea typeface="+mn-ea"/>
+                <a:cs typeface="+mn-cs"/>
+              </a:defRPr>
+            </a:lvl5pPr>
+            <a:lvl6pPr marL="2514600" indent="-228600" algn="l" defTabSz="914400" rtl="0" eaLnBrk="1" latinLnBrk="0" hangingPunct="1">
+              <a:lnSpc>
+                <a:spcPct val="90000"/>
+              </a:lnSpc>
+              <a:spcBef>
+                <a:spcPts val="500"/>
+              </a:spcBef>
+              <a:buFont typeface="Arial" panose="020B0604020202020204" pitchFamily="34" charset="0"/>
+              <a:buChar char="•"/>
+              <a:defRPr sz="1800" kern="1200">
+                <a:solidFill>
+                  <a:schemeClr val="tx1"/>
+                </a:solidFill>
+                <a:latin typeface="+mn-lt"/>
+                <a:ea typeface="+mn-ea"/>
+                <a:cs typeface="+mn-cs"/>
+              </a:defRPr>
+            </a:lvl6pPr>
+            <a:lvl7pPr marL="2971800" indent="-228600" algn="l" defTabSz="914400" rtl="0" eaLnBrk="1" latinLnBrk="0" hangingPunct="1">
+              <a:lnSpc>
+                <a:spcPct val="90000"/>
+              </a:lnSpc>
+              <a:spcBef>
+                <a:spcPts val="500"/>
+              </a:spcBef>
+              <a:buFont typeface="Arial" panose="020B0604020202020204" pitchFamily="34" charset="0"/>
+              <a:buChar char="•"/>
+              <a:defRPr sz="1800" kern="1200">
+                <a:solidFill>
+                  <a:schemeClr val="tx1"/>
+                </a:solidFill>
+                <a:latin typeface="+mn-lt"/>
+                <a:ea typeface="+mn-ea"/>
+                <a:cs typeface="+mn-cs"/>
+              </a:defRPr>
+            </a:lvl7pPr>
+            <a:lvl8pPr marL="3429000" indent="-228600" algn="l" defTabSz="914400" rtl="0" eaLnBrk="1" latinLnBrk="0" hangingPunct="1">
+              <a:lnSpc>
+                <a:spcPct val="90000"/>
+              </a:lnSpc>
+              <a:spcBef>
+                <a:spcPts val="500"/>
+              </a:spcBef>
+              <a:buFont typeface="Arial" panose="020B0604020202020204" pitchFamily="34" charset="0"/>
+              <a:buChar char="•"/>
+              <a:defRPr sz="1800" kern="1200">
+                <a:solidFill>
+                  <a:schemeClr val="tx1"/>
+                </a:solidFill>
+                <a:latin typeface="+mn-lt"/>
+                <a:ea typeface="+mn-ea"/>
+                <a:cs typeface="+mn-cs"/>
+              </a:defRPr>
+            </a:lvl8pPr>
+            <a:lvl9pPr marL="3886200" indent="-228600" algn="l" defTabSz="914400" rtl="0" eaLnBrk="1" latinLnBrk="0" hangingPunct="1">
+              <a:lnSpc>
+                <a:spcPct val="90000"/>
+              </a:lnSpc>
+              <a:spcBef>
+                <a:spcPts val="500"/>
+              </a:spcBef>
+              <a:buFont typeface="Arial" panose="020B0604020202020204" pitchFamily="34" charset="0"/>
+              <a:buChar char="•"/>
+              <a:defRPr sz="1800" kern="1200">
+                <a:solidFill>
+                  <a:schemeClr val="tx1"/>
+                </a:solidFill>
+                <a:latin typeface="+mn-lt"/>
+                <a:ea typeface="+mn-ea"/>
+                <a:cs typeface="+mn-cs"/>
+              </a:defRPr>
+            </a:lvl9pPr>
+          </a:lstStyle>
+          <a:p>
+            <a:pPr marL="0" indent="0">
+              <a:buNone/>
+            </a:pPr>
+            <a:r>
+              <a:rPr lang="nb-NO" sz="1800" dirty="0"/>
+              <a:t>In </a:t>
+            </a:r>
+            <a:r>
+              <a:rPr lang="nb-NO" sz="1800" dirty="0" err="1"/>
+              <a:t>the</a:t>
+            </a:r>
+            <a:r>
+              <a:rPr lang="nb-NO" sz="1800" dirty="0"/>
+              <a:t> </a:t>
+            </a:r>
+            <a:r>
+              <a:rPr lang="nb-NO" sz="1800" dirty="0" err="1"/>
+              <a:t>model</a:t>
+            </a:r>
+            <a:r>
+              <a:rPr lang="nb-NO" sz="1800" dirty="0"/>
+              <a:t> </a:t>
+            </a:r>
+            <a:r>
+              <a:rPr lang="nb-NO" sz="1800" dirty="0" err="1"/>
+              <a:t>library</a:t>
+            </a:r>
+            <a:r>
+              <a:rPr lang="nb-NO" sz="1800" dirty="0"/>
+              <a:t>, </a:t>
+            </a:r>
+            <a:r>
+              <a:rPr lang="nb-NO" sz="1800" dirty="0" err="1"/>
+              <a:t>we</a:t>
+            </a:r>
+            <a:r>
+              <a:rPr lang="nb-NO" sz="1800" dirty="0"/>
+              <a:t> </a:t>
+            </a:r>
+            <a:r>
+              <a:rPr lang="nb-NO" sz="1800" dirty="0" err="1"/>
+              <a:t>can</a:t>
+            </a:r>
+            <a:r>
+              <a:rPr lang="nb-NO" sz="1800" dirty="0"/>
+              <a:t> </a:t>
+            </a:r>
+            <a:r>
+              <a:rPr lang="nb-NO" sz="1800" dirty="0" err="1"/>
+              <a:t>create</a:t>
+            </a:r>
+            <a:r>
+              <a:rPr lang="nb-NO" sz="1800" dirty="0"/>
+              <a:t> «</a:t>
+            </a:r>
+            <a:r>
+              <a:rPr lang="nb-NO" sz="1800" dirty="0" err="1"/>
+              <a:t>larger</a:t>
+            </a:r>
+            <a:r>
+              <a:rPr lang="nb-NO" sz="1800" dirty="0"/>
+              <a:t> </a:t>
+            </a:r>
+            <a:r>
+              <a:rPr lang="nb-NO" sz="1800" dirty="0" err="1"/>
+              <a:t>models</a:t>
+            </a:r>
+            <a:r>
+              <a:rPr lang="nb-NO" sz="1800" dirty="0"/>
+              <a:t>» from </a:t>
+            </a:r>
+            <a:r>
+              <a:rPr lang="nb-NO" sz="1800" dirty="0" err="1"/>
+              <a:t>models</a:t>
+            </a:r>
+            <a:r>
+              <a:rPr lang="nb-NO" sz="1800" dirty="0"/>
+              <a:t>. </a:t>
+            </a:r>
+            <a:r>
+              <a:rPr lang="nb-NO" sz="1800" dirty="0" err="1"/>
+              <a:t>E.g</a:t>
+            </a:r>
+            <a:r>
+              <a:rPr lang="nb-NO" sz="1800" dirty="0"/>
+              <a:t> </a:t>
+            </a:r>
+            <a:r>
+              <a:rPr lang="nb-NO" sz="1800" dirty="0" err="1"/>
+              <a:t>the</a:t>
+            </a:r>
+            <a:r>
+              <a:rPr lang="nb-NO" sz="1800" dirty="0"/>
+              <a:t> </a:t>
+            </a:r>
+            <a:r>
+              <a:rPr lang="nb-NO" sz="1800" dirty="0" err="1"/>
+              <a:t>following</a:t>
+            </a:r>
+            <a:r>
+              <a:rPr lang="nb-NO" sz="1800" dirty="0"/>
+              <a:t> </a:t>
+            </a:r>
+            <a:r>
+              <a:rPr lang="nb-NO" sz="1800" dirty="0" err="1"/>
+              <a:t>models</a:t>
+            </a:r>
+            <a:r>
+              <a:rPr lang="nb-NO" sz="1800" dirty="0"/>
+              <a:t>: </a:t>
+            </a:r>
+          </a:p>
+          <a:p>
+            <a:pPr marL="514350" indent="-514350">
+              <a:buFont typeface="+mj-lt"/>
+              <a:buAutoNum type="arabicPeriod"/>
+            </a:pPr>
+            <a:r>
+              <a:rPr lang="nb-NO" sz="1800" dirty="0"/>
+              <a:t>3DOF </a:t>
+            </a:r>
+            <a:r>
+              <a:rPr lang="nb-NO" sz="1800" dirty="0" err="1"/>
+              <a:t>maneuvering</a:t>
+            </a:r>
+            <a:r>
+              <a:rPr lang="nb-NO" sz="1800" dirty="0"/>
+              <a:t> </a:t>
+            </a:r>
+            <a:r>
+              <a:rPr lang="nb-NO" sz="1800" dirty="0" err="1"/>
+              <a:t>model</a:t>
+            </a:r>
+            <a:r>
+              <a:rPr lang="nb-NO" sz="1800" dirty="0"/>
+              <a:t> (</a:t>
+            </a:r>
+            <a:r>
+              <a:rPr lang="nb-NO" sz="1800" dirty="0" err="1"/>
+              <a:t>with</a:t>
+            </a:r>
+            <a:r>
+              <a:rPr lang="nb-NO" sz="1800" dirty="0"/>
+              <a:t> </a:t>
+            </a:r>
+            <a:r>
+              <a:rPr lang="nb-NO" sz="1800" dirty="0" err="1"/>
+              <a:t>some</a:t>
+            </a:r>
+            <a:r>
+              <a:rPr lang="nb-NO" sz="1800" dirty="0"/>
+              <a:t> </a:t>
+            </a:r>
+            <a:r>
+              <a:rPr lang="nb-NO" sz="1800" dirty="0" err="1"/>
+              <a:t>example</a:t>
+            </a:r>
+            <a:r>
+              <a:rPr lang="nb-NO" sz="1800" dirty="0"/>
+              <a:t> </a:t>
+            </a:r>
+            <a:r>
+              <a:rPr lang="nb-NO" sz="1800" dirty="0" err="1"/>
+              <a:t>model</a:t>
+            </a:r>
+            <a:r>
+              <a:rPr lang="nb-NO" sz="1800" dirty="0"/>
+              <a:t> data)</a:t>
+            </a:r>
+          </a:p>
+          <a:p>
+            <a:pPr marL="514350" indent="-514350">
+              <a:buFont typeface="+mj-lt"/>
+              <a:buAutoNum type="arabicPeriod"/>
+            </a:pPr>
+            <a:r>
+              <a:rPr lang="nb-NO" sz="1800" dirty="0" err="1"/>
+              <a:t>Azimuth</a:t>
+            </a:r>
+            <a:r>
+              <a:rPr lang="nb-NO" sz="1800" dirty="0"/>
+              <a:t> </a:t>
+            </a:r>
+            <a:r>
+              <a:rPr lang="nb-NO" sz="1800" dirty="0" err="1"/>
+              <a:t>thruster</a:t>
+            </a:r>
+            <a:r>
+              <a:rPr lang="nb-NO" sz="1800" dirty="0"/>
+              <a:t> </a:t>
+            </a:r>
+            <a:r>
+              <a:rPr lang="nb-NO" sz="1800" dirty="0" err="1"/>
+              <a:t>model</a:t>
+            </a:r>
+            <a:r>
+              <a:rPr lang="nb-NO" sz="1800" dirty="0"/>
+              <a:t> (</a:t>
+            </a:r>
+            <a:r>
+              <a:rPr lang="nb-NO" sz="1800" dirty="0" err="1"/>
+              <a:t>with</a:t>
+            </a:r>
+            <a:r>
+              <a:rPr lang="nb-NO" sz="1800" dirty="0"/>
+              <a:t> </a:t>
+            </a:r>
+            <a:r>
+              <a:rPr lang="nb-NO" sz="1800" dirty="0" err="1"/>
+              <a:t>some</a:t>
+            </a:r>
+            <a:r>
+              <a:rPr lang="nb-NO" sz="1800" dirty="0"/>
+              <a:t> </a:t>
+            </a:r>
+            <a:r>
+              <a:rPr lang="nb-NO" sz="1800" dirty="0" err="1"/>
+              <a:t>example</a:t>
+            </a:r>
+            <a:r>
+              <a:rPr lang="nb-NO" sz="1800" dirty="0"/>
+              <a:t> </a:t>
+            </a:r>
+            <a:r>
+              <a:rPr lang="nb-NO" sz="1800" dirty="0" err="1"/>
+              <a:t>model</a:t>
+            </a:r>
+            <a:r>
+              <a:rPr lang="nb-NO" sz="1800" dirty="0"/>
+              <a:t> data)</a:t>
+            </a:r>
+          </a:p>
+          <a:p>
+            <a:pPr marL="514350" indent="-514350">
+              <a:buFont typeface="+mj-lt"/>
+              <a:buAutoNum type="arabicPeriod"/>
+            </a:pPr>
+            <a:r>
+              <a:rPr lang="nb-NO" sz="1800" dirty="0"/>
+              <a:t>3DOF </a:t>
+            </a:r>
+            <a:r>
+              <a:rPr lang="nb-NO" sz="1800" dirty="0" err="1"/>
+              <a:t>maneuvering</a:t>
+            </a:r>
+            <a:r>
+              <a:rPr lang="nb-NO" sz="1800" dirty="0"/>
+              <a:t> </a:t>
+            </a:r>
+            <a:r>
+              <a:rPr lang="nb-NO" sz="1800" dirty="0" err="1"/>
+              <a:t>model</a:t>
+            </a:r>
+            <a:r>
+              <a:rPr lang="nb-NO" sz="1800" dirty="0"/>
+              <a:t> </a:t>
+            </a:r>
+            <a:r>
+              <a:rPr lang="nb-NO" sz="1800" dirty="0" err="1"/>
+              <a:t>of</a:t>
+            </a:r>
+            <a:r>
+              <a:rPr lang="nb-NO" sz="1800" dirty="0"/>
+              <a:t> RVG </a:t>
+            </a:r>
+            <a:r>
+              <a:rPr lang="nb-NO" sz="1800" dirty="0" err="1"/>
+              <a:t>with</a:t>
+            </a:r>
+            <a:r>
+              <a:rPr lang="nb-NO" sz="1800" dirty="0"/>
+              <a:t> </a:t>
+            </a:r>
+            <a:r>
+              <a:rPr lang="nb-NO" sz="1800" dirty="0" err="1"/>
+              <a:t>two</a:t>
+            </a:r>
+            <a:r>
+              <a:rPr lang="nb-NO" sz="1800" dirty="0"/>
+              <a:t> </a:t>
+            </a:r>
+            <a:r>
+              <a:rPr lang="nb-NO" sz="1800" dirty="0" err="1"/>
+              <a:t>azimuth</a:t>
+            </a:r>
+            <a:r>
+              <a:rPr lang="nb-NO" sz="1800" dirty="0"/>
+              <a:t> </a:t>
+            </a:r>
+            <a:r>
+              <a:rPr lang="nb-NO" sz="1800" dirty="0" err="1"/>
+              <a:t>thrusters</a:t>
+            </a:r>
+            <a:r>
+              <a:rPr lang="nb-NO" sz="1800" dirty="0"/>
+              <a:t> (</a:t>
+            </a:r>
+            <a:r>
+              <a:rPr lang="nb-NO" sz="1800" dirty="0" err="1"/>
+              <a:t>with</a:t>
+            </a:r>
+            <a:r>
+              <a:rPr lang="nb-NO" sz="1800" dirty="0"/>
+              <a:t> RVG </a:t>
+            </a:r>
+            <a:r>
+              <a:rPr lang="nb-NO" sz="1800" dirty="0" err="1"/>
+              <a:t>specific</a:t>
+            </a:r>
+            <a:r>
+              <a:rPr lang="nb-NO" sz="1800" dirty="0"/>
+              <a:t> data)</a:t>
+            </a:r>
+          </a:p>
+          <a:p>
+            <a:endParaRPr lang="nb-NO" sz="1800" dirty="0"/>
+          </a:p>
+          <a:p>
+            <a:pPr marL="0" indent="0">
+              <a:buNone/>
+            </a:pPr>
+            <a:r>
+              <a:rPr lang="nb-NO" sz="1800" dirty="0"/>
+              <a:t>Model 3 </a:t>
+            </a:r>
+            <a:r>
+              <a:rPr lang="nb-NO" sz="1800" dirty="0" err="1"/>
+              <a:t>then</a:t>
+            </a:r>
+            <a:r>
+              <a:rPr lang="nb-NO" sz="1800" dirty="0"/>
+              <a:t> </a:t>
+            </a:r>
+            <a:r>
+              <a:rPr lang="nb-NO" sz="1800" dirty="0" err="1"/>
+              <a:t>uses</a:t>
+            </a:r>
+            <a:r>
+              <a:rPr lang="nb-NO" sz="1800" dirty="0"/>
+              <a:t> </a:t>
+            </a:r>
+            <a:r>
+              <a:rPr lang="nb-NO" sz="1800" dirty="0" err="1"/>
+              <a:t>content</a:t>
+            </a:r>
+            <a:r>
+              <a:rPr lang="nb-NO" sz="1800" dirty="0"/>
+              <a:t> from </a:t>
+            </a:r>
+            <a:r>
+              <a:rPr lang="nb-NO" sz="1800" dirty="0" err="1"/>
+              <a:t>number</a:t>
+            </a:r>
+            <a:r>
+              <a:rPr lang="nb-NO" sz="1800" dirty="0"/>
+              <a:t> 1 and 2. </a:t>
+            </a:r>
+            <a:r>
+              <a:rPr lang="nb-NO" sz="1800" dirty="0" err="1"/>
+              <a:t>Of</a:t>
+            </a:r>
+            <a:r>
+              <a:rPr lang="nb-NO" sz="1800" dirty="0"/>
+              <a:t> </a:t>
+            </a:r>
+            <a:r>
+              <a:rPr lang="nb-NO" sz="1800" dirty="0" err="1"/>
+              <a:t>course</a:t>
+            </a:r>
+            <a:r>
+              <a:rPr lang="nb-NO" sz="1800" dirty="0"/>
+              <a:t> a </a:t>
+            </a:r>
+            <a:r>
+              <a:rPr lang="nb-NO" sz="1800" dirty="0" err="1"/>
+              <a:t>user</a:t>
+            </a:r>
+            <a:r>
+              <a:rPr lang="nb-NO" sz="1800" dirty="0"/>
+              <a:t> </a:t>
+            </a:r>
+            <a:r>
+              <a:rPr lang="nb-NO" sz="1800" dirty="0" err="1"/>
+              <a:t>can</a:t>
+            </a:r>
+            <a:r>
+              <a:rPr lang="nb-NO" sz="1800" dirty="0"/>
+              <a:t> </a:t>
+            </a:r>
+            <a:r>
+              <a:rPr lang="nb-NO" sz="1800" dirty="0" err="1"/>
+              <a:t>also</a:t>
+            </a:r>
+            <a:r>
+              <a:rPr lang="nb-NO" sz="1800" dirty="0"/>
+              <a:t> </a:t>
+            </a:r>
+            <a:r>
+              <a:rPr lang="nb-NO" sz="1800" dirty="0" err="1"/>
+              <a:t>combine</a:t>
+            </a:r>
+            <a:r>
+              <a:rPr lang="nb-NO" sz="1800" dirty="0"/>
+              <a:t> «</a:t>
+            </a:r>
+            <a:r>
+              <a:rPr lang="nb-NO" sz="1800" dirty="0" err="1"/>
+              <a:t>submodels</a:t>
+            </a:r>
+            <a:r>
+              <a:rPr lang="nb-NO" sz="1800" dirty="0"/>
+              <a:t>» as </a:t>
+            </a:r>
+            <a:r>
+              <a:rPr lang="nb-NO" sz="1800" dirty="0" err="1"/>
+              <a:t>needed</a:t>
+            </a:r>
+            <a:r>
+              <a:rPr lang="nb-NO" sz="1800" dirty="0"/>
+              <a:t>. </a:t>
+            </a:r>
+          </a:p>
+          <a:p>
+            <a:pPr marL="0" indent="0">
+              <a:buNone/>
+            </a:pPr>
+            <a:endParaRPr lang="nb-NO" sz="1800" dirty="0"/>
+          </a:p>
+          <a:p>
+            <a:pPr marL="0" indent="0">
+              <a:buNone/>
+            </a:pPr>
+            <a:r>
+              <a:rPr lang="nb-NO" sz="1800" dirty="0"/>
+              <a:t>Problem: not all 3DOF </a:t>
+            </a:r>
+            <a:r>
+              <a:rPr lang="nb-NO" sz="1800" dirty="0" err="1"/>
+              <a:t>maneuvering</a:t>
+            </a:r>
+            <a:r>
+              <a:rPr lang="nb-NO" sz="1800" dirty="0"/>
+              <a:t> </a:t>
+            </a:r>
+            <a:r>
+              <a:rPr lang="nb-NO" sz="1800" dirty="0" err="1"/>
+              <a:t>models</a:t>
+            </a:r>
+            <a:r>
+              <a:rPr lang="nb-NO" sz="1800" dirty="0"/>
+              <a:t> </a:t>
+            </a:r>
+            <a:r>
+              <a:rPr lang="nb-NO" sz="1800" dirty="0" err="1"/>
+              <a:t>are</a:t>
+            </a:r>
+            <a:r>
+              <a:rPr lang="nb-NO" sz="1800" dirty="0"/>
+              <a:t> </a:t>
+            </a:r>
+            <a:r>
+              <a:rPr lang="nb-NO" sz="1800" dirty="0" err="1"/>
+              <a:t>the</a:t>
+            </a:r>
+            <a:r>
+              <a:rPr lang="nb-NO" sz="1800" dirty="0"/>
+              <a:t> same. </a:t>
+            </a:r>
+            <a:r>
+              <a:rPr lang="nb-NO" sz="1800" dirty="0" err="1"/>
+              <a:t>Some</a:t>
+            </a:r>
+            <a:r>
+              <a:rPr lang="nb-NO" sz="1800" dirty="0"/>
+              <a:t> </a:t>
+            </a:r>
+            <a:r>
+              <a:rPr lang="nb-NO" sz="1800" dirty="0" err="1"/>
+              <a:t>may</a:t>
+            </a:r>
+            <a:r>
+              <a:rPr lang="nb-NO" sz="1800" dirty="0"/>
+              <a:t> </a:t>
+            </a:r>
+            <a:r>
+              <a:rPr lang="nb-NO" sz="1800" dirty="0" err="1"/>
+              <a:t>use</a:t>
+            </a:r>
+            <a:r>
+              <a:rPr lang="nb-NO" sz="1800" dirty="0"/>
+              <a:t> a </a:t>
+            </a:r>
+            <a:r>
+              <a:rPr lang="nb-NO" sz="1800" dirty="0" err="1"/>
+              <a:t>Norbin</a:t>
+            </a:r>
+            <a:r>
+              <a:rPr lang="nb-NO" sz="1800" dirty="0"/>
+              <a:t> </a:t>
+            </a:r>
+            <a:r>
+              <a:rPr lang="nb-NO" sz="1800" dirty="0" err="1"/>
+              <a:t>hydrodynamic</a:t>
+            </a:r>
+            <a:r>
+              <a:rPr lang="nb-NO" sz="1800" dirty="0"/>
+              <a:t> derivatives, </a:t>
+            </a:r>
+            <a:r>
+              <a:rPr lang="nb-NO" sz="1800" dirty="0" err="1"/>
+              <a:t>while</a:t>
+            </a:r>
+            <a:r>
+              <a:rPr lang="nb-NO" sz="1800" dirty="0"/>
+              <a:t> </a:t>
+            </a:r>
+            <a:r>
+              <a:rPr lang="nb-NO" sz="1800" dirty="0" err="1"/>
+              <a:t>others</a:t>
+            </a:r>
+            <a:r>
+              <a:rPr lang="nb-NO" sz="1800" dirty="0"/>
+              <a:t> </a:t>
+            </a:r>
+            <a:r>
+              <a:rPr lang="nb-NO" sz="1800" dirty="0" err="1"/>
+              <a:t>may</a:t>
+            </a:r>
+            <a:r>
+              <a:rPr lang="nb-NO" sz="1800" dirty="0"/>
+              <a:t> </a:t>
+            </a:r>
+            <a:r>
+              <a:rPr lang="nb-NO" sz="1800" dirty="0" err="1"/>
+              <a:t>prefer</a:t>
+            </a:r>
+            <a:r>
+              <a:rPr lang="nb-NO" sz="1800" dirty="0"/>
+              <a:t> a drag/lift </a:t>
+            </a:r>
+            <a:r>
+              <a:rPr lang="nb-NO" sz="1800" dirty="0" err="1"/>
+              <a:t>formulation</a:t>
+            </a:r>
+            <a:r>
+              <a:rPr lang="nb-NO" sz="1800" dirty="0"/>
+              <a:t>. Solution: </a:t>
+            </a:r>
+          </a:p>
+          <a:p>
+            <a:endParaRPr lang="nb-NO" sz="1800" dirty="0"/>
+          </a:p>
+          <a:p>
+            <a:pPr marL="0" indent="0">
+              <a:buNone/>
+            </a:pPr>
+            <a:endParaRPr lang="nb-NO" dirty="0"/>
+          </a:p>
+          <a:p>
+            <a:pPr lvl="2"/>
+            <a:endParaRPr lang="nb-NO" dirty="0"/>
+          </a:p>
+          <a:p>
+            <a:pPr lvl="1"/>
+            <a:endParaRPr lang="nb-NO" dirty="0"/>
+          </a:p>
+        </p:txBody>
+      </p:sp>
     </p:spTree>
     <p:extLst>
       <p:ext uri="{BB962C8B-B14F-4D97-AF65-F5344CB8AC3E}">
-        <p14:creationId xmlns:p14="http://schemas.microsoft.com/office/powerpoint/2010/main" val="2867199418"/>
+        <p14:creationId xmlns:p14="http://schemas.microsoft.com/office/powerpoint/2010/main" val="2409226132"/>
       </p:ext>
     </p:extLst>
   </p:cSld>
@@ -4829,8 +6675,13 @@
           <a:p>
             <a:r>
               <a:rPr lang="nb-NO" dirty="0"/>
-              <a:t>Model parameters</a:t>
-            </a:r>
+              <a:t>Model </a:t>
+            </a:r>
+            <a:r>
+              <a:rPr lang="nb-NO" dirty="0" err="1"/>
+              <a:t>functions</a:t>
+            </a:r>
+            <a:endParaRPr lang="nb-NO" dirty="0"/>
           </a:p>
         </p:txBody>
       </p:sp>
@@ -4869,146 +6720,133 @@
           </a:p>
           <a:p>
             <a:r>
-              <a:rPr lang="nb-NO" dirty="0"/>
-              <a:t>Model parameters </a:t>
-            </a:r>
-            <a:r>
-              <a:rPr lang="nb-NO" dirty="0" err="1"/>
-              <a:t>are</a:t>
-            </a:r>
-            <a:r>
-              <a:rPr lang="nb-NO" dirty="0"/>
-              <a:t> given by </a:t>
-            </a:r>
-            <a:r>
-              <a:rPr lang="nb-NO" dirty="0" err="1"/>
-              <a:t>dictionary</a:t>
-            </a:r>
-            <a:r>
-              <a:rPr lang="nb-NO" dirty="0"/>
-              <a:t> </a:t>
-            </a:r>
-            <a:r>
-              <a:rPr lang="nb-NO" dirty="0" err="1"/>
-              <a:t>objects</a:t>
+              <a:rPr lang="nb-NO" dirty="0" err="1"/>
+              <a:t>Performs</a:t>
+            </a:r>
+            <a:r>
+              <a:rPr lang="nb-NO" dirty="0"/>
+              <a:t> single time </a:t>
+            </a:r>
+            <a:r>
+              <a:rPr lang="nb-NO" dirty="0" err="1"/>
+              <a:t>step</a:t>
+            </a:r>
+            <a:r>
+              <a:rPr lang="nb-NO" dirty="0"/>
+              <a:t> </a:t>
+            </a:r>
+            <a:r>
+              <a:rPr lang="nb-NO" dirty="0" err="1"/>
+              <a:t>integration</a:t>
+            </a:r>
+            <a:r>
+              <a:rPr lang="nb-NO" dirty="0"/>
+              <a:t> </a:t>
+            </a:r>
+            <a:r>
+              <a:rPr lang="nb-NO" dirty="0" err="1"/>
+              <a:t>of</a:t>
+            </a:r>
+            <a:r>
+              <a:rPr lang="nb-NO" dirty="0"/>
+              <a:t> </a:t>
+            </a:r>
+            <a:r>
+              <a:rPr lang="nb-NO" dirty="0" err="1"/>
+              <a:t>dynamic</a:t>
+            </a:r>
+            <a:r>
+              <a:rPr lang="nb-NO" dirty="0"/>
+              <a:t> </a:t>
+            </a:r>
+            <a:r>
+              <a:rPr lang="nb-NO" dirty="0" err="1"/>
+              <a:t>models</a:t>
             </a:r>
             <a:endParaRPr lang="nb-NO" dirty="0"/>
           </a:p>
           <a:p>
+            <a:r>
+              <a:rPr lang="nb-NO" dirty="0"/>
+              <a:t>Arguments: </a:t>
+            </a:r>
+          </a:p>
+          <a:p>
             <a:pPr lvl="1"/>
             <a:r>
               <a:rPr lang="nb-NO" dirty="0" err="1"/>
-              <a:t>parV</a:t>
-            </a:r>
-            <a:r>
-              <a:rPr lang="nb-NO" dirty="0"/>
-              <a:t>: </a:t>
-            </a:r>
-            <a:r>
-              <a:rPr lang="nb-NO" dirty="0" err="1"/>
-              <a:t>vessel</a:t>
-            </a:r>
-            <a:r>
-              <a:rPr lang="nb-NO" dirty="0"/>
-              <a:t> parameters</a:t>
-            </a:r>
+              <a:t>state</a:t>
+            </a:r>
+            <a:r>
+              <a:rPr lang="nb-NO" dirty="0"/>
+              <a:t>, </a:t>
+            </a:r>
+            <a:r>
+              <a:rPr lang="nb-NO" dirty="0" err="1"/>
+              <a:t>control</a:t>
+            </a:r>
+            <a:r>
+              <a:rPr lang="nb-NO" dirty="0"/>
+              <a:t> input and </a:t>
+            </a:r>
+            <a:r>
+              <a:rPr lang="nb-NO" dirty="0" err="1"/>
+              <a:t>disturbance</a:t>
+            </a:r>
+            <a:r>
+              <a:rPr lang="nb-NO" dirty="0"/>
+              <a:t> input at </a:t>
+            </a:r>
+            <a:r>
+              <a:rPr lang="nb-NO" dirty="0" err="1"/>
+              <a:t>current</a:t>
+            </a:r>
+            <a:r>
+              <a:rPr lang="nb-NO" dirty="0"/>
+              <a:t> time </a:t>
+            </a:r>
+            <a:r>
+              <a:rPr lang="nb-NO" dirty="0" err="1"/>
+              <a:t>step</a:t>
+            </a:r>
+            <a:endParaRPr lang="nb-NO" dirty="0"/>
           </a:p>
           <a:p>
             <a:pPr lvl="1"/>
             <a:r>
-              <a:rPr lang="nb-NO" dirty="0" err="1"/>
-              <a:t>parA</a:t>
-            </a:r>
-            <a:r>
-              <a:rPr lang="nb-NO" dirty="0"/>
-              <a:t>: </a:t>
-            </a:r>
-            <a:r>
-              <a:rPr lang="nb-NO" dirty="0" err="1"/>
-              <a:t>actuator</a:t>
-            </a:r>
-            <a:r>
-              <a:rPr lang="nb-NO" dirty="0"/>
-              <a:t> parameters</a:t>
-            </a:r>
-          </a:p>
-          <a:p>
-            <a:r>
-              <a:rPr lang="nb-NO" dirty="0" err="1"/>
-              <a:t>Stored</a:t>
-            </a:r>
-            <a:r>
-              <a:rPr lang="nb-NO" dirty="0"/>
-              <a:t> to file </a:t>
-            </a:r>
-            <a:r>
-              <a:rPr lang="nb-NO" dirty="0" err="1"/>
-              <a:t>using</a:t>
-            </a:r>
-            <a:r>
-              <a:rPr lang="nb-NO" dirty="0"/>
-              <a:t> </a:t>
-            </a:r>
-            <a:r>
-              <a:rPr lang="nb-NO" dirty="0" err="1"/>
-              <a:t>pickle</a:t>
+              <a:rPr lang="nb-NO" dirty="0"/>
+              <a:t>Model parameters</a:t>
+            </a:r>
+          </a:p>
+          <a:p>
+            <a:r>
+              <a:rPr lang="nb-NO" dirty="0"/>
+              <a:t>Output:</a:t>
+            </a:r>
+          </a:p>
+          <a:p>
+            <a:pPr lvl="1"/>
+            <a:r>
+              <a:rPr lang="nb-NO" dirty="0" err="1"/>
+              <a:t>state</a:t>
+            </a:r>
+            <a:r>
+              <a:rPr lang="nb-NO" dirty="0"/>
+              <a:t> at </a:t>
+            </a:r>
+            <a:r>
+              <a:rPr lang="nb-NO" dirty="0" err="1"/>
+              <a:t>next</a:t>
+            </a:r>
+            <a:r>
+              <a:rPr lang="nb-NO" dirty="0"/>
+              <a:t> time </a:t>
+            </a:r>
+            <a:r>
+              <a:rPr lang="nb-NO" dirty="0" err="1"/>
+              <a:t>step</a:t>
             </a:r>
             <a:endParaRPr lang="nb-NO" dirty="0"/>
-          </a:p>
-          <a:p>
-            <a:pPr lvl="1"/>
-            <a:r>
-              <a:rPr lang="nb-NO" dirty="0"/>
-              <a:t>parV_RVG3DOF.pkl </a:t>
-            </a:r>
-            <a:r>
-              <a:rPr lang="nb-NO" dirty="0" err="1"/>
-              <a:t>contains</a:t>
-            </a:r>
-            <a:r>
-              <a:rPr lang="nb-NO" dirty="0"/>
-              <a:t> </a:t>
-            </a:r>
-            <a:r>
-              <a:rPr lang="nb-NO" dirty="0" err="1"/>
-              <a:t>vessel</a:t>
-            </a:r>
-            <a:r>
-              <a:rPr lang="nb-NO" dirty="0"/>
-              <a:t> data for RVG 3DOF </a:t>
-            </a:r>
-            <a:r>
-              <a:rPr lang="nb-NO" dirty="0" err="1"/>
-              <a:t>model</a:t>
-            </a:r>
-            <a:endParaRPr lang="nb-NO" dirty="0"/>
-          </a:p>
-          <a:p>
-            <a:pPr lvl="1"/>
-            <a:r>
-              <a:rPr lang="nb-NO" dirty="0" err="1"/>
-              <a:t>parA_RVG.pkl</a:t>
-            </a:r>
-            <a:r>
-              <a:rPr lang="nb-NO" dirty="0"/>
-              <a:t> </a:t>
-            </a:r>
-            <a:r>
-              <a:rPr lang="nb-NO" dirty="0" err="1"/>
-              <a:t>contains</a:t>
-            </a:r>
-            <a:r>
-              <a:rPr lang="nb-NO" dirty="0"/>
-              <a:t> </a:t>
-            </a:r>
-            <a:r>
-              <a:rPr lang="nb-NO" dirty="0" err="1"/>
-              <a:t>actuator</a:t>
-            </a:r>
-            <a:r>
-              <a:rPr lang="nb-NO" dirty="0"/>
-              <a:t> data for RVG</a:t>
-            </a:r>
           </a:p>
           <a:p>
             <a:pPr lvl="1"/>
@@ -5016,12 +6854,128 @@
           </a:p>
         </p:txBody>
       </p:sp>
+      <p:pic>
+        <p:nvPicPr>
+          <p:cNvPr id="4" name="Picture 3">
+            <a:extLst>
+              <a:ext uri="{FF2B5EF4-FFF2-40B4-BE49-F238E27FC236}">
+                <a16:creationId xmlns:a16="http://schemas.microsoft.com/office/drawing/2014/main" id="{9599A45B-5D8C-4FEA-973E-BB40520D1C9E}"/>
+              </a:ext>
+            </a:extLst>
+          </p:cNvPr>
+          <p:cNvPicPr>
+            <a:picLocks noChangeAspect="1"/>
+          </p:cNvPicPr>
+          <p:nvPr/>
+        </p:nvPicPr>
+        <p:blipFill>
+          <a:blip r:embed="rId2"/>
+          <a:stretch>
+            <a:fillRect/>
+          </a:stretch>
+        </p:blipFill>
+        <p:spPr>
+          <a:xfrm>
+            <a:off x="5712903" y="1690688"/>
+            <a:ext cx="6169741" cy="3141473"/>
+          </a:xfrm>
+          <a:prstGeom prst="rect">
+            <a:avLst/>
+          </a:prstGeom>
+        </p:spPr>
+      </p:pic>
+      <p:cxnSp>
+        <p:nvCxnSpPr>
+          <p:cNvPr id="6" name="Straight Connector 5">
+            <a:extLst>
+              <a:ext uri="{FF2B5EF4-FFF2-40B4-BE49-F238E27FC236}">
+                <a16:creationId xmlns:a16="http://schemas.microsoft.com/office/drawing/2014/main" id="{757066E4-7BEC-4E00-A5A6-7C2158FF8EED}"/>
+              </a:ext>
+            </a:extLst>
+          </p:cNvPr>
+          <p:cNvCxnSpPr>
+            <a:cxnSpLocks/>
+          </p:cNvCxnSpPr>
+          <p:nvPr/>
+        </p:nvCxnSpPr>
+        <p:spPr>
+          <a:xfrm flipV="1">
+            <a:off x="7123611" y="3220027"/>
+            <a:ext cx="1674162" cy="1"/>
+          </a:xfrm>
+          <a:prstGeom prst="line">
+            <a:avLst/>
+          </a:prstGeom>
+          <a:ln w="28575">
+            <a:solidFill>
+              <a:srgbClr val="FF0000"/>
+            </a:solidFill>
+          </a:ln>
+        </p:spPr>
+        <p:style>
+          <a:lnRef idx="1">
+            <a:schemeClr val="accent2"/>
+          </a:lnRef>
+          <a:fillRef idx="0">
+            <a:schemeClr val="accent2"/>
+          </a:fillRef>
+          <a:effectRef idx="0">
+            <a:schemeClr val="accent2"/>
+          </a:effectRef>
+          <a:fontRef idx="minor">
+            <a:schemeClr val="tx1"/>
+          </a:fontRef>
+        </p:style>
+      </p:cxnSp>
+      <p:cxnSp>
+        <p:nvCxnSpPr>
+          <p:cNvPr id="9" name="Straight Connector 8">
+            <a:extLst>
+              <a:ext uri="{FF2B5EF4-FFF2-40B4-BE49-F238E27FC236}">
+                <a16:creationId xmlns:a16="http://schemas.microsoft.com/office/drawing/2014/main" id="{C0796E0E-F56A-4ABB-A8D0-40895E0C5E32}"/>
+              </a:ext>
+            </a:extLst>
+          </p:cNvPr>
+          <p:cNvCxnSpPr>
+            <a:cxnSpLocks/>
+          </p:cNvCxnSpPr>
+          <p:nvPr/>
+        </p:nvCxnSpPr>
+        <p:spPr>
+          <a:xfrm flipV="1">
+            <a:off x="6405153" y="3429001"/>
+            <a:ext cx="274321" cy="1"/>
+          </a:xfrm>
+          <a:prstGeom prst="line">
+            <a:avLst/>
+          </a:prstGeom>
+          <a:ln w="28575">
+            <a:solidFill>
+              <a:srgbClr val="FF0000"/>
+            </a:solidFill>
+          </a:ln>
+        </p:spPr>
+        <p:style>
+          <a:lnRef idx="1">
+            <a:schemeClr val="accent2"/>
+          </a:lnRef>
+          <a:fillRef idx="0">
+            <a:schemeClr val="accent2"/>
+          </a:fillRef>
+          <a:effectRef idx="0">
+            <a:schemeClr val="accent2"/>
+          </a:effectRef>
+          <a:fontRef idx="minor">
+            <a:schemeClr val="tx1"/>
+          </a:fontRef>
+        </p:style>
+      </p:cxnSp>
       <p:sp>
         <p:nvSpPr>
-          <p:cNvPr id="7" name="Content Placeholder 2">
+          <p:cNvPr id="13" name="Content Placeholder 2">
             <a:extLst>
               <a:ext uri="{FF2B5EF4-FFF2-40B4-BE49-F238E27FC236}">
-                <a16:creationId xmlns:a16="http://schemas.microsoft.com/office/drawing/2014/main" id="{2FEA6AE0-F40B-4478-8B75-2FFDF5710A4D}"/>
+                <a16:creationId xmlns:a16="http://schemas.microsoft.com/office/drawing/2014/main" id="{6862F2AA-BAAD-48D8-8878-985991FFAD60}"/>
               </a:ext>
             </a:extLst>
           </p:cNvPr>
@@ -5032,8 +6986,8 @@
         </p:nvSpPr>
         <p:spPr>
           <a:xfrm>
-            <a:off x="6096000" y="1690688"/>
-            <a:ext cx="4958594" cy="4351338"/>
+            <a:off x="6096000" y="2919841"/>
+            <a:ext cx="4958594" cy="2679770"/>
           </a:xfrm>
           <a:prstGeom prst="rect">
             <a:avLst/>
@@ -5214,18 +7168,504 @@
             </a:pPr>
             <a:endParaRPr lang="nb-NO" dirty="0"/>
           </a:p>
-          <a:p>
-            <a:r>
-              <a:rPr lang="nb-NO" dirty="0"/>
-              <a:t>«</a:t>
-            </a:r>
-            <a:r>
-              <a:rPr lang="nb-NO" dirty="0" err="1"/>
-              <a:t>Verified</a:t>
-            </a:r>
-            <a:r>
-              <a:rPr lang="nb-NO" dirty="0"/>
-              <a:t>» </a:t>
+        </p:txBody>
+      </p:sp>
+      <p:sp>
+        <p:nvSpPr>
+          <p:cNvPr id="15" name="Content Placeholder 2">
+            <a:extLst>
+              <a:ext uri="{FF2B5EF4-FFF2-40B4-BE49-F238E27FC236}">
+                <a16:creationId xmlns:a16="http://schemas.microsoft.com/office/drawing/2014/main" id="{6863D4C9-1D03-46F3-A29C-E00E21C31DE4}"/>
+              </a:ext>
+            </a:extLst>
+          </p:cNvPr>
+          <p:cNvSpPr txBox="1">
+            <a:spLocks/>
+          </p:cNvSpPr>
+          <p:nvPr/>
+        </p:nvSpPr>
+        <p:spPr>
+          <a:xfrm>
+            <a:off x="5712902" y="4782562"/>
+            <a:ext cx="5516571" cy="1394401"/>
+          </a:xfrm>
+          <a:prstGeom prst="rect">
+            <a:avLst/>
+          </a:prstGeom>
+        </p:spPr>
+        <p:txBody>
+          <a:bodyPr vert="horz" lIns="91440" tIns="45720" rIns="91440" bIns="45720" rtlCol="0">
+            <a:normAutofit fontScale="92500"/>
+          </a:bodyPr>
+          <a:lstStyle>
+            <a:lvl1pPr marL="228600" indent="-228600" algn="l" defTabSz="914400" rtl="0" eaLnBrk="1" latinLnBrk="0" hangingPunct="1">
+              <a:lnSpc>
+                <a:spcPct val="90000"/>
+              </a:lnSpc>
+              <a:spcBef>
+                <a:spcPts val="1000"/>
+              </a:spcBef>
+              <a:buFont typeface="Arial" panose="020B0604020202020204" pitchFamily="34" charset="0"/>
+              <a:buChar char="•"/>
+              <a:defRPr sz="2800" kern="1200">
+                <a:solidFill>
+                  <a:schemeClr val="tx1"/>
+                </a:solidFill>
+                <a:latin typeface="+mn-lt"/>
+                <a:ea typeface="+mn-ea"/>
+                <a:cs typeface="+mn-cs"/>
+              </a:defRPr>
+            </a:lvl1pPr>
+            <a:lvl2pPr marL="685800" indent="-228600" algn="l" defTabSz="914400" rtl="0" eaLnBrk="1" latinLnBrk="0" hangingPunct="1">
+              <a:lnSpc>
+                <a:spcPct val="90000"/>
+              </a:lnSpc>
+              <a:spcBef>
+                <a:spcPts val="500"/>
+              </a:spcBef>
+              <a:buFont typeface="Arial" panose="020B0604020202020204" pitchFamily="34" charset="0"/>
+              <a:buChar char="•"/>
+              <a:defRPr sz="2400" kern="1200">
+                <a:solidFill>
+                  <a:schemeClr val="tx1"/>
+                </a:solidFill>
+                <a:latin typeface="+mn-lt"/>
+                <a:ea typeface="+mn-ea"/>
+                <a:cs typeface="+mn-cs"/>
+              </a:defRPr>
+            </a:lvl2pPr>
+            <a:lvl3pPr marL="1143000" indent="-228600" algn="l" defTabSz="914400" rtl="0" eaLnBrk="1" latinLnBrk="0" hangingPunct="1">
+              <a:lnSpc>
+                <a:spcPct val="90000"/>
+              </a:lnSpc>
+              <a:spcBef>
+                <a:spcPts val="500"/>
+              </a:spcBef>
+              <a:buFont typeface="Arial" panose="020B0604020202020204" pitchFamily="34" charset="0"/>
+              <a:buChar char="•"/>
+              <a:defRPr sz="2000" kern="1200">
+                <a:solidFill>
+                  <a:schemeClr val="tx1"/>
+                </a:solidFill>
+                <a:latin typeface="+mn-lt"/>
+                <a:ea typeface="+mn-ea"/>
+                <a:cs typeface="+mn-cs"/>
+              </a:defRPr>
+            </a:lvl3pPr>
+            <a:lvl4pPr marL="1600200" indent="-228600" algn="l" defTabSz="914400" rtl="0" eaLnBrk="1" latinLnBrk="0" hangingPunct="1">
+              <a:lnSpc>
+                <a:spcPct val="90000"/>
+              </a:lnSpc>
+              <a:spcBef>
+                <a:spcPts val="500"/>
+              </a:spcBef>
+              <a:buFont typeface="Arial" panose="020B0604020202020204" pitchFamily="34" charset="0"/>
+              <a:buChar char="•"/>
+              <a:defRPr sz="1800" kern="1200">
+                <a:solidFill>
+                  <a:schemeClr val="tx1"/>
+                </a:solidFill>
+                <a:latin typeface="+mn-lt"/>
+                <a:ea typeface="+mn-ea"/>
+                <a:cs typeface="+mn-cs"/>
+              </a:defRPr>
+            </a:lvl4pPr>
+            <a:lvl5pPr marL="2057400" indent="-228600" algn="l" defTabSz="914400" rtl="0" eaLnBrk="1" latinLnBrk="0" hangingPunct="1">
+              <a:lnSpc>
+                <a:spcPct val="90000"/>
+              </a:lnSpc>
+              <a:spcBef>
+                <a:spcPts val="500"/>
+              </a:spcBef>
+              <a:buFont typeface="Arial" panose="020B0604020202020204" pitchFamily="34" charset="0"/>
+              <a:buChar char="•"/>
+              <a:defRPr sz="1800" kern="1200">
+                <a:solidFill>
+                  <a:schemeClr val="tx1"/>
+                </a:solidFill>
+                <a:latin typeface="+mn-lt"/>
+                <a:ea typeface="+mn-ea"/>
+                <a:cs typeface="+mn-cs"/>
+              </a:defRPr>
+            </a:lvl5pPr>
+            <a:lvl6pPr marL="2514600" indent="-228600" algn="l" defTabSz="914400" rtl="0" eaLnBrk="1" latinLnBrk="0" hangingPunct="1">
+              <a:lnSpc>
+                <a:spcPct val="90000"/>
+              </a:lnSpc>
+              <a:spcBef>
+                <a:spcPts val="500"/>
+              </a:spcBef>
+              <a:buFont typeface="Arial" panose="020B0604020202020204" pitchFamily="34" charset="0"/>
+              <a:buChar char="•"/>
+              <a:defRPr sz="1800" kern="1200">
+                <a:solidFill>
+                  <a:schemeClr val="tx1"/>
+                </a:solidFill>
+                <a:latin typeface="+mn-lt"/>
+                <a:ea typeface="+mn-ea"/>
+                <a:cs typeface="+mn-cs"/>
+              </a:defRPr>
+            </a:lvl6pPr>
+            <a:lvl7pPr marL="2971800" indent="-228600" algn="l" defTabSz="914400" rtl="0" eaLnBrk="1" latinLnBrk="0" hangingPunct="1">
+              <a:lnSpc>
+                <a:spcPct val="90000"/>
+              </a:lnSpc>
+              <a:spcBef>
+                <a:spcPts val="500"/>
+              </a:spcBef>
+              <a:buFont typeface="Arial" panose="020B0604020202020204" pitchFamily="34" charset="0"/>
+              <a:buChar char="•"/>
+              <a:defRPr sz="1800" kern="1200">
+                <a:solidFill>
+                  <a:schemeClr val="tx1"/>
+                </a:solidFill>
+                <a:latin typeface="+mn-lt"/>
+                <a:ea typeface="+mn-ea"/>
+                <a:cs typeface="+mn-cs"/>
+              </a:defRPr>
+            </a:lvl7pPr>
+            <a:lvl8pPr marL="3429000" indent="-228600" algn="l" defTabSz="914400" rtl="0" eaLnBrk="1" latinLnBrk="0" hangingPunct="1">
+              <a:lnSpc>
+                <a:spcPct val="90000"/>
+              </a:lnSpc>
+              <a:spcBef>
+                <a:spcPts val="500"/>
+              </a:spcBef>
+              <a:buFont typeface="Arial" panose="020B0604020202020204" pitchFamily="34" charset="0"/>
+              <a:buChar char="•"/>
+              <a:defRPr sz="1800" kern="1200">
+                <a:solidFill>
+                  <a:schemeClr val="tx1"/>
+                </a:solidFill>
+                <a:latin typeface="+mn-lt"/>
+                <a:ea typeface="+mn-ea"/>
+                <a:cs typeface="+mn-cs"/>
+              </a:defRPr>
+            </a:lvl8pPr>
+            <a:lvl9pPr marL="3886200" indent="-228600" algn="l" defTabSz="914400" rtl="0" eaLnBrk="1" latinLnBrk="0" hangingPunct="1">
+              <a:lnSpc>
+                <a:spcPct val="90000"/>
+              </a:lnSpc>
+              <a:spcBef>
+                <a:spcPts val="500"/>
+              </a:spcBef>
+              <a:buFont typeface="Arial" panose="020B0604020202020204" pitchFamily="34" charset="0"/>
+              <a:buChar char="•"/>
+              <a:defRPr sz="1800" kern="1200">
+                <a:solidFill>
+                  <a:schemeClr val="tx1"/>
+                </a:solidFill>
+                <a:latin typeface="+mn-lt"/>
+                <a:ea typeface="+mn-ea"/>
+                <a:cs typeface="+mn-cs"/>
+              </a:defRPr>
+            </a:lvl9pPr>
+          </a:lstStyle>
+          <a:p>
+            <a:pPr marL="0" indent="0">
+              <a:buFont typeface="Arial" panose="020B0604020202020204" pitchFamily="34" charset="0"/>
+              <a:buNone/>
+            </a:pPr>
+            <a:endParaRPr lang="nb-NO" dirty="0"/>
+          </a:p>
+          <a:p>
+            <a:pPr marL="0" indent="0">
+              <a:buNone/>
+            </a:pPr>
+            <a:r>
+              <a:rPr lang="nb-NO" dirty="0">
+                <a:solidFill>
+                  <a:srgbClr val="FF0000"/>
+                </a:solidFill>
+              </a:rPr>
+              <a:t>Meeting notes: output time derivative </a:t>
+            </a:r>
+            <a:r>
+              <a:rPr lang="nb-NO" dirty="0" err="1">
+                <a:solidFill>
+                  <a:srgbClr val="FF0000"/>
+                </a:solidFill>
+              </a:rPr>
+              <a:t>instead</a:t>
+            </a:r>
+            <a:r>
+              <a:rPr lang="nb-NO" dirty="0">
+                <a:solidFill>
+                  <a:srgbClr val="FF0000"/>
+                </a:solidFill>
+              </a:rPr>
+              <a:t>, and do </a:t>
+            </a:r>
+            <a:r>
+              <a:rPr lang="nb-NO" dirty="0" err="1">
+                <a:solidFill>
+                  <a:srgbClr val="FF0000"/>
+                </a:solidFill>
+              </a:rPr>
+              <a:t>integration</a:t>
+            </a:r>
+            <a:r>
+              <a:rPr lang="nb-NO" dirty="0">
+                <a:solidFill>
+                  <a:srgbClr val="FF0000"/>
+                </a:solidFill>
+              </a:rPr>
+              <a:t> in script?</a:t>
+            </a:r>
+          </a:p>
+          <a:p>
+            <a:pPr marL="0" indent="0">
+              <a:buNone/>
+            </a:pPr>
+            <a:endParaRPr lang="nb-NO" dirty="0">
+              <a:solidFill>
+                <a:srgbClr val="FF0000"/>
+              </a:solidFill>
+            </a:endParaRPr>
+          </a:p>
+          <a:p>
+            <a:pPr lvl="1"/>
+            <a:endParaRPr lang="nb-NO" dirty="0"/>
+          </a:p>
+        </p:txBody>
+      </p:sp>
+    </p:spTree>
+    <p:extLst>
+      <p:ext uri="{BB962C8B-B14F-4D97-AF65-F5344CB8AC3E}">
+        <p14:creationId xmlns:p14="http://schemas.microsoft.com/office/powerpoint/2010/main" val="2867199418"/>
+      </p:ext>
+    </p:extLst>
+  </p:cSld>
+  <p:clrMapOvr>
+    <a:masterClrMapping/>
+  </p:clrMapOvr>
+</p:sld>
+</file>
+
+<file path=ppt/slides/slide8.xml><?xml version="1.0" encoding="utf-8"?>
+<p:sld xmlns:a="http://schemas.openxmlformats.org/drawingml/2006/main" xmlns:r="http://schemas.openxmlformats.org/officeDocument/2006/relationships" xmlns:p="http://schemas.openxmlformats.org/presentationml/2006/main">
+  <p:cSld>
+    <p:spTree>
+      <p:nvGrpSpPr>
+        <p:cNvPr id="1" name=""/>
+        <p:cNvGrpSpPr/>
+        <p:nvPr/>
+      </p:nvGrpSpPr>
+      <p:grpSpPr>
+        <a:xfrm>
+          <a:off x="0" y="0"/>
+          <a:ext cx="0" cy="0"/>
+          <a:chOff x="0" y="0"/>
+          <a:chExt cx="0" cy="0"/>
+        </a:xfrm>
+      </p:grpSpPr>
+      <p:sp>
+        <p:nvSpPr>
+          <p:cNvPr id="2" name="Title 1">
+            <a:extLst>
+              <a:ext uri="{FF2B5EF4-FFF2-40B4-BE49-F238E27FC236}">
+                <a16:creationId xmlns:a16="http://schemas.microsoft.com/office/drawing/2014/main" id="{B2905C82-6ECA-45D1-9B71-266E3BC90EC6}"/>
+              </a:ext>
+            </a:extLst>
+          </p:cNvPr>
+          <p:cNvSpPr>
+            <a:spLocks noGrp="1"/>
+          </p:cNvSpPr>
+          <p:nvPr>
+            <p:ph type="title"/>
+          </p:nvPr>
+        </p:nvSpPr>
+        <p:spPr/>
+        <p:txBody>
+          <a:bodyPr/>
+          <a:lstStyle/>
+          <a:p>
+            <a:r>
+              <a:rPr lang="nb-NO" dirty="0"/>
+              <a:t>Model data</a:t>
+            </a:r>
+          </a:p>
+        </p:txBody>
+      </p:sp>
+      <p:sp>
+        <p:nvSpPr>
+          <p:cNvPr id="3" name="Content Placeholder 2">
+            <a:extLst>
+              <a:ext uri="{FF2B5EF4-FFF2-40B4-BE49-F238E27FC236}">
+                <a16:creationId xmlns:a16="http://schemas.microsoft.com/office/drawing/2014/main" id="{73CD5212-6ADC-425E-8716-23CCBCB36A94}"/>
+              </a:ext>
+            </a:extLst>
+          </p:cNvPr>
+          <p:cNvSpPr>
+            <a:spLocks noGrp="1"/>
+          </p:cNvSpPr>
+          <p:nvPr>
+            <p:ph idx="1"/>
+          </p:nvPr>
+        </p:nvSpPr>
+        <p:spPr>
+          <a:xfrm>
+            <a:off x="754308" y="1825625"/>
+            <a:ext cx="5341691" cy="4351338"/>
+          </a:xfrm>
+        </p:spPr>
+        <p:txBody>
+          <a:bodyPr>
+            <a:normAutofit lnSpcReduction="10000"/>
+          </a:bodyPr>
+          <a:lstStyle/>
+          <a:p>
+            <a:pPr marL="0" indent="0">
+              <a:buNone/>
+            </a:pPr>
+            <a:endParaRPr lang="nb-NO" dirty="0"/>
+          </a:p>
+          <a:p>
+            <a:r>
+              <a:rPr lang="nb-NO" dirty="0"/>
+              <a:t>Model parameters </a:t>
+            </a:r>
+            <a:r>
+              <a:rPr lang="nb-NO" dirty="0" err="1"/>
+              <a:t>are</a:t>
+            </a:r>
+            <a:r>
+              <a:rPr lang="nb-NO" dirty="0"/>
+              <a:t> </a:t>
+            </a:r>
+            <a:r>
+              <a:rPr lang="nb-NO" dirty="0" err="1"/>
+              <a:t>passed</a:t>
+            </a:r>
+            <a:r>
+              <a:rPr lang="nb-NO" dirty="0"/>
+              <a:t> to </a:t>
+            </a:r>
+            <a:r>
+              <a:rPr lang="nb-NO" dirty="0" err="1"/>
+              <a:t>functions</a:t>
+            </a:r>
+            <a:r>
+              <a:rPr lang="nb-NO" dirty="0"/>
+              <a:t> </a:t>
+            </a:r>
+            <a:r>
+              <a:rPr lang="nb-NO" dirty="0" err="1"/>
+              <a:t>using</a:t>
+            </a:r>
+            <a:r>
+              <a:rPr lang="nb-NO" dirty="0"/>
+              <a:t> </a:t>
+            </a:r>
+            <a:r>
+              <a:rPr lang="nb-NO" dirty="0" err="1"/>
+              <a:t>dictionary</a:t>
+            </a:r>
+            <a:r>
+              <a:rPr lang="nb-NO" dirty="0"/>
+              <a:t> </a:t>
+            </a:r>
+            <a:r>
+              <a:rPr lang="nb-NO" dirty="0" err="1"/>
+              <a:t>objects</a:t>
+            </a:r>
+            <a:endParaRPr lang="nb-NO" dirty="0"/>
+          </a:p>
+          <a:p>
+            <a:pPr lvl="1"/>
+            <a:r>
+              <a:rPr lang="nb-NO" dirty="0" err="1"/>
+              <a:t>parV</a:t>
+            </a:r>
+            <a:r>
+              <a:rPr lang="nb-NO" dirty="0"/>
+              <a:t>: </a:t>
+            </a:r>
+            <a:r>
+              <a:rPr lang="nb-NO" dirty="0" err="1"/>
+              <a:t>vessel</a:t>
+            </a:r>
+            <a:r>
+              <a:rPr lang="nb-NO" dirty="0"/>
+              <a:t> parameters</a:t>
+            </a:r>
+          </a:p>
+          <a:p>
+            <a:pPr lvl="1"/>
+            <a:r>
+              <a:rPr lang="nb-NO" dirty="0" err="1"/>
+              <a:t>parA</a:t>
+            </a:r>
+            <a:r>
+              <a:rPr lang="nb-NO" dirty="0"/>
+              <a:t>: </a:t>
+            </a:r>
+            <a:r>
+              <a:rPr lang="nb-NO" dirty="0" err="1"/>
+              <a:t>actuator</a:t>
+            </a:r>
+            <a:r>
+              <a:rPr lang="nb-NO" dirty="0"/>
+              <a:t> parameters</a:t>
+            </a:r>
+          </a:p>
+          <a:p>
+            <a:r>
+              <a:rPr lang="nb-NO" dirty="0" err="1"/>
+              <a:t>Stored</a:t>
+            </a:r>
+            <a:r>
+              <a:rPr lang="nb-NO" dirty="0"/>
+              <a:t> to file </a:t>
+            </a:r>
+            <a:r>
+              <a:rPr lang="nb-NO" dirty="0" err="1"/>
+              <a:t>using</a:t>
+            </a:r>
+            <a:r>
+              <a:rPr lang="nb-NO" dirty="0"/>
+              <a:t> </a:t>
+            </a:r>
+            <a:r>
+              <a:rPr lang="nb-NO" dirty="0" err="1"/>
+              <a:t>pickle</a:t>
+            </a:r>
+            <a:endParaRPr lang="nb-NO" dirty="0"/>
+          </a:p>
+          <a:p>
+            <a:pPr lvl="1"/>
+            <a:r>
+              <a:rPr lang="nb-NO" dirty="0"/>
+              <a:t>RVG_3DOF_man.pkl</a:t>
+            </a:r>
+          </a:p>
+          <a:p>
+            <a:r>
+              <a:rPr lang="nb-NO" dirty="0" err="1"/>
+              <a:t>Avoid</a:t>
+            </a:r>
+            <a:r>
+              <a:rPr lang="nb-NO" dirty="0"/>
+              <a:t> hard-</a:t>
+            </a:r>
+            <a:r>
+              <a:rPr lang="nb-NO" dirty="0" err="1"/>
+              <a:t>coding</a:t>
+            </a:r>
+            <a:r>
+              <a:rPr lang="nb-NO" dirty="0"/>
+              <a:t> parameters!</a:t>
+            </a:r>
+          </a:p>
+          <a:p>
+            <a:pPr lvl="1"/>
+            <a:r>
+              <a:rPr lang="nb-NO" dirty="0" err="1"/>
+              <a:t>the</a:t>
+            </a:r>
+            <a:r>
+              <a:rPr lang="nb-NO" dirty="0"/>
+              <a:t> RVG 3DOF man </a:t>
             </a:r>
             <a:r>
               <a:rPr lang="nb-NO" dirty="0" err="1"/>
@@ -5233,94 +7673,1581 @@
             </a:r>
             <a:r>
               <a:rPr lang="nb-NO" dirty="0"/>
-              <a:t> parameters </a:t>
-            </a:r>
-            <a:r>
-              <a:rPr lang="nb-NO" dirty="0" err="1"/>
-              <a:t>are</a:t>
-            </a:r>
-            <a:r>
-              <a:rPr lang="nb-NO" dirty="0"/>
-              <a:t> </a:t>
-            </a:r>
-            <a:r>
-              <a:rPr lang="nb-NO" dirty="0" err="1"/>
-              <a:t>uploaded</a:t>
-            </a:r>
-            <a:r>
-              <a:rPr lang="nb-NO" dirty="0"/>
-              <a:t> to </a:t>
-            </a:r>
-            <a:r>
-              <a:rPr lang="nb-NO" dirty="0" err="1"/>
-              <a:t>github</a:t>
-            </a:r>
+              <a:t> </a:t>
+            </a:r>
+            <a:r>
+              <a:rPr lang="nb-NO" dirty="0" err="1"/>
+              <a:t>can</a:t>
+            </a:r>
+            <a:r>
+              <a:rPr lang="nb-NO" dirty="0"/>
+              <a:t> be used to  </a:t>
+            </a:r>
+            <a:r>
+              <a:rPr lang="nb-NO" dirty="0" err="1"/>
+              <a:t>model</a:t>
+            </a:r>
+            <a:r>
+              <a:rPr lang="nb-NO" dirty="0"/>
+              <a:t> </a:t>
+            </a:r>
+            <a:r>
+              <a:rPr lang="nb-NO" dirty="0" err="1"/>
+              <a:t>other</a:t>
+            </a:r>
+            <a:r>
+              <a:rPr lang="nb-NO" dirty="0"/>
+              <a:t> </a:t>
+            </a:r>
+            <a:r>
+              <a:rPr lang="nb-NO" dirty="0" err="1"/>
+              <a:t>vessels</a:t>
+            </a:r>
+            <a:r>
+              <a:rPr lang="nb-NO" dirty="0"/>
+              <a:t> by </a:t>
+            </a:r>
+            <a:r>
+              <a:rPr lang="nb-NO" dirty="0" err="1"/>
+              <a:t>using</a:t>
+            </a:r>
+            <a:r>
+              <a:rPr lang="nb-NO" dirty="0"/>
+              <a:t> different </a:t>
+            </a:r>
+            <a:r>
+              <a:rPr lang="nb-NO" dirty="0" err="1"/>
+              <a:t>model</a:t>
+            </a:r>
+            <a:r>
+              <a:rPr lang="nb-NO" dirty="0"/>
+              <a:t> data</a:t>
+            </a:r>
+          </a:p>
+        </p:txBody>
+      </p:sp>
+      <p:sp>
+        <p:nvSpPr>
+          <p:cNvPr id="5" name="Content Placeholder 2">
+            <a:extLst>
+              <a:ext uri="{FF2B5EF4-FFF2-40B4-BE49-F238E27FC236}">
+                <a16:creationId xmlns:a16="http://schemas.microsoft.com/office/drawing/2014/main" id="{48623642-6168-4AC6-8875-9E1058936638}"/>
+              </a:ext>
+            </a:extLst>
+          </p:cNvPr>
+          <p:cNvSpPr txBox="1">
+            <a:spLocks/>
+          </p:cNvSpPr>
+          <p:nvPr/>
+        </p:nvSpPr>
+        <p:spPr>
+          <a:xfrm>
+            <a:off x="6095999" y="1601036"/>
+            <a:ext cx="5341691" cy="4351338"/>
+          </a:xfrm>
+          <a:prstGeom prst="rect">
+            <a:avLst/>
+          </a:prstGeom>
+        </p:spPr>
+        <p:txBody>
+          <a:bodyPr vert="horz" lIns="91440" tIns="45720" rIns="91440" bIns="45720" rtlCol="0">
+            <a:normAutofit lnSpcReduction="10000"/>
+          </a:bodyPr>
+          <a:lstStyle>
+            <a:lvl1pPr marL="228600" indent="-228600" algn="l" defTabSz="914400" rtl="0" eaLnBrk="1" latinLnBrk="0" hangingPunct="1">
+              <a:lnSpc>
+                <a:spcPct val="90000"/>
+              </a:lnSpc>
+              <a:spcBef>
+                <a:spcPts val="1000"/>
+              </a:spcBef>
+              <a:buFont typeface="Arial" panose="020B0604020202020204" pitchFamily="34" charset="0"/>
+              <a:buChar char="•"/>
+              <a:defRPr sz="2800" kern="1200">
+                <a:solidFill>
+                  <a:schemeClr val="tx1"/>
+                </a:solidFill>
+                <a:latin typeface="+mn-lt"/>
+                <a:ea typeface="+mn-ea"/>
+                <a:cs typeface="+mn-cs"/>
+              </a:defRPr>
+            </a:lvl1pPr>
+            <a:lvl2pPr marL="685800" indent="-228600" algn="l" defTabSz="914400" rtl="0" eaLnBrk="1" latinLnBrk="0" hangingPunct="1">
+              <a:lnSpc>
+                <a:spcPct val="90000"/>
+              </a:lnSpc>
+              <a:spcBef>
+                <a:spcPts val="500"/>
+              </a:spcBef>
+              <a:buFont typeface="Arial" panose="020B0604020202020204" pitchFamily="34" charset="0"/>
+              <a:buChar char="•"/>
+              <a:defRPr sz="2400" kern="1200">
+                <a:solidFill>
+                  <a:schemeClr val="tx1"/>
+                </a:solidFill>
+                <a:latin typeface="+mn-lt"/>
+                <a:ea typeface="+mn-ea"/>
+                <a:cs typeface="+mn-cs"/>
+              </a:defRPr>
+            </a:lvl2pPr>
+            <a:lvl3pPr marL="1143000" indent="-228600" algn="l" defTabSz="914400" rtl="0" eaLnBrk="1" latinLnBrk="0" hangingPunct="1">
+              <a:lnSpc>
+                <a:spcPct val="90000"/>
+              </a:lnSpc>
+              <a:spcBef>
+                <a:spcPts val="500"/>
+              </a:spcBef>
+              <a:buFont typeface="Arial" panose="020B0604020202020204" pitchFamily="34" charset="0"/>
+              <a:buChar char="•"/>
+              <a:defRPr sz="2000" kern="1200">
+                <a:solidFill>
+                  <a:schemeClr val="tx1"/>
+                </a:solidFill>
+                <a:latin typeface="+mn-lt"/>
+                <a:ea typeface="+mn-ea"/>
+                <a:cs typeface="+mn-cs"/>
+              </a:defRPr>
+            </a:lvl3pPr>
+            <a:lvl4pPr marL="1600200" indent="-228600" algn="l" defTabSz="914400" rtl="0" eaLnBrk="1" latinLnBrk="0" hangingPunct="1">
+              <a:lnSpc>
+                <a:spcPct val="90000"/>
+              </a:lnSpc>
+              <a:spcBef>
+                <a:spcPts val="500"/>
+              </a:spcBef>
+              <a:buFont typeface="Arial" panose="020B0604020202020204" pitchFamily="34" charset="0"/>
+              <a:buChar char="•"/>
+              <a:defRPr sz="1800" kern="1200">
+                <a:solidFill>
+                  <a:schemeClr val="tx1"/>
+                </a:solidFill>
+                <a:latin typeface="+mn-lt"/>
+                <a:ea typeface="+mn-ea"/>
+                <a:cs typeface="+mn-cs"/>
+              </a:defRPr>
+            </a:lvl4pPr>
+            <a:lvl5pPr marL="2057400" indent="-228600" algn="l" defTabSz="914400" rtl="0" eaLnBrk="1" latinLnBrk="0" hangingPunct="1">
+              <a:lnSpc>
+                <a:spcPct val="90000"/>
+              </a:lnSpc>
+              <a:spcBef>
+                <a:spcPts val="500"/>
+              </a:spcBef>
+              <a:buFont typeface="Arial" panose="020B0604020202020204" pitchFamily="34" charset="0"/>
+              <a:buChar char="•"/>
+              <a:defRPr sz="1800" kern="1200">
+                <a:solidFill>
+                  <a:schemeClr val="tx1"/>
+                </a:solidFill>
+                <a:latin typeface="+mn-lt"/>
+                <a:ea typeface="+mn-ea"/>
+                <a:cs typeface="+mn-cs"/>
+              </a:defRPr>
+            </a:lvl5pPr>
+            <a:lvl6pPr marL="2514600" indent="-228600" algn="l" defTabSz="914400" rtl="0" eaLnBrk="1" latinLnBrk="0" hangingPunct="1">
+              <a:lnSpc>
+                <a:spcPct val="90000"/>
+              </a:lnSpc>
+              <a:spcBef>
+                <a:spcPts val="500"/>
+              </a:spcBef>
+              <a:buFont typeface="Arial" panose="020B0604020202020204" pitchFamily="34" charset="0"/>
+              <a:buChar char="•"/>
+              <a:defRPr sz="1800" kern="1200">
+                <a:solidFill>
+                  <a:schemeClr val="tx1"/>
+                </a:solidFill>
+                <a:latin typeface="+mn-lt"/>
+                <a:ea typeface="+mn-ea"/>
+                <a:cs typeface="+mn-cs"/>
+              </a:defRPr>
+            </a:lvl6pPr>
+            <a:lvl7pPr marL="2971800" indent="-228600" algn="l" defTabSz="914400" rtl="0" eaLnBrk="1" latinLnBrk="0" hangingPunct="1">
+              <a:lnSpc>
+                <a:spcPct val="90000"/>
+              </a:lnSpc>
+              <a:spcBef>
+                <a:spcPts val="500"/>
+              </a:spcBef>
+              <a:buFont typeface="Arial" panose="020B0604020202020204" pitchFamily="34" charset="0"/>
+              <a:buChar char="•"/>
+              <a:defRPr sz="1800" kern="1200">
+                <a:solidFill>
+                  <a:schemeClr val="tx1"/>
+                </a:solidFill>
+                <a:latin typeface="+mn-lt"/>
+                <a:ea typeface="+mn-ea"/>
+                <a:cs typeface="+mn-cs"/>
+              </a:defRPr>
+            </a:lvl7pPr>
+            <a:lvl8pPr marL="3429000" indent="-228600" algn="l" defTabSz="914400" rtl="0" eaLnBrk="1" latinLnBrk="0" hangingPunct="1">
+              <a:lnSpc>
+                <a:spcPct val="90000"/>
+              </a:lnSpc>
+              <a:spcBef>
+                <a:spcPts val="500"/>
+              </a:spcBef>
+              <a:buFont typeface="Arial" panose="020B0604020202020204" pitchFamily="34" charset="0"/>
+              <a:buChar char="•"/>
+              <a:defRPr sz="1800" kern="1200">
+                <a:solidFill>
+                  <a:schemeClr val="tx1"/>
+                </a:solidFill>
+                <a:latin typeface="+mn-lt"/>
+                <a:ea typeface="+mn-ea"/>
+                <a:cs typeface="+mn-cs"/>
+              </a:defRPr>
+            </a:lvl8pPr>
+            <a:lvl9pPr marL="3886200" indent="-228600" algn="l" defTabSz="914400" rtl="0" eaLnBrk="1" latinLnBrk="0" hangingPunct="1">
+              <a:lnSpc>
+                <a:spcPct val="90000"/>
+              </a:lnSpc>
+              <a:spcBef>
+                <a:spcPts val="500"/>
+              </a:spcBef>
+              <a:buFont typeface="Arial" panose="020B0604020202020204" pitchFamily="34" charset="0"/>
+              <a:buChar char="•"/>
+              <a:defRPr sz="1800" kern="1200">
+                <a:solidFill>
+                  <a:schemeClr val="tx1"/>
+                </a:solidFill>
+                <a:latin typeface="+mn-lt"/>
+                <a:ea typeface="+mn-ea"/>
+                <a:cs typeface="+mn-cs"/>
+              </a:defRPr>
+            </a:lvl9pPr>
+          </a:lstStyle>
+          <a:p>
+            <a:pPr marL="0" indent="0">
+              <a:buFont typeface="Arial" panose="020B0604020202020204" pitchFamily="34" charset="0"/>
+              <a:buNone/>
+            </a:pPr>
             <a:endParaRPr lang="nb-NO" dirty="0"/>
           </a:p>
           <a:p>
             <a:r>
-              <a:rPr lang="nb-NO" dirty="0" err="1"/>
-              <a:t>Additionally</a:t>
-            </a:r>
-            <a:r>
-              <a:rPr lang="nb-NO" dirty="0"/>
-              <a:t> </a:t>
-            </a:r>
-            <a:r>
-              <a:rPr lang="nb-NO" dirty="0" err="1"/>
+              <a:rPr lang="nb-NO" sz="1600" dirty="0">
+                <a:solidFill>
+                  <a:srgbClr val="FF0000"/>
+                </a:solidFill>
+              </a:rPr>
+              <a:t>Post-</a:t>
+            </a:r>
+            <a:r>
+              <a:rPr lang="nb-NO" sz="1600" dirty="0" err="1">
+                <a:solidFill>
+                  <a:srgbClr val="FF0000"/>
+                </a:solidFill>
+              </a:rPr>
+              <a:t>meeting</a:t>
+            </a:r>
+            <a:r>
+              <a:rPr lang="nb-NO" sz="1600" dirty="0">
+                <a:solidFill>
+                  <a:srgbClr val="FF0000"/>
+                </a:solidFill>
+              </a:rPr>
+              <a:t> notes: </a:t>
+            </a:r>
+          </a:p>
+          <a:p>
+            <a:pPr lvl="1"/>
+            <a:r>
+              <a:rPr lang="nb-NO" sz="1600" dirty="0" err="1">
+                <a:solidFill>
+                  <a:srgbClr val="FF0000"/>
+                </a:solidFill>
+              </a:rPr>
+              <a:t>Can</a:t>
+            </a:r>
+            <a:r>
+              <a:rPr lang="nb-NO" sz="1600" dirty="0">
+                <a:solidFill>
+                  <a:srgbClr val="FF0000"/>
+                </a:solidFill>
+              </a:rPr>
+              <a:t> just </a:t>
+            </a:r>
+            <a:r>
+              <a:rPr lang="nb-NO" sz="1600" dirty="0" err="1">
+                <a:solidFill>
+                  <a:srgbClr val="FF0000"/>
+                </a:solidFill>
+              </a:rPr>
+              <a:t>use</a:t>
+            </a:r>
+            <a:r>
+              <a:rPr lang="nb-NO" sz="1600" dirty="0">
+                <a:solidFill>
+                  <a:srgbClr val="FF0000"/>
+                </a:solidFill>
+              </a:rPr>
+              <a:t> </a:t>
+            </a:r>
+            <a:r>
+              <a:rPr lang="nb-NO" sz="1600" dirty="0" err="1">
+                <a:solidFill>
+                  <a:srgbClr val="FF0000"/>
+                </a:solidFill>
+              </a:rPr>
+              <a:t>parM</a:t>
+            </a:r>
+            <a:r>
+              <a:rPr lang="nb-NO" sz="1600" dirty="0">
+                <a:solidFill>
+                  <a:srgbClr val="FF0000"/>
+                </a:solidFill>
+              </a:rPr>
+              <a:t> for </a:t>
+            </a:r>
+            <a:r>
+              <a:rPr lang="nb-NO" sz="1600" dirty="0" err="1">
+                <a:solidFill>
+                  <a:srgbClr val="FF0000"/>
+                </a:solidFill>
+              </a:rPr>
+              <a:t>model</a:t>
+            </a:r>
+            <a:r>
+              <a:rPr lang="nb-NO" sz="1600" dirty="0">
+                <a:solidFill>
+                  <a:srgbClr val="FF0000"/>
+                </a:solidFill>
+              </a:rPr>
+              <a:t> data. </a:t>
+            </a:r>
+            <a:r>
+              <a:rPr lang="nb-NO" sz="1600" dirty="0" err="1">
+                <a:solidFill>
+                  <a:srgbClr val="FF0000"/>
+                </a:solidFill>
+              </a:rPr>
+              <a:t>But</a:t>
+            </a:r>
+            <a:r>
+              <a:rPr lang="nb-NO" sz="1600" dirty="0">
+                <a:solidFill>
+                  <a:srgbClr val="FF0000"/>
+                </a:solidFill>
+              </a:rPr>
+              <a:t> </a:t>
+            </a:r>
+            <a:r>
+              <a:rPr lang="nb-NO" sz="1600" dirty="0" err="1">
+                <a:solidFill>
+                  <a:srgbClr val="FF0000"/>
+                </a:solidFill>
+              </a:rPr>
+              <a:t>should</a:t>
+            </a:r>
+            <a:r>
+              <a:rPr lang="nb-NO" sz="1600" dirty="0">
+                <a:solidFill>
+                  <a:srgbClr val="FF0000"/>
+                </a:solidFill>
+              </a:rPr>
+              <a:t> at </a:t>
+            </a:r>
+            <a:r>
+              <a:rPr lang="nb-NO" sz="1600" dirty="0" err="1">
+                <a:solidFill>
+                  <a:srgbClr val="FF0000"/>
+                </a:solidFill>
+              </a:rPr>
+              <a:t>least</a:t>
+            </a:r>
+            <a:r>
+              <a:rPr lang="nb-NO" sz="1600" dirty="0">
+                <a:solidFill>
+                  <a:srgbClr val="FF0000"/>
+                </a:solidFill>
+              </a:rPr>
+              <a:t> separate </a:t>
+            </a:r>
+            <a:r>
+              <a:rPr lang="nb-NO" sz="1600" dirty="0" err="1">
+                <a:solidFill>
+                  <a:srgbClr val="FF0000"/>
+                </a:solidFill>
+              </a:rPr>
+              <a:t>into</a:t>
+            </a:r>
+            <a:r>
+              <a:rPr lang="nb-NO" sz="1600" dirty="0">
+                <a:solidFill>
+                  <a:srgbClr val="FF0000"/>
+                </a:solidFill>
+              </a:rPr>
+              <a:t> a </a:t>
+            </a:r>
+            <a:r>
+              <a:rPr lang="nb-NO" sz="1600" dirty="0" err="1">
+                <a:solidFill>
+                  <a:srgbClr val="FF0000"/>
+                </a:solidFill>
+              </a:rPr>
+              <a:t>few</a:t>
+            </a:r>
+            <a:r>
+              <a:rPr lang="nb-NO" sz="1600" dirty="0">
+                <a:solidFill>
+                  <a:srgbClr val="FF0000"/>
+                </a:solidFill>
+              </a:rPr>
+              <a:t> different parameter </a:t>
+            </a:r>
+            <a:r>
+              <a:rPr lang="nb-NO" sz="1600" dirty="0" err="1">
+                <a:solidFill>
+                  <a:srgbClr val="FF0000"/>
+                </a:solidFill>
+              </a:rPr>
+              <a:t>dictionaries</a:t>
+            </a:r>
+            <a:r>
+              <a:rPr lang="nb-NO" sz="1600" dirty="0">
+                <a:solidFill>
+                  <a:srgbClr val="FF0000"/>
+                </a:solidFill>
+              </a:rPr>
+              <a:t>. E.g. </a:t>
+            </a:r>
+            <a:r>
+              <a:rPr lang="nb-NO" sz="1600" dirty="0" err="1">
+                <a:solidFill>
+                  <a:srgbClr val="FF0000"/>
+                </a:solidFill>
+              </a:rPr>
+              <a:t>parM</a:t>
+            </a:r>
+            <a:r>
+              <a:rPr lang="nb-NO" sz="1600" dirty="0">
+                <a:solidFill>
+                  <a:srgbClr val="FF0000"/>
+                </a:solidFill>
+              </a:rPr>
+              <a:t> for </a:t>
+            </a:r>
+            <a:r>
+              <a:rPr lang="nb-NO" sz="1600" dirty="0" err="1">
+                <a:solidFill>
+                  <a:srgbClr val="FF0000"/>
+                </a:solidFill>
+              </a:rPr>
+              <a:t>model</a:t>
+            </a:r>
+            <a:r>
+              <a:rPr lang="nb-NO" sz="1600" dirty="0">
+                <a:solidFill>
+                  <a:srgbClr val="FF0000"/>
+                </a:solidFill>
+              </a:rPr>
+              <a:t> data, </a:t>
+            </a:r>
+            <a:r>
+              <a:rPr lang="nb-NO" sz="1600" dirty="0" err="1">
+                <a:solidFill>
+                  <a:srgbClr val="FF0000"/>
+                </a:solidFill>
+              </a:rPr>
+              <a:t>parC</a:t>
+            </a:r>
+            <a:r>
+              <a:rPr lang="nb-NO" sz="1600" dirty="0">
+                <a:solidFill>
+                  <a:srgbClr val="FF0000"/>
+                </a:solidFill>
+              </a:rPr>
+              <a:t> for </a:t>
+            </a:r>
+            <a:r>
+              <a:rPr lang="nb-NO" sz="1600" dirty="0" err="1">
+                <a:solidFill>
+                  <a:srgbClr val="FF0000"/>
+                </a:solidFill>
+              </a:rPr>
+              <a:t>controller</a:t>
+            </a:r>
+            <a:r>
+              <a:rPr lang="nb-NO" sz="1600" dirty="0">
+                <a:solidFill>
+                  <a:srgbClr val="FF0000"/>
+                </a:solidFill>
+              </a:rPr>
+              <a:t> data etc.</a:t>
+            </a:r>
+          </a:p>
+          <a:p>
+            <a:pPr lvl="1"/>
+            <a:r>
+              <a:rPr lang="nb-NO" sz="1600" dirty="0">
+                <a:solidFill>
+                  <a:srgbClr val="FF0000"/>
+                </a:solidFill>
+              </a:rPr>
+              <a:t>Not </a:t>
+            </a:r>
+            <a:r>
+              <a:rPr lang="nb-NO" sz="1600" dirty="0" err="1">
+                <a:solidFill>
+                  <a:srgbClr val="FF0000"/>
+                </a:solidFill>
+              </a:rPr>
+              <a:t>set</a:t>
+            </a:r>
+            <a:r>
+              <a:rPr lang="nb-NO" sz="1600" dirty="0">
+                <a:solidFill>
+                  <a:srgbClr val="FF0000"/>
+                </a:solidFill>
+              </a:rPr>
+              <a:t> in </a:t>
+            </a:r>
+            <a:r>
+              <a:rPr lang="nb-NO" sz="1600" dirty="0" err="1">
+                <a:solidFill>
+                  <a:srgbClr val="FF0000"/>
+                </a:solidFill>
+              </a:rPr>
+              <a:t>stone</a:t>
+            </a:r>
+            <a:r>
+              <a:rPr lang="nb-NO" sz="1600" dirty="0">
+                <a:solidFill>
+                  <a:srgbClr val="FF0000"/>
+                </a:solidFill>
+              </a:rPr>
+              <a:t>, different </a:t>
+            </a:r>
+            <a:r>
+              <a:rPr lang="nb-NO" sz="1600" dirty="0" err="1">
+                <a:solidFill>
+                  <a:srgbClr val="FF0000"/>
+                </a:solidFill>
+              </a:rPr>
+              <a:t>projects</a:t>
+            </a:r>
+            <a:r>
+              <a:rPr lang="nb-NO" sz="1600" dirty="0">
+                <a:solidFill>
+                  <a:srgbClr val="FF0000"/>
+                </a:solidFill>
+              </a:rPr>
+              <a:t> </a:t>
+            </a:r>
+            <a:r>
+              <a:rPr lang="nb-NO" sz="1600" dirty="0" err="1">
+                <a:solidFill>
+                  <a:srgbClr val="FF0000"/>
+                </a:solidFill>
+              </a:rPr>
+              <a:t>may</a:t>
+            </a:r>
+            <a:r>
+              <a:rPr lang="nb-NO" sz="1600" dirty="0">
+                <a:solidFill>
+                  <a:srgbClr val="FF0000"/>
+                </a:solidFill>
+              </a:rPr>
+              <a:t> have different </a:t>
+            </a:r>
+            <a:r>
+              <a:rPr lang="nb-NO" sz="1600" dirty="0" err="1">
+                <a:solidFill>
+                  <a:srgbClr val="FF0000"/>
+                </a:solidFill>
+              </a:rPr>
+              <a:t>needs</a:t>
+            </a:r>
+            <a:r>
+              <a:rPr lang="nb-NO" sz="1600" dirty="0">
+                <a:solidFill>
+                  <a:srgbClr val="FF0000"/>
+                </a:solidFill>
+              </a:rPr>
+              <a:t>. </a:t>
+            </a:r>
+            <a:r>
+              <a:rPr lang="nb-NO" sz="1600" dirty="0" err="1">
+                <a:solidFill>
+                  <a:srgbClr val="FF0000"/>
+                </a:solidFill>
+              </a:rPr>
+              <a:t>But</a:t>
+            </a:r>
+            <a:r>
+              <a:rPr lang="nb-NO" sz="1600" dirty="0">
+                <a:solidFill>
+                  <a:srgbClr val="FF0000"/>
+                </a:solidFill>
+              </a:rPr>
+              <a:t> </a:t>
+            </a:r>
+            <a:r>
+              <a:rPr lang="nb-NO" sz="1600" dirty="0" err="1">
+                <a:solidFill>
+                  <a:srgbClr val="FF0000"/>
+                </a:solidFill>
+              </a:rPr>
+              <a:t>aim</a:t>
+            </a:r>
+            <a:r>
+              <a:rPr lang="nb-NO" sz="1600" dirty="0">
+                <a:solidFill>
+                  <a:srgbClr val="FF0000"/>
+                </a:solidFill>
+              </a:rPr>
+              <a:t> for a general format </a:t>
+            </a:r>
+            <a:r>
+              <a:rPr lang="nb-NO" sz="1600" dirty="0" err="1">
+                <a:solidFill>
+                  <a:srgbClr val="FF0000"/>
+                </a:solidFill>
+              </a:rPr>
+              <a:t>that</a:t>
+            </a:r>
+            <a:r>
+              <a:rPr lang="nb-NO" sz="1600" dirty="0">
+                <a:solidFill>
+                  <a:srgbClr val="FF0000"/>
+                </a:solidFill>
+              </a:rPr>
+              <a:t> is </a:t>
+            </a:r>
+            <a:r>
+              <a:rPr lang="nb-NO" sz="1600" dirty="0" err="1">
+                <a:solidFill>
+                  <a:srgbClr val="FF0000"/>
+                </a:solidFill>
+              </a:rPr>
+              <a:t>familiar</a:t>
+            </a:r>
+            <a:r>
+              <a:rPr lang="nb-NO" sz="1600" dirty="0">
+                <a:solidFill>
+                  <a:srgbClr val="FF0000"/>
+                </a:solidFill>
+              </a:rPr>
+              <a:t>. </a:t>
+            </a:r>
+          </a:p>
+          <a:p>
+            <a:pPr lvl="1"/>
+            <a:r>
+              <a:rPr lang="nb-NO" sz="1600" dirty="0">
+                <a:solidFill>
+                  <a:srgbClr val="FF0000"/>
+                </a:solidFill>
+              </a:rPr>
+              <a:t>The </a:t>
+            </a:r>
+            <a:r>
+              <a:rPr lang="nb-NO" sz="1600" dirty="0" err="1">
+                <a:solidFill>
+                  <a:srgbClr val="FF0000"/>
+                </a:solidFill>
+              </a:rPr>
+              <a:t>key</a:t>
+            </a:r>
+            <a:r>
+              <a:rPr lang="nb-NO" sz="1600" dirty="0">
+                <a:solidFill>
+                  <a:srgbClr val="FF0000"/>
+                </a:solidFill>
+              </a:rPr>
+              <a:t> </a:t>
+            </a:r>
+            <a:r>
+              <a:rPr lang="nb-NO" sz="1600" dirty="0" err="1">
+                <a:solidFill>
+                  <a:srgbClr val="FF0000"/>
+                </a:solidFill>
+              </a:rPr>
+              <a:t>idea</a:t>
+            </a:r>
+            <a:r>
+              <a:rPr lang="nb-NO" sz="1600" dirty="0">
+                <a:solidFill>
+                  <a:srgbClr val="FF0000"/>
+                </a:solidFill>
+              </a:rPr>
+              <a:t> is to </a:t>
+            </a:r>
+            <a:r>
+              <a:rPr lang="nb-NO" sz="1600" dirty="0" err="1">
+                <a:solidFill>
+                  <a:srgbClr val="FF0000"/>
+                </a:solidFill>
+              </a:rPr>
+              <a:t>use</a:t>
+            </a:r>
+            <a:r>
+              <a:rPr lang="nb-NO" sz="1600" dirty="0">
+                <a:solidFill>
+                  <a:srgbClr val="FF0000"/>
+                </a:solidFill>
+              </a:rPr>
+              <a:t> </a:t>
+            </a:r>
+            <a:r>
+              <a:rPr lang="nb-NO" sz="1600" dirty="0" err="1">
+                <a:solidFill>
+                  <a:srgbClr val="FF0000"/>
+                </a:solidFill>
+              </a:rPr>
+              <a:t>dictionaries</a:t>
+            </a:r>
+            <a:r>
+              <a:rPr lang="nb-NO" sz="1600" dirty="0">
+                <a:solidFill>
+                  <a:srgbClr val="FF0000"/>
+                </a:solidFill>
+              </a:rPr>
+              <a:t>, </a:t>
+            </a:r>
+            <a:r>
+              <a:rPr lang="nb-NO" sz="1600" dirty="0" err="1">
+                <a:solidFill>
+                  <a:srgbClr val="FF0000"/>
+                </a:solidFill>
+              </a:rPr>
+              <a:t>instead</a:t>
+            </a:r>
+            <a:r>
+              <a:rPr lang="nb-NO" sz="1600" dirty="0">
+                <a:solidFill>
+                  <a:srgbClr val="FF0000"/>
+                </a:solidFill>
+              </a:rPr>
+              <a:t> </a:t>
+            </a:r>
+            <a:r>
+              <a:rPr lang="nb-NO" sz="1600" dirty="0" err="1">
+                <a:solidFill>
+                  <a:srgbClr val="FF0000"/>
+                </a:solidFill>
+              </a:rPr>
+              <a:t>of</a:t>
+            </a:r>
+            <a:r>
+              <a:rPr lang="nb-NO" sz="1600" dirty="0">
+                <a:solidFill>
+                  <a:srgbClr val="FF0000"/>
+                </a:solidFill>
+              </a:rPr>
+              <a:t> a </a:t>
+            </a:r>
+            <a:r>
+              <a:rPr lang="nb-NO" sz="1600" dirty="0" err="1">
+                <a:solidFill>
+                  <a:srgbClr val="FF0000"/>
+                </a:solidFill>
+              </a:rPr>
+              <a:t>bunch</a:t>
+            </a:r>
+            <a:r>
+              <a:rPr lang="nb-NO" sz="1600" dirty="0">
+                <a:solidFill>
+                  <a:srgbClr val="FF0000"/>
+                </a:solidFill>
+              </a:rPr>
+              <a:t> </a:t>
+            </a:r>
+            <a:r>
+              <a:rPr lang="nb-NO" sz="1600" dirty="0" err="1">
+                <a:solidFill>
+                  <a:srgbClr val="FF0000"/>
+                </a:solidFill>
+              </a:rPr>
+              <a:t>of</a:t>
+            </a:r>
+            <a:r>
+              <a:rPr lang="nb-NO" sz="1600" dirty="0">
+                <a:solidFill>
+                  <a:srgbClr val="FF0000"/>
+                </a:solidFill>
+              </a:rPr>
+              <a:t> different variables as arguments. </a:t>
+            </a:r>
+            <a:r>
+              <a:rPr lang="nb-NO" sz="1600" dirty="0" err="1">
+                <a:solidFill>
+                  <a:srgbClr val="FF0000"/>
+                </a:solidFill>
+              </a:rPr>
+              <a:t>Having</a:t>
+            </a:r>
+            <a:r>
+              <a:rPr lang="nb-NO" sz="1600" dirty="0">
+                <a:solidFill>
+                  <a:srgbClr val="FF0000"/>
+                </a:solidFill>
+              </a:rPr>
+              <a:t> all </a:t>
+            </a:r>
+            <a:r>
+              <a:rPr lang="nb-NO" sz="1600" dirty="0" err="1">
+                <a:solidFill>
+                  <a:srgbClr val="FF0000"/>
+                </a:solidFill>
+              </a:rPr>
+              <a:t>the</a:t>
+            </a:r>
+            <a:r>
+              <a:rPr lang="nb-NO" sz="1600" dirty="0">
+                <a:solidFill>
+                  <a:srgbClr val="FF0000"/>
+                </a:solidFill>
+              </a:rPr>
+              <a:t> </a:t>
+            </a:r>
+            <a:r>
+              <a:rPr lang="nb-NO" sz="1600" dirty="0" err="1">
+                <a:solidFill>
+                  <a:srgbClr val="FF0000"/>
+                </a:solidFill>
+              </a:rPr>
+              <a:t>vessel</a:t>
+            </a:r>
+            <a:r>
+              <a:rPr lang="nb-NO" sz="1600" dirty="0">
+                <a:solidFill>
+                  <a:srgbClr val="FF0000"/>
+                </a:solidFill>
+              </a:rPr>
+              <a:t> data in </a:t>
+            </a:r>
+            <a:r>
+              <a:rPr lang="nb-NO" sz="1600" dirty="0" err="1">
+                <a:solidFill>
+                  <a:srgbClr val="FF0000"/>
+                </a:solidFill>
+              </a:rPr>
+              <a:t>parV</a:t>
+            </a:r>
+            <a:r>
+              <a:rPr lang="nb-NO" sz="1600" dirty="0">
+                <a:solidFill>
+                  <a:srgbClr val="FF0000"/>
+                </a:solidFill>
+              </a:rPr>
+              <a:t> and all </a:t>
+            </a:r>
+            <a:r>
+              <a:rPr lang="nb-NO" sz="1600" dirty="0" err="1">
+                <a:solidFill>
+                  <a:srgbClr val="FF0000"/>
+                </a:solidFill>
+              </a:rPr>
+              <a:t>the</a:t>
+            </a:r>
+            <a:r>
+              <a:rPr lang="nb-NO" sz="1600" dirty="0">
+                <a:solidFill>
+                  <a:srgbClr val="FF0000"/>
+                </a:solidFill>
+              </a:rPr>
+              <a:t> </a:t>
+            </a:r>
+            <a:r>
+              <a:rPr lang="nb-NO" sz="1600" dirty="0" err="1">
+                <a:solidFill>
+                  <a:srgbClr val="FF0000"/>
+                </a:solidFill>
+              </a:rPr>
+              <a:t>actuator</a:t>
+            </a:r>
+            <a:r>
+              <a:rPr lang="nb-NO" sz="1600" dirty="0">
+                <a:solidFill>
+                  <a:srgbClr val="FF0000"/>
+                </a:solidFill>
+              </a:rPr>
+              <a:t> data in </a:t>
+            </a:r>
+            <a:r>
+              <a:rPr lang="nb-NO" sz="1600" dirty="0" err="1">
+                <a:solidFill>
+                  <a:srgbClr val="FF0000"/>
+                </a:solidFill>
+              </a:rPr>
+              <a:t>parA</a:t>
+            </a:r>
+            <a:r>
+              <a:rPr lang="nb-NO" sz="1600" dirty="0">
+                <a:solidFill>
+                  <a:srgbClr val="FF0000"/>
+                </a:solidFill>
+              </a:rPr>
+              <a:t> is a </a:t>
+            </a:r>
+            <a:r>
+              <a:rPr lang="nb-NO" sz="1600" dirty="0" err="1">
+                <a:solidFill>
+                  <a:srgbClr val="FF0000"/>
+                </a:solidFill>
+              </a:rPr>
+              <a:t>clean</a:t>
+            </a:r>
+            <a:r>
+              <a:rPr lang="nb-NO" sz="1600" dirty="0">
+                <a:solidFill>
+                  <a:srgbClr val="FF0000"/>
+                </a:solidFill>
+              </a:rPr>
+              <a:t> </a:t>
+            </a:r>
+            <a:r>
+              <a:rPr lang="nb-NO" sz="1600" dirty="0" err="1">
+                <a:solidFill>
+                  <a:srgbClr val="FF0000"/>
+                </a:solidFill>
+              </a:rPr>
+              <a:t>way</a:t>
+            </a:r>
+            <a:r>
+              <a:rPr lang="nb-NO" sz="1600" dirty="0">
+                <a:solidFill>
+                  <a:srgbClr val="FF0000"/>
+                </a:solidFill>
+              </a:rPr>
+              <a:t> </a:t>
+            </a:r>
+            <a:r>
+              <a:rPr lang="nb-NO" sz="1600" dirty="0" err="1">
+                <a:solidFill>
+                  <a:srgbClr val="FF0000"/>
+                </a:solidFill>
+              </a:rPr>
+              <a:t>of</a:t>
+            </a:r>
+            <a:r>
+              <a:rPr lang="nb-NO" sz="1600" dirty="0">
+                <a:solidFill>
+                  <a:srgbClr val="FF0000"/>
+                </a:solidFill>
+              </a:rPr>
+              <a:t> </a:t>
+            </a:r>
+            <a:r>
+              <a:rPr lang="nb-NO" sz="1600" dirty="0" err="1">
+                <a:solidFill>
+                  <a:srgbClr val="FF0000"/>
+                </a:solidFill>
+              </a:rPr>
+              <a:t>organizing</a:t>
+            </a:r>
+            <a:r>
+              <a:rPr lang="nb-NO" sz="1600" dirty="0">
+                <a:solidFill>
+                  <a:srgbClr val="FF0000"/>
+                </a:solidFill>
+              </a:rPr>
+              <a:t> it. </a:t>
+            </a:r>
+            <a:r>
+              <a:rPr lang="nb-NO" sz="1600" dirty="0" err="1">
+                <a:solidFill>
+                  <a:srgbClr val="FF0000"/>
+                </a:solidFill>
+              </a:rPr>
+              <a:t>Can</a:t>
+            </a:r>
+            <a:r>
+              <a:rPr lang="nb-NO" sz="1600" dirty="0">
+                <a:solidFill>
+                  <a:srgbClr val="FF0000"/>
+                </a:solidFill>
+              </a:rPr>
+              <a:t> </a:t>
+            </a:r>
+            <a:r>
+              <a:rPr lang="nb-NO" sz="1600" dirty="0" err="1">
+                <a:solidFill>
+                  <a:srgbClr val="FF0000"/>
+                </a:solidFill>
+              </a:rPr>
+              <a:t>then</a:t>
+            </a:r>
+            <a:r>
+              <a:rPr lang="nb-NO" sz="1600" dirty="0">
+                <a:solidFill>
+                  <a:srgbClr val="FF0000"/>
+                </a:solidFill>
+              </a:rPr>
+              <a:t> </a:t>
+            </a:r>
+            <a:r>
+              <a:rPr lang="nb-NO" sz="1600" dirty="0" err="1">
+                <a:solidFill>
+                  <a:srgbClr val="FF0000"/>
+                </a:solidFill>
+              </a:rPr>
+              <a:t>create</a:t>
+            </a:r>
+            <a:r>
+              <a:rPr lang="nb-NO" sz="1600" dirty="0">
+                <a:solidFill>
+                  <a:srgbClr val="FF0000"/>
+                </a:solidFill>
+              </a:rPr>
+              <a:t> a </a:t>
+            </a:r>
+            <a:r>
+              <a:rPr lang="nb-NO" sz="1600" dirty="0" err="1">
+                <a:solidFill>
+                  <a:srgbClr val="FF0000"/>
+                </a:solidFill>
+              </a:rPr>
+              <a:t>dictionary</a:t>
+            </a:r>
+            <a:r>
+              <a:rPr lang="nb-NO" sz="1600" dirty="0">
+                <a:solidFill>
+                  <a:srgbClr val="FF0000"/>
+                </a:solidFill>
+              </a:rPr>
+              <a:t> </a:t>
+            </a:r>
+            <a:r>
+              <a:rPr lang="nb-NO" sz="1600" dirty="0" err="1">
+                <a:solidFill>
+                  <a:srgbClr val="FF0000"/>
+                </a:solidFill>
+              </a:rPr>
+              <a:t>parM</a:t>
+            </a:r>
+            <a:r>
+              <a:rPr lang="nb-NO" sz="1600" dirty="0">
+                <a:solidFill>
+                  <a:srgbClr val="FF0000"/>
+                </a:solidFill>
+              </a:rPr>
+              <a:t> </a:t>
+            </a:r>
+            <a:r>
+              <a:rPr lang="nb-NO" sz="1600" dirty="0" err="1">
+                <a:solidFill>
+                  <a:srgbClr val="FF0000"/>
+                </a:solidFill>
+              </a:rPr>
+              <a:t>containing</a:t>
+            </a:r>
+            <a:r>
+              <a:rPr lang="nb-NO" sz="1600" dirty="0">
+                <a:solidFill>
+                  <a:srgbClr val="FF0000"/>
+                </a:solidFill>
+              </a:rPr>
+              <a:t> </a:t>
+            </a:r>
+            <a:r>
+              <a:rPr lang="nb-NO" sz="1600" dirty="0" err="1">
+                <a:solidFill>
+                  <a:srgbClr val="FF0000"/>
+                </a:solidFill>
+              </a:rPr>
+              <a:t>parA</a:t>
+            </a:r>
+            <a:r>
+              <a:rPr lang="nb-NO" sz="1600" dirty="0">
+                <a:solidFill>
+                  <a:srgbClr val="FF0000"/>
+                </a:solidFill>
+              </a:rPr>
+              <a:t> and </a:t>
+            </a:r>
+            <a:r>
+              <a:rPr lang="nb-NO" sz="1600" dirty="0" err="1">
+                <a:solidFill>
+                  <a:srgbClr val="FF0000"/>
+                </a:solidFill>
+              </a:rPr>
+              <a:t>parV</a:t>
+            </a:r>
+            <a:r>
+              <a:rPr lang="nb-NO" sz="1600" dirty="0">
+                <a:solidFill>
+                  <a:srgbClr val="FF0000"/>
+                </a:solidFill>
+              </a:rPr>
+              <a:t>, or </a:t>
+            </a:r>
+            <a:r>
+              <a:rPr lang="nb-NO" sz="1600" dirty="0" err="1">
+                <a:solidFill>
+                  <a:srgbClr val="FF0000"/>
+                </a:solidFill>
+              </a:rPr>
+              <a:t>other</a:t>
+            </a:r>
+            <a:r>
+              <a:rPr lang="nb-NO" sz="1600" dirty="0">
+                <a:solidFill>
+                  <a:srgbClr val="FF0000"/>
+                </a:solidFill>
+              </a:rPr>
+              <a:t> </a:t>
+            </a:r>
+            <a:r>
+              <a:rPr lang="nb-NO" sz="1600" dirty="0" err="1">
+                <a:solidFill>
+                  <a:srgbClr val="FF0000"/>
+                </a:solidFill>
+              </a:rPr>
+              <a:t>objects</a:t>
+            </a:r>
+            <a:r>
+              <a:rPr lang="nb-NO" sz="1600" dirty="0">
+                <a:solidFill>
+                  <a:srgbClr val="FF0000"/>
+                </a:solidFill>
+              </a:rPr>
+              <a:t> as </a:t>
+            </a:r>
+            <a:r>
+              <a:rPr lang="nb-NO" sz="1600" dirty="0" err="1">
+                <a:solidFill>
+                  <a:srgbClr val="FF0000"/>
+                </a:solidFill>
+              </a:rPr>
+              <a:t>needed</a:t>
+            </a:r>
+            <a:r>
+              <a:rPr lang="nb-NO" sz="1600" dirty="0">
+                <a:solidFill>
+                  <a:srgbClr val="FF0000"/>
+                </a:solidFill>
+              </a:rPr>
+              <a:t>. </a:t>
+            </a:r>
+          </a:p>
+          <a:p>
+            <a:pPr lvl="1"/>
+            <a:r>
+              <a:rPr lang="nb-NO" sz="1600" dirty="0">
+                <a:solidFill>
+                  <a:srgbClr val="FF0000"/>
+                </a:solidFill>
+              </a:rPr>
+              <a:t>As a </a:t>
+            </a:r>
+            <a:r>
+              <a:rPr lang="nb-NO" sz="1600" dirty="0" err="1">
+                <a:solidFill>
+                  <a:srgbClr val="FF0000"/>
+                </a:solidFill>
+              </a:rPr>
+              <a:t>use</a:t>
+            </a:r>
+            <a:r>
+              <a:rPr lang="nb-NO" sz="1600" dirty="0">
+                <a:solidFill>
+                  <a:srgbClr val="FF0000"/>
+                </a:solidFill>
+              </a:rPr>
+              <a:t> </a:t>
+            </a:r>
+            <a:r>
+              <a:rPr lang="nb-NO" sz="1600" dirty="0" err="1">
+                <a:solidFill>
+                  <a:srgbClr val="FF0000"/>
+                </a:solidFill>
+              </a:rPr>
               <a:t>example</a:t>
             </a:r>
             <a:r>
-              <a:rPr lang="nb-NO" dirty="0"/>
-              <a:t> scripts to </a:t>
-            </a:r>
-            <a:r>
-              <a:rPr lang="nb-NO" dirty="0" err="1"/>
-              <a:t>generate</a:t>
-            </a:r>
-            <a:r>
-              <a:rPr lang="nb-NO" dirty="0"/>
-              <a:t> </a:t>
-            </a:r>
-            <a:r>
-              <a:rPr lang="nb-NO" dirty="0" err="1"/>
+              <a:rPr lang="nb-NO" sz="1600" dirty="0">
+                <a:solidFill>
+                  <a:srgbClr val="FF0000"/>
+                </a:solidFill>
+              </a:rPr>
+              <a:t>: </a:t>
+            </a:r>
+            <a:r>
+              <a:rPr lang="nb-NO" sz="1600" dirty="0" err="1">
+                <a:solidFill>
+                  <a:srgbClr val="FF0000"/>
+                </a:solidFill>
+              </a:rPr>
               <a:t>parV</a:t>
             </a:r>
             <a:r>
-              <a:rPr lang="nb-NO" dirty="0"/>
+              <a:rPr lang="nb-NO" sz="1600" dirty="0">
+                <a:solidFill>
+                  <a:srgbClr val="FF0000"/>
+                </a:solidFill>
+              </a:rPr>
+              <a:t> </a:t>
+            </a:r>
+            <a:r>
+              <a:rPr lang="nb-NO" sz="1600" dirty="0" err="1">
+                <a:solidFill>
+                  <a:srgbClr val="FF0000"/>
+                </a:solidFill>
+              </a:rPr>
+              <a:t>may</a:t>
+            </a:r>
+            <a:r>
+              <a:rPr lang="nb-NO" sz="1600" dirty="0">
+                <a:solidFill>
+                  <a:srgbClr val="FF0000"/>
+                </a:solidFill>
+              </a:rPr>
+              <a:t> be input to </a:t>
+            </a:r>
+            <a:r>
+              <a:rPr lang="nb-NO" sz="1600" dirty="0" err="1">
+                <a:solidFill>
+                  <a:srgbClr val="FF0000"/>
+                </a:solidFill>
+              </a:rPr>
+              <a:t>both</a:t>
+            </a:r>
+            <a:r>
+              <a:rPr lang="nb-NO" sz="1600" dirty="0">
+                <a:solidFill>
+                  <a:srgbClr val="FF0000"/>
+                </a:solidFill>
+              </a:rPr>
+              <a:t> a </a:t>
+            </a:r>
+            <a:r>
+              <a:rPr lang="nb-NO" sz="1600" dirty="0" err="1">
+                <a:solidFill>
+                  <a:srgbClr val="FF0000"/>
+                </a:solidFill>
+              </a:rPr>
+              <a:t>model</a:t>
+            </a:r>
+            <a:r>
+              <a:rPr lang="nb-NO" sz="1600" dirty="0">
+                <a:solidFill>
+                  <a:srgbClr val="FF0000"/>
+                </a:solidFill>
+              </a:rPr>
+              <a:t>, and an observer. To </a:t>
+            </a:r>
+            <a:r>
+              <a:rPr lang="nb-NO" sz="1600" dirty="0" err="1">
+                <a:solidFill>
+                  <a:srgbClr val="FF0000"/>
+                </a:solidFill>
+              </a:rPr>
+              <a:t>emulate</a:t>
+            </a:r>
+            <a:r>
+              <a:rPr lang="nb-NO" sz="1600" dirty="0">
+                <a:solidFill>
+                  <a:srgbClr val="FF0000"/>
+                </a:solidFill>
+              </a:rPr>
+              <a:t> </a:t>
+            </a:r>
+            <a:r>
+              <a:rPr lang="nb-NO" sz="1600" dirty="0" err="1">
+                <a:solidFill>
+                  <a:srgbClr val="FF0000"/>
+                </a:solidFill>
+              </a:rPr>
+              <a:t>modelling</a:t>
+            </a:r>
+            <a:r>
+              <a:rPr lang="nb-NO" sz="1600" dirty="0">
+                <a:solidFill>
+                  <a:srgbClr val="FF0000"/>
+                </a:solidFill>
+              </a:rPr>
+              <a:t> </a:t>
+            </a:r>
+            <a:r>
+              <a:rPr lang="nb-NO" sz="1600" dirty="0" err="1">
+                <a:solidFill>
+                  <a:srgbClr val="FF0000"/>
+                </a:solidFill>
+              </a:rPr>
+              <a:t>error</a:t>
+            </a:r>
+            <a:r>
+              <a:rPr lang="nb-NO" sz="1600" dirty="0">
+                <a:solidFill>
+                  <a:srgbClr val="FF0000"/>
+                </a:solidFill>
+              </a:rPr>
               <a:t>, </a:t>
             </a:r>
             <a:r>
-              <a:rPr lang="nb-NO" dirty="0" err="1"/>
-              <a:t>parA</a:t>
-            </a:r>
-            <a:r>
-              <a:rPr lang="nb-NO" dirty="0"/>
-              <a:t> </a:t>
-            </a:r>
-            <a:r>
-              <a:rPr lang="nb-NO" dirty="0" err="1"/>
-              <a:t>etc</a:t>
-            </a:r>
-            <a:r>
-              <a:rPr lang="nb-NO" dirty="0"/>
-              <a:t> </a:t>
-            </a:r>
-            <a:r>
-              <a:rPr lang="nb-NO" dirty="0" err="1"/>
-              <a:t>are</a:t>
-            </a:r>
-            <a:r>
-              <a:rPr lang="nb-NO" dirty="0"/>
-              <a:t> </a:t>
-            </a:r>
-            <a:r>
-              <a:rPr lang="nb-NO" dirty="0" err="1"/>
-              <a:t>uploaded</a:t>
-            </a:r>
-            <a:r>
-              <a:rPr lang="nb-NO" dirty="0"/>
-              <a:t>. </a:t>
+              <a:rPr lang="nb-NO" sz="1600" dirty="0" err="1">
+                <a:solidFill>
+                  <a:srgbClr val="FF0000"/>
+                </a:solidFill>
+              </a:rPr>
+              <a:t>we</a:t>
+            </a:r>
+            <a:r>
+              <a:rPr lang="nb-NO" sz="1600" dirty="0">
+                <a:solidFill>
+                  <a:srgbClr val="FF0000"/>
+                </a:solidFill>
+              </a:rPr>
+              <a:t> </a:t>
+            </a:r>
+            <a:r>
+              <a:rPr lang="nb-NO" sz="1600" dirty="0" err="1">
+                <a:solidFill>
+                  <a:srgbClr val="FF0000"/>
+                </a:solidFill>
+              </a:rPr>
+              <a:t>can</a:t>
+            </a:r>
+            <a:r>
+              <a:rPr lang="nb-NO" sz="1600" dirty="0">
+                <a:solidFill>
+                  <a:srgbClr val="FF0000"/>
+                </a:solidFill>
+              </a:rPr>
+              <a:t> </a:t>
+            </a:r>
+            <a:r>
+              <a:rPr lang="nb-NO" sz="1600" dirty="0" err="1">
+                <a:solidFill>
+                  <a:srgbClr val="FF0000"/>
+                </a:solidFill>
+              </a:rPr>
+              <a:t>create</a:t>
+            </a:r>
+            <a:r>
+              <a:rPr lang="nb-NO" sz="1600" dirty="0">
+                <a:solidFill>
+                  <a:srgbClr val="FF0000"/>
+                </a:solidFill>
+              </a:rPr>
+              <a:t> </a:t>
+            </a:r>
+            <a:r>
+              <a:rPr lang="nb-NO" sz="1600" dirty="0" err="1">
+                <a:solidFill>
+                  <a:srgbClr val="FF0000"/>
+                </a:solidFill>
+              </a:rPr>
+              <a:t>two</a:t>
+            </a:r>
+            <a:r>
+              <a:rPr lang="nb-NO" sz="1600" dirty="0">
+                <a:solidFill>
+                  <a:srgbClr val="FF0000"/>
+                </a:solidFill>
+              </a:rPr>
+              <a:t> </a:t>
+            </a:r>
+            <a:r>
+              <a:rPr lang="nb-NO" sz="1600" dirty="0" err="1">
+                <a:solidFill>
+                  <a:srgbClr val="FF0000"/>
+                </a:solidFill>
+              </a:rPr>
+              <a:t>dictionaries</a:t>
+            </a:r>
+            <a:r>
+              <a:rPr lang="nb-NO" sz="1600" dirty="0">
+                <a:solidFill>
+                  <a:srgbClr val="FF0000"/>
+                </a:solidFill>
+              </a:rPr>
+              <a:t>: </a:t>
+            </a:r>
+            <a:r>
+              <a:rPr lang="nb-NO" sz="1600" dirty="0" err="1">
+                <a:solidFill>
+                  <a:srgbClr val="FF0000"/>
+                </a:solidFill>
+              </a:rPr>
+              <a:t>parVtrue</a:t>
+            </a:r>
+            <a:r>
+              <a:rPr lang="nb-NO" sz="1600" dirty="0">
+                <a:solidFill>
+                  <a:srgbClr val="FF0000"/>
+                </a:solidFill>
+              </a:rPr>
+              <a:t>, used in </a:t>
+            </a:r>
+            <a:r>
+              <a:rPr lang="nb-NO" sz="1600" dirty="0" err="1">
+                <a:solidFill>
+                  <a:srgbClr val="FF0000"/>
+                </a:solidFill>
+              </a:rPr>
+              <a:t>the</a:t>
+            </a:r>
+            <a:r>
+              <a:rPr lang="nb-NO" sz="1600" dirty="0">
+                <a:solidFill>
+                  <a:srgbClr val="FF0000"/>
+                </a:solidFill>
+              </a:rPr>
+              <a:t> «true </a:t>
+            </a:r>
+            <a:r>
+              <a:rPr lang="nb-NO" sz="1600" dirty="0" err="1">
+                <a:solidFill>
+                  <a:srgbClr val="FF0000"/>
+                </a:solidFill>
+              </a:rPr>
+              <a:t>model</a:t>
+            </a:r>
+            <a:r>
+              <a:rPr lang="nb-NO" sz="1600" dirty="0">
+                <a:solidFill>
+                  <a:srgbClr val="FF0000"/>
+                </a:solidFill>
+              </a:rPr>
+              <a:t>», and </a:t>
+            </a:r>
+            <a:r>
+              <a:rPr lang="nb-NO" sz="1600" dirty="0" err="1">
+                <a:solidFill>
+                  <a:srgbClr val="FF0000"/>
+                </a:solidFill>
+              </a:rPr>
+              <a:t>parVobs</a:t>
+            </a:r>
+            <a:r>
+              <a:rPr lang="nb-NO" sz="1600" dirty="0">
+                <a:solidFill>
+                  <a:srgbClr val="FF0000"/>
+                </a:solidFill>
+              </a:rPr>
+              <a:t>, used in </a:t>
+            </a:r>
+            <a:r>
+              <a:rPr lang="nb-NO" sz="1600" dirty="0" err="1">
+                <a:solidFill>
+                  <a:srgbClr val="FF0000"/>
+                </a:solidFill>
+              </a:rPr>
+              <a:t>the</a:t>
+            </a:r>
+            <a:r>
+              <a:rPr lang="nb-NO" sz="1600" dirty="0">
+                <a:solidFill>
+                  <a:srgbClr val="FF0000"/>
+                </a:solidFill>
+              </a:rPr>
+              <a:t> observer (</a:t>
+            </a:r>
+            <a:r>
+              <a:rPr lang="nb-NO" sz="1600" dirty="0" err="1">
+                <a:solidFill>
+                  <a:srgbClr val="FF0000"/>
+                </a:solidFill>
+              </a:rPr>
+              <a:t>where</a:t>
+            </a:r>
+            <a:r>
+              <a:rPr lang="nb-NO" sz="1600" dirty="0">
+                <a:solidFill>
+                  <a:srgbClr val="FF0000"/>
+                </a:solidFill>
+              </a:rPr>
+              <a:t> </a:t>
+            </a:r>
+            <a:r>
+              <a:rPr lang="nb-NO" sz="1600" dirty="0" err="1">
+                <a:solidFill>
+                  <a:srgbClr val="FF0000"/>
+                </a:solidFill>
+              </a:rPr>
+              <a:t>the</a:t>
+            </a:r>
+            <a:r>
+              <a:rPr lang="nb-NO" sz="1600" dirty="0">
+                <a:solidFill>
+                  <a:srgbClr val="FF0000"/>
+                </a:solidFill>
+              </a:rPr>
+              <a:t> latter </a:t>
+            </a:r>
+            <a:r>
+              <a:rPr lang="nb-NO" sz="1600" dirty="0" err="1">
+                <a:solidFill>
+                  <a:srgbClr val="FF0000"/>
+                </a:solidFill>
+              </a:rPr>
+              <a:t>contains</a:t>
+            </a:r>
+            <a:r>
+              <a:rPr lang="nb-NO" sz="1600" dirty="0">
+                <a:solidFill>
+                  <a:srgbClr val="FF0000"/>
+                </a:solidFill>
+              </a:rPr>
+              <a:t> </a:t>
+            </a:r>
+            <a:r>
+              <a:rPr lang="nb-NO" sz="1600" dirty="0" err="1">
+                <a:solidFill>
+                  <a:srgbClr val="FF0000"/>
+                </a:solidFill>
+              </a:rPr>
+              <a:t>some</a:t>
+            </a:r>
+            <a:r>
+              <a:rPr lang="nb-NO" sz="1600" dirty="0">
+                <a:solidFill>
+                  <a:srgbClr val="FF0000"/>
+                </a:solidFill>
+              </a:rPr>
+              <a:t> </a:t>
+            </a:r>
+            <a:r>
+              <a:rPr lang="nb-NO" sz="1600" dirty="0" err="1">
+                <a:solidFill>
+                  <a:srgbClr val="FF0000"/>
+                </a:solidFill>
+              </a:rPr>
+              <a:t>error</a:t>
+            </a:r>
+            <a:r>
+              <a:rPr lang="nb-NO" sz="1600" dirty="0">
+                <a:solidFill>
+                  <a:srgbClr val="FF0000"/>
+                </a:solidFill>
+              </a:rPr>
+              <a:t> in </a:t>
+            </a:r>
+            <a:r>
+              <a:rPr lang="nb-NO" sz="1600" dirty="0" err="1">
+                <a:solidFill>
+                  <a:srgbClr val="FF0000"/>
+                </a:solidFill>
+              </a:rPr>
+              <a:t>the</a:t>
+            </a:r>
+            <a:r>
+              <a:rPr lang="nb-NO" sz="1600" dirty="0">
+                <a:solidFill>
+                  <a:srgbClr val="FF0000"/>
+                </a:solidFill>
+              </a:rPr>
+              <a:t> </a:t>
+            </a:r>
+            <a:r>
+              <a:rPr lang="nb-NO" sz="1600" dirty="0" err="1">
+                <a:solidFill>
+                  <a:srgbClr val="FF0000"/>
+                </a:solidFill>
+              </a:rPr>
+              <a:t>model</a:t>
+            </a:r>
+            <a:r>
+              <a:rPr lang="nb-NO" sz="1600" dirty="0">
+                <a:solidFill>
+                  <a:srgbClr val="FF0000"/>
+                </a:solidFill>
+              </a:rPr>
+              <a:t> parameters). </a:t>
             </a:r>
           </a:p>
         </p:txBody>
@@ -5338,7 +9265,7 @@
 </p:sld>
 </file>
 
-<file path=ppt/slides/slide8.xml><?xml version="1.0" encoding="utf-8"?>
+<file path=ppt/slides/slide9.xml><?xml version="1.0" encoding="utf-8"?>
 <p:sld xmlns:a="http://schemas.openxmlformats.org/drawingml/2006/main" xmlns:r="http://schemas.openxmlformats.org/officeDocument/2006/relationships" xmlns:p="http://schemas.openxmlformats.org/presentationml/2006/main">
   <p:cSld>
     <p:spTree>
